--- a/HTML Tutorial/Complete html tutorial notes.pptx
+++ b/HTML Tutorial/Complete html tutorial notes.pptx
@@ -5,18 +5,20 @@
     <p:sldMasterId id="2147483648" r:id="rId1"/>
   </p:sldMasterIdLst>
   <p:notesMasterIdLst>
-    <p:notesMasterId r:id="rId11"/>
+    <p:notesMasterId r:id="rId13"/>
   </p:notesMasterIdLst>
   <p:sldIdLst>
-    <p:sldId id="260" r:id="rId2"/>
-    <p:sldId id="256" r:id="rId3"/>
-    <p:sldId id="257" r:id="rId4"/>
-    <p:sldId id="258" r:id="rId5"/>
-    <p:sldId id="259" r:id="rId6"/>
-    <p:sldId id="264" r:id="rId7"/>
-    <p:sldId id="262" r:id="rId8"/>
-    <p:sldId id="263" r:id="rId9"/>
-    <p:sldId id="261" r:id="rId10"/>
+    <p:sldId id="256" r:id="rId2"/>
+    <p:sldId id="257" r:id="rId3"/>
+    <p:sldId id="258" r:id="rId4"/>
+    <p:sldId id="259" r:id="rId5"/>
+    <p:sldId id="264" r:id="rId6"/>
+    <p:sldId id="262" r:id="rId7"/>
+    <p:sldId id="263" r:id="rId8"/>
+    <p:sldId id="265" r:id="rId9"/>
+    <p:sldId id="266" r:id="rId10"/>
+    <p:sldId id="267" r:id="rId11"/>
+    <p:sldId id="268" r:id="rId12"/>
   </p:sldIdLst>
   <p:sldSz cx="12192000" cy="6858000"/>
   <p:notesSz cx="6858000" cy="9144000"/>
@@ -205,7 +207,7 @@
           <a:p>
             <a:fld id="{45350F1B-5459-4AD4-B771-CCAE253440B3}" type="datetimeFigureOut">
               <a:rPr lang="en-IN" smtClean="0"/>
-              <a:t>04-11-2025</a:t>
+              <a:t>06-11-2025</a:t>
             </a:fld>
             <a:endParaRPr lang="en-IN"/>
           </a:p>
@@ -545,7 +547,7 @@
           <a:p>
             <a:fld id="{DBF8CAA0-A196-4CD0-8F5A-1773FB9AB7D6}" type="slidenum">
               <a:rPr lang="en-IN" smtClean="0"/>
-              <a:t>2</a:t>
+              <a:t>1</a:t>
             </a:fld>
             <a:endParaRPr lang="en-IN"/>
           </a:p>
@@ -555,6 +557,236 @@
     <p:extLst>
       <p:ext uri="{BB962C8B-B14F-4D97-AF65-F5344CB8AC3E}">
         <p14:creationId xmlns:p14="http://schemas.microsoft.com/office/powerpoint/2010/main" val="2214942499"/>
+      </p:ext>
+    </p:extLst>
+  </p:cSld>
+  <p:clrMapOvr>
+    <a:masterClrMapping/>
+  </p:clrMapOvr>
+</p:notes>
+</file>
+
+<file path=ppt/notesSlides/notesSlide10.xml><?xml version="1.0" encoding="utf-8"?>
+<p:notes xmlns:a="http://schemas.openxmlformats.org/drawingml/2006/main" xmlns:r="http://schemas.openxmlformats.org/officeDocument/2006/relationships" xmlns:p="http://schemas.openxmlformats.org/presentationml/2006/main">
+  <p:cSld>
+    <p:spTree>
+      <p:nvGrpSpPr>
+        <p:cNvPr id="1" name="">
+          <a:extLst>
+            <a:ext uri="{FF2B5EF4-FFF2-40B4-BE49-F238E27FC236}">
+              <a16:creationId xmlns:a16="http://schemas.microsoft.com/office/drawing/2014/main" id="{B26A45B0-2196-B0F8-3B01-452AE5ABB515}"/>
+            </a:ext>
+          </a:extLst>
+        </p:cNvPr>
+        <p:cNvGrpSpPr/>
+        <p:nvPr/>
+      </p:nvGrpSpPr>
+      <p:grpSpPr>
+        <a:xfrm>
+          <a:off x="0" y="0"/>
+          <a:ext cx="0" cy="0"/>
+          <a:chOff x="0" y="0"/>
+          <a:chExt cx="0" cy="0"/>
+        </a:xfrm>
+      </p:grpSpPr>
+      <p:sp>
+        <p:nvSpPr>
+          <p:cNvPr id="2" name="Slide Image Placeholder 1">
+            <a:extLst>
+              <a:ext uri="{FF2B5EF4-FFF2-40B4-BE49-F238E27FC236}">
+                <a16:creationId xmlns:a16="http://schemas.microsoft.com/office/drawing/2014/main" id="{49522B4A-3ED3-BBBE-561F-B02E5EAF2017}"/>
+              </a:ext>
+            </a:extLst>
+          </p:cNvPr>
+          <p:cNvSpPr>
+            <a:spLocks noGrp="1" noRot="1" noChangeAspect="1"/>
+          </p:cNvSpPr>
+          <p:nvPr>
+            <p:ph type="sldImg"/>
+          </p:nvPr>
+        </p:nvSpPr>
+        <p:spPr/>
+        <p:txBody>
+          <a:bodyPr/>
+          <a:lstStyle/>
+          <a:p>
+            <a:endParaRPr lang="en-IN"/>
+          </a:p>
+        </p:txBody>
+      </p:sp>
+      <p:sp>
+        <p:nvSpPr>
+          <p:cNvPr id="3" name="Notes Placeholder 2">
+            <a:extLst>
+              <a:ext uri="{FF2B5EF4-FFF2-40B4-BE49-F238E27FC236}">
+                <a16:creationId xmlns:a16="http://schemas.microsoft.com/office/drawing/2014/main" id="{EDBBDE7C-BCA0-6074-76C8-DC55CFF2850C}"/>
+              </a:ext>
+            </a:extLst>
+          </p:cNvPr>
+          <p:cNvSpPr>
+            <a:spLocks noGrp="1"/>
+          </p:cNvSpPr>
+          <p:nvPr>
+            <p:ph type="body" idx="1"/>
+          </p:nvPr>
+        </p:nvSpPr>
+        <p:spPr/>
+        <p:txBody>
+          <a:bodyPr/>
+          <a:lstStyle/>
+          <a:p>
+            <a:endParaRPr lang="en-IN"/>
+          </a:p>
+        </p:txBody>
+      </p:sp>
+      <p:sp>
+        <p:nvSpPr>
+          <p:cNvPr id="4" name="Slide Number Placeholder 3">
+            <a:extLst>
+              <a:ext uri="{FF2B5EF4-FFF2-40B4-BE49-F238E27FC236}">
+                <a16:creationId xmlns:a16="http://schemas.microsoft.com/office/drawing/2014/main" id="{8EE7A8E7-36F7-8B4E-6DEF-1F619AE1ED4C}"/>
+              </a:ext>
+            </a:extLst>
+          </p:cNvPr>
+          <p:cNvSpPr>
+            <a:spLocks noGrp="1"/>
+          </p:cNvSpPr>
+          <p:nvPr>
+            <p:ph type="sldNum" sz="quarter" idx="5"/>
+          </p:nvPr>
+        </p:nvSpPr>
+        <p:spPr/>
+        <p:txBody>
+          <a:bodyPr/>
+          <a:lstStyle/>
+          <a:p>
+            <a:fld id="{DBF8CAA0-A196-4CD0-8F5A-1773FB9AB7D6}" type="slidenum">
+              <a:rPr lang="en-IN" smtClean="0"/>
+              <a:t>10</a:t>
+            </a:fld>
+            <a:endParaRPr lang="en-IN"/>
+          </a:p>
+        </p:txBody>
+      </p:sp>
+    </p:spTree>
+    <p:extLst>
+      <p:ext uri="{BB962C8B-B14F-4D97-AF65-F5344CB8AC3E}">
+        <p14:creationId xmlns:p14="http://schemas.microsoft.com/office/powerpoint/2010/main" val="3710920927"/>
+      </p:ext>
+    </p:extLst>
+  </p:cSld>
+  <p:clrMapOvr>
+    <a:masterClrMapping/>
+  </p:clrMapOvr>
+</p:notes>
+</file>
+
+<file path=ppt/notesSlides/notesSlide11.xml><?xml version="1.0" encoding="utf-8"?>
+<p:notes xmlns:a="http://schemas.openxmlformats.org/drawingml/2006/main" xmlns:r="http://schemas.openxmlformats.org/officeDocument/2006/relationships" xmlns:p="http://schemas.openxmlformats.org/presentationml/2006/main">
+  <p:cSld>
+    <p:spTree>
+      <p:nvGrpSpPr>
+        <p:cNvPr id="1" name="">
+          <a:extLst>
+            <a:ext uri="{FF2B5EF4-FFF2-40B4-BE49-F238E27FC236}">
+              <a16:creationId xmlns:a16="http://schemas.microsoft.com/office/drawing/2014/main" id="{A45A2C6D-F275-D42C-1BAF-1723614B0D9D}"/>
+            </a:ext>
+          </a:extLst>
+        </p:cNvPr>
+        <p:cNvGrpSpPr/>
+        <p:nvPr/>
+      </p:nvGrpSpPr>
+      <p:grpSpPr>
+        <a:xfrm>
+          <a:off x="0" y="0"/>
+          <a:ext cx="0" cy="0"/>
+          <a:chOff x="0" y="0"/>
+          <a:chExt cx="0" cy="0"/>
+        </a:xfrm>
+      </p:grpSpPr>
+      <p:sp>
+        <p:nvSpPr>
+          <p:cNvPr id="2" name="Slide Image Placeholder 1">
+            <a:extLst>
+              <a:ext uri="{FF2B5EF4-FFF2-40B4-BE49-F238E27FC236}">
+                <a16:creationId xmlns:a16="http://schemas.microsoft.com/office/drawing/2014/main" id="{848549CE-B7AA-70BB-798B-8962DF290BB5}"/>
+              </a:ext>
+            </a:extLst>
+          </p:cNvPr>
+          <p:cNvSpPr>
+            <a:spLocks noGrp="1" noRot="1" noChangeAspect="1"/>
+          </p:cNvSpPr>
+          <p:nvPr>
+            <p:ph type="sldImg"/>
+          </p:nvPr>
+        </p:nvSpPr>
+        <p:spPr/>
+        <p:txBody>
+          <a:bodyPr/>
+          <a:lstStyle/>
+          <a:p>
+            <a:endParaRPr lang="en-IN"/>
+          </a:p>
+        </p:txBody>
+      </p:sp>
+      <p:sp>
+        <p:nvSpPr>
+          <p:cNvPr id="3" name="Notes Placeholder 2">
+            <a:extLst>
+              <a:ext uri="{FF2B5EF4-FFF2-40B4-BE49-F238E27FC236}">
+                <a16:creationId xmlns:a16="http://schemas.microsoft.com/office/drawing/2014/main" id="{368FA5A0-1A53-3E00-CC1A-2978835DF774}"/>
+              </a:ext>
+            </a:extLst>
+          </p:cNvPr>
+          <p:cNvSpPr>
+            <a:spLocks noGrp="1"/>
+          </p:cNvSpPr>
+          <p:nvPr>
+            <p:ph type="body" idx="1"/>
+          </p:nvPr>
+        </p:nvSpPr>
+        <p:spPr/>
+        <p:txBody>
+          <a:bodyPr/>
+          <a:lstStyle/>
+          <a:p>
+            <a:endParaRPr lang="en-IN"/>
+          </a:p>
+        </p:txBody>
+      </p:sp>
+      <p:sp>
+        <p:nvSpPr>
+          <p:cNvPr id="4" name="Slide Number Placeholder 3">
+            <a:extLst>
+              <a:ext uri="{FF2B5EF4-FFF2-40B4-BE49-F238E27FC236}">
+                <a16:creationId xmlns:a16="http://schemas.microsoft.com/office/drawing/2014/main" id="{0EB42926-46A4-B642-A527-9523228009B9}"/>
+              </a:ext>
+            </a:extLst>
+          </p:cNvPr>
+          <p:cNvSpPr>
+            <a:spLocks noGrp="1"/>
+          </p:cNvSpPr>
+          <p:nvPr>
+            <p:ph type="sldNum" sz="quarter" idx="5"/>
+          </p:nvPr>
+        </p:nvSpPr>
+        <p:spPr/>
+        <p:txBody>
+          <a:bodyPr/>
+          <a:lstStyle/>
+          <a:p>
+            <a:fld id="{DBF8CAA0-A196-4CD0-8F5A-1773FB9AB7D6}" type="slidenum">
+              <a:rPr lang="en-IN" smtClean="0"/>
+              <a:t>11</a:t>
+            </a:fld>
+            <a:endParaRPr lang="en-IN"/>
+          </a:p>
+        </p:txBody>
+      </p:sp>
+    </p:spTree>
+    <p:extLst>
+      <p:ext uri="{BB962C8B-B14F-4D97-AF65-F5344CB8AC3E}">
+        <p14:creationId xmlns:p14="http://schemas.microsoft.com/office/powerpoint/2010/main" val="4236159536"/>
       </p:ext>
     </p:extLst>
   </p:cSld>
@@ -660,7 +892,7 @@
           <a:p>
             <a:fld id="{DBF8CAA0-A196-4CD0-8F5A-1773FB9AB7D6}" type="slidenum">
               <a:rPr lang="en-IN" smtClean="0"/>
-              <a:t>3</a:t>
+              <a:t>2</a:t>
             </a:fld>
             <a:endParaRPr lang="en-IN"/>
           </a:p>
@@ -775,7 +1007,7 @@
           <a:p>
             <a:fld id="{DBF8CAA0-A196-4CD0-8F5A-1773FB9AB7D6}" type="slidenum">
               <a:rPr lang="en-IN" smtClean="0"/>
-              <a:t>4</a:t>
+              <a:t>3</a:t>
             </a:fld>
             <a:endParaRPr lang="en-IN"/>
           </a:p>
@@ -890,7 +1122,7 @@
           <a:p>
             <a:fld id="{DBF8CAA0-A196-4CD0-8F5A-1773FB9AB7D6}" type="slidenum">
               <a:rPr lang="en-IN" smtClean="0"/>
-              <a:t>5</a:t>
+              <a:t>4</a:t>
             </a:fld>
             <a:endParaRPr lang="en-IN"/>
           </a:p>
@@ -1005,7 +1237,7 @@
           <a:p>
             <a:fld id="{DBF8CAA0-A196-4CD0-8F5A-1773FB9AB7D6}" type="slidenum">
               <a:rPr lang="en-IN" smtClean="0"/>
-              <a:t>6</a:t>
+              <a:t>5</a:t>
             </a:fld>
             <a:endParaRPr lang="en-IN"/>
           </a:p>
@@ -1120,7 +1352,7 @@
           <a:p>
             <a:fld id="{DBF8CAA0-A196-4CD0-8F5A-1773FB9AB7D6}" type="slidenum">
               <a:rPr lang="en-IN" smtClean="0"/>
-              <a:t>7</a:t>
+              <a:t>6</a:t>
             </a:fld>
             <a:endParaRPr lang="en-IN"/>
           </a:p>
@@ -1235,7 +1467,7 @@
           <a:p>
             <a:fld id="{DBF8CAA0-A196-4CD0-8F5A-1773FB9AB7D6}" type="slidenum">
               <a:rPr lang="en-IN" smtClean="0"/>
-              <a:t>8</a:t>
+              <a:t>7</a:t>
             </a:fld>
             <a:endParaRPr lang="en-IN"/>
           </a:p>
@@ -1245,6 +1477,236 @@
     <p:extLst>
       <p:ext uri="{BB962C8B-B14F-4D97-AF65-F5344CB8AC3E}">
         <p14:creationId xmlns:p14="http://schemas.microsoft.com/office/powerpoint/2010/main" val="3365666994"/>
+      </p:ext>
+    </p:extLst>
+  </p:cSld>
+  <p:clrMapOvr>
+    <a:masterClrMapping/>
+  </p:clrMapOvr>
+</p:notes>
+</file>
+
+<file path=ppt/notesSlides/notesSlide8.xml><?xml version="1.0" encoding="utf-8"?>
+<p:notes xmlns:a="http://schemas.openxmlformats.org/drawingml/2006/main" xmlns:r="http://schemas.openxmlformats.org/officeDocument/2006/relationships" xmlns:p="http://schemas.openxmlformats.org/presentationml/2006/main">
+  <p:cSld>
+    <p:spTree>
+      <p:nvGrpSpPr>
+        <p:cNvPr id="1" name="">
+          <a:extLst>
+            <a:ext uri="{FF2B5EF4-FFF2-40B4-BE49-F238E27FC236}">
+              <a16:creationId xmlns:a16="http://schemas.microsoft.com/office/drawing/2014/main" id="{A69BBE9D-9DB7-A6B4-2FAA-FDB0AA06862C}"/>
+            </a:ext>
+          </a:extLst>
+        </p:cNvPr>
+        <p:cNvGrpSpPr/>
+        <p:nvPr/>
+      </p:nvGrpSpPr>
+      <p:grpSpPr>
+        <a:xfrm>
+          <a:off x="0" y="0"/>
+          <a:ext cx="0" cy="0"/>
+          <a:chOff x="0" y="0"/>
+          <a:chExt cx="0" cy="0"/>
+        </a:xfrm>
+      </p:grpSpPr>
+      <p:sp>
+        <p:nvSpPr>
+          <p:cNvPr id="2" name="Slide Image Placeholder 1">
+            <a:extLst>
+              <a:ext uri="{FF2B5EF4-FFF2-40B4-BE49-F238E27FC236}">
+                <a16:creationId xmlns:a16="http://schemas.microsoft.com/office/drawing/2014/main" id="{B9A39206-CBDE-A2D3-7594-5A3E1FF33349}"/>
+              </a:ext>
+            </a:extLst>
+          </p:cNvPr>
+          <p:cNvSpPr>
+            <a:spLocks noGrp="1" noRot="1" noChangeAspect="1"/>
+          </p:cNvSpPr>
+          <p:nvPr>
+            <p:ph type="sldImg"/>
+          </p:nvPr>
+        </p:nvSpPr>
+        <p:spPr/>
+        <p:txBody>
+          <a:bodyPr/>
+          <a:lstStyle/>
+          <a:p>
+            <a:endParaRPr lang="en-IN"/>
+          </a:p>
+        </p:txBody>
+      </p:sp>
+      <p:sp>
+        <p:nvSpPr>
+          <p:cNvPr id="3" name="Notes Placeholder 2">
+            <a:extLst>
+              <a:ext uri="{FF2B5EF4-FFF2-40B4-BE49-F238E27FC236}">
+                <a16:creationId xmlns:a16="http://schemas.microsoft.com/office/drawing/2014/main" id="{44EC92CD-052F-B179-B441-35315A65054D}"/>
+              </a:ext>
+            </a:extLst>
+          </p:cNvPr>
+          <p:cNvSpPr>
+            <a:spLocks noGrp="1"/>
+          </p:cNvSpPr>
+          <p:nvPr>
+            <p:ph type="body" idx="1"/>
+          </p:nvPr>
+        </p:nvSpPr>
+        <p:spPr/>
+        <p:txBody>
+          <a:bodyPr/>
+          <a:lstStyle/>
+          <a:p>
+            <a:endParaRPr lang="en-IN"/>
+          </a:p>
+        </p:txBody>
+      </p:sp>
+      <p:sp>
+        <p:nvSpPr>
+          <p:cNvPr id="4" name="Slide Number Placeholder 3">
+            <a:extLst>
+              <a:ext uri="{FF2B5EF4-FFF2-40B4-BE49-F238E27FC236}">
+                <a16:creationId xmlns:a16="http://schemas.microsoft.com/office/drawing/2014/main" id="{4123A40E-D6EA-A5D2-1C4D-6275C3D2E275}"/>
+              </a:ext>
+            </a:extLst>
+          </p:cNvPr>
+          <p:cNvSpPr>
+            <a:spLocks noGrp="1"/>
+          </p:cNvSpPr>
+          <p:nvPr>
+            <p:ph type="sldNum" sz="quarter" idx="5"/>
+          </p:nvPr>
+        </p:nvSpPr>
+        <p:spPr/>
+        <p:txBody>
+          <a:bodyPr/>
+          <a:lstStyle/>
+          <a:p>
+            <a:fld id="{DBF8CAA0-A196-4CD0-8F5A-1773FB9AB7D6}" type="slidenum">
+              <a:rPr lang="en-IN" smtClean="0"/>
+              <a:t>8</a:t>
+            </a:fld>
+            <a:endParaRPr lang="en-IN"/>
+          </a:p>
+        </p:txBody>
+      </p:sp>
+    </p:spTree>
+    <p:extLst>
+      <p:ext uri="{BB962C8B-B14F-4D97-AF65-F5344CB8AC3E}">
+        <p14:creationId xmlns:p14="http://schemas.microsoft.com/office/powerpoint/2010/main" val="498920024"/>
+      </p:ext>
+    </p:extLst>
+  </p:cSld>
+  <p:clrMapOvr>
+    <a:masterClrMapping/>
+  </p:clrMapOvr>
+</p:notes>
+</file>
+
+<file path=ppt/notesSlides/notesSlide9.xml><?xml version="1.0" encoding="utf-8"?>
+<p:notes xmlns:a="http://schemas.openxmlformats.org/drawingml/2006/main" xmlns:r="http://schemas.openxmlformats.org/officeDocument/2006/relationships" xmlns:p="http://schemas.openxmlformats.org/presentationml/2006/main">
+  <p:cSld>
+    <p:spTree>
+      <p:nvGrpSpPr>
+        <p:cNvPr id="1" name="">
+          <a:extLst>
+            <a:ext uri="{FF2B5EF4-FFF2-40B4-BE49-F238E27FC236}">
+              <a16:creationId xmlns:a16="http://schemas.microsoft.com/office/drawing/2014/main" id="{CAFC2C11-57E3-9941-281D-531EF5D47F5D}"/>
+            </a:ext>
+          </a:extLst>
+        </p:cNvPr>
+        <p:cNvGrpSpPr/>
+        <p:nvPr/>
+      </p:nvGrpSpPr>
+      <p:grpSpPr>
+        <a:xfrm>
+          <a:off x="0" y="0"/>
+          <a:ext cx="0" cy="0"/>
+          <a:chOff x="0" y="0"/>
+          <a:chExt cx="0" cy="0"/>
+        </a:xfrm>
+      </p:grpSpPr>
+      <p:sp>
+        <p:nvSpPr>
+          <p:cNvPr id="2" name="Slide Image Placeholder 1">
+            <a:extLst>
+              <a:ext uri="{FF2B5EF4-FFF2-40B4-BE49-F238E27FC236}">
+                <a16:creationId xmlns:a16="http://schemas.microsoft.com/office/drawing/2014/main" id="{F0877A21-1588-110F-5410-3D37D858F512}"/>
+              </a:ext>
+            </a:extLst>
+          </p:cNvPr>
+          <p:cNvSpPr>
+            <a:spLocks noGrp="1" noRot="1" noChangeAspect="1"/>
+          </p:cNvSpPr>
+          <p:nvPr>
+            <p:ph type="sldImg"/>
+          </p:nvPr>
+        </p:nvSpPr>
+        <p:spPr/>
+        <p:txBody>
+          <a:bodyPr/>
+          <a:lstStyle/>
+          <a:p>
+            <a:endParaRPr lang="en-IN"/>
+          </a:p>
+        </p:txBody>
+      </p:sp>
+      <p:sp>
+        <p:nvSpPr>
+          <p:cNvPr id="3" name="Notes Placeholder 2">
+            <a:extLst>
+              <a:ext uri="{FF2B5EF4-FFF2-40B4-BE49-F238E27FC236}">
+                <a16:creationId xmlns:a16="http://schemas.microsoft.com/office/drawing/2014/main" id="{53F6BD3B-FBFD-E6DE-FED3-0E11F78DEF9E}"/>
+              </a:ext>
+            </a:extLst>
+          </p:cNvPr>
+          <p:cNvSpPr>
+            <a:spLocks noGrp="1"/>
+          </p:cNvSpPr>
+          <p:nvPr>
+            <p:ph type="body" idx="1"/>
+          </p:nvPr>
+        </p:nvSpPr>
+        <p:spPr/>
+        <p:txBody>
+          <a:bodyPr/>
+          <a:lstStyle/>
+          <a:p>
+            <a:endParaRPr lang="en-IN"/>
+          </a:p>
+        </p:txBody>
+      </p:sp>
+      <p:sp>
+        <p:nvSpPr>
+          <p:cNvPr id="4" name="Slide Number Placeholder 3">
+            <a:extLst>
+              <a:ext uri="{FF2B5EF4-FFF2-40B4-BE49-F238E27FC236}">
+                <a16:creationId xmlns:a16="http://schemas.microsoft.com/office/drawing/2014/main" id="{E6E5A563-0C64-2198-572C-027845EB8DEA}"/>
+              </a:ext>
+            </a:extLst>
+          </p:cNvPr>
+          <p:cNvSpPr>
+            <a:spLocks noGrp="1"/>
+          </p:cNvSpPr>
+          <p:nvPr>
+            <p:ph type="sldNum" sz="quarter" idx="5"/>
+          </p:nvPr>
+        </p:nvSpPr>
+        <p:spPr/>
+        <p:txBody>
+          <a:bodyPr/>
+          <a:lstStyle/>
+          <a:p>
+            <a:fld id="{DBF8CAA0-A196-4CD0-8F5A-1773FB9AB7D6}" type="slidenum">
+              <a:rPr lang="en-IN" smtClean="0"/>
+              <a:t>9</a:t>
+            </a:fld>
+            <a:endParaRPr lang="en-IN"/>
+          </a:p>
+        </p:txBody>
+      </p:sp>
+    </p:spTree>
+    <p:extLst>
+      <p:ext uri="{BB962C8B-B14F-4D97-AF65-F5344CB8AC3E}">
+        <p14:creationId xmlns:p14="http://schemas.microsoft.com/office/powerpoint/2010/main" val="1093447011"/>
       </p:ext>
     </p:extLst>
   </p:cSld>
@@ -1403,7 +1865,7 @@
           <a:p>
             <a:fld id="{07C20F86-2F36-40CB-BB67-D219B5E1B76D}" type="datetimeFigureOut">
               <a:rPr lang="en-IN" smtClean="0"/>
-              <a:t>04-11-2025</a:t>
+              <a:t>06-11-2025</a:t>
             </a:fld>
             <a:endParaRPr lang="en-IN"/>
           </a:p>
@@ -1603,7 +2065,7 @@
           <a:p>
             <a:fld id="{07C20F86-2F36-40CB-BB67-D219B5E1B76D}" type="datetimeFigureOut">
               <a:rPr lang="en-IN" smtClean="0"/>
-              <a:t>04-11-2025</a:t>
+              <a:t>06-11-2025</a:t>
             </a:fld>
             <a:endParaRPr lang="en-IN"/>
           </a:p>
@@ -1813,7 +2275,7 @@
           <a:p>
             <a:fld id="{07C20F86-2F36-40CB-BB67-D219B5E1B76D}" type="datetimeFigureOut">
               <a:rPr lang="en-IN" smtClean="0"/>
-              <a:t>04-11-2025</a:t>
+              <a:t>06-11-2025</a:t>
             </a:fld>
             <a:endParaRPr lang="en-IN"/>
           </a:p>
@@ -2013,7 +2475,7 @@
           <a:p>
             <a:fld id="{07C20F86-2F36-40CB-BB67-D219B5E1B76D}" type="datetimeFigureOut">
               <a:rPr lang="en-IN" smtClean="0"/>
-              <a:t>04-11-2025</a:t>
+              <a:t>06-11-2025</a:t>
             </a:fld>
             <a:endParaRPr lang="en-IN"/>
           </a:p>
@@ -2289,7 +2751,7 @@
           <a:p>
             <a:fld id="{07C20F86-2F36-40CB-BB67-D219B5E1B76D}" type="datetimeFigureOut">
               <a:rPr lang="en-IN" smtClean="0"/>
-              <a:t>04-11-2025</a:t>
+              <a:t>06-11-2025</a:t>
             </a:fld>
             <a:endParaRPr lang="en-IN"/>
           </a:p>
@@ -2557,7 +3019,7 @@
           <a:p>
             <a:fld id="{07C20F86-2F36-40CB-BB67-D219B5E1B76D}" type="datetimeFigureOut">
               <a:rPr lang="en-IN" smtClean="0"/>
-              <a:t>04-11-2025</a:t>
+              <a:t>06-11-2025</a:t>
             </a:fld>
             <a:endParaRPr lang="en-IN"/>
           </a:p>
@@ -2972,7 +3434,7 @@
           <a:p>
             <a:fld id="{07C20F86-2F36-40CB-BB67-D219B5E1B76D}" type="datetimeFigureOut">
               <a:rPr lang="en-IN" smtClean="0"/>
-              <a:t>04-11-2025</a:t>
+              <a:t>06-11-2025</a:t>
             </a:fld>
             <a:endParaRPr lang="en-IN"/>
           </a:p>
@@ -3114,7 +3576,7 @@
           <a:p>
             <a:fld id="{07C20F86-2F36-40CB-BB67-D219B5E1B76D}" type="datetimeFigureOut">
               <a:rPr lang="en-IN" smtClean="0"/>
-              <a:t>04-11-2025</a:t>
+              <a:t>06-11-2025</a:t>
             </a:fld>
             <a:endParaRPr lang="en-IN"/>
           </a:p>
@@ -3227,7 +3689,7 @@
           <a:p>
             <a:fld id="{07C20F86-2F36-40CB-BB67-D219B5E1B76D}" type="datetimeFigureOut">
               <a:rPr lang="en-IN" smtClean="0"/>
-              <a:t>04-11-2025</a:t>
+              <a:t>06-11-2025</a:t>
             </a:fld>
             <a:endParaRPr lang="en-IN"/>
           </a:p>
@@ -3540,7 +4002,7 @@
           <a:p>
             <a:fld id="{07C20F86-2F36-40CB-BB67-D219B5E1B76D}" type="datetimeFigureOut">
               <a:rPr lang="en-IN" smtClean="0"/>
-              <a:t>04-11-2025</a:t>
+              <a:t>06-11-2025</a:t>
             </a:fld>
             <a:endParaRPr lang="en-IN"/>
           </a:p>
@@ -3829,7 +4291,7 @@
           <a:p>
             <a:fld id="{07C20F86-2F36-40CB-BB67-D219B5E1B76D}" type="datetimeFigureOut">
               <a:rPr lang="en-IN" smtClean="0"/>
-              <a:t>04-11-2025</a:t>
+              <a:t>06-11-2025</a:t>
             </a:fld>
             <a:endParaRPr lang="en-IN"/>
           </a:p>
@@ -4072,7 +4534,7 @@
           <a:p>
             <a:fld id="{07C20F86-2F36-40CB-BB67-D219B5E1B76D}" type="datetimeFigureOut">
               <a:rPr lang="en-IN" smtClean="0"/>
-              <a:t>04-11-2025</a:t>
+              <a:t>06-11-2025</a:t>
             </a:fld>
             <a:endParaRPr lang="en-IN"/>
           </a:p>
@@ -4473,66 +4935,6 @@
 </file>
 
 <file path=ppt/slides/slide1.xml><?xml version="1.0" encoding="utf-8"?>
-<p:sld xmlns:a="http://schemas.openxmlformats.org/drawingml/2006/main" xmlns:r="http://schemas.openxmlformats.org/officeDocument/2006/relationships" xmlns:p="http://schemas.openxmlformats.org/presentationml/2006/main">
-  <p:cSld>
-    <p:spTree>
-      <p:nvGrpSpPr>
-        <p:cNvPr id="1" name=""/>
-        <p:cNvGrpSpPr/>
-        <p:nvPr/>
-      </p:nvGrpSpPr>
-      <p:grpSpPr>
-        <a:xfrm>
-          <a:off x="0" y="0"/>
-          <a:ext cx="0" cy="0"/>
-          <a:chOff x="0" y="0"/>
-          <a:chExt cx="0" cy="0"/>
-        </a:xfrm>
-      </p:grpSpPr>
-      <p:pic>
-        <p:nvPicPr>
-          <p:cNvPr id="4" name="Picture 3">
-            <a:extLst>
-              <a:ext uri="{FF2B5EF4-FFF2-40B4-BE49-F238E27FC236}">
-                <a16:creationId xmlns:a16="http://schemas.microsoft.com/office/drawing/2014/main" id="{EA98689E-0A4F-E596-2660-DD8DE33F7DA0}"/>
-              </a:ext>
-            </a:extLst>
-          </p:cNvPr>
-          <p:cNvPicPr>
-            <a:picLocks noChangeAspect="1"/>
-          </p:cNvPicPr>
-          <p:nvPr/>
-        </p:nvPicPr>
-        <p:blipFill>
-          <a:blip r:embed="rId2"/>
-          <a:stretch>
-            <a:fillRect/>
-          </a:stretch>
-        </p:blipFill>
-        <p:spPr>
-          <a:xfrm>
-            <a:off x="932188" y="530173"/>
-            <a:ext cx="10327624" cy="5797654"/>
-          </a:xfrm>
-          <a:prstGeom prst="rect">
-            <a:avLst/>
-          </a:prstGeom>
-        </p:spPr>
-      </p:pic>
-    </p:spTree>
-    <p:extLst>
-      <p:ext uri="{BB962C8B-B14F-4D97-AF65-F5344CB8AC3E}">
-        <p14:creationId xmlns:p14="http://schemas.microsoft.com/office/powerpoint/2010/main" val="1161541127"/>
-      </p:ext>
-    </p:extLst>
-  </p:cSld>
-  <p:clrMapOvr>
-    <a:masterClrMapping/>
-  </p:clrMapOvr>
-</p:sld>
-</file>
-
-<file path=ppt/slides/slide2.xml><?xml version="1.0" encoding="utf-8"?>
 <p:sld xmlns:a="http://schemas.openxmlformats.org/drawingml/2006/main" xmlns:r="http://schemas.openxmlformats.org/officeDocument/2006/relationships" xmlns:p="http://schemas.openxmlformats.org/presentationml/2006/main">
   <p:cSld>
     <p:bg>
@@ -5959,7 +6361,2586 @@
 </p:sld>
 </file>
 
-<file path=ppt/slides/slide3.xml><?xml version="1.0" encoding="utf-8"?>
+<file path=ppt/slides/slide10.xml><?xml version="1.0" encoding="utf-8"?>
+<p:sld xmlns:a="http://schemas.openxmlformats.org/drawingml/2006/main" xmlns:r="http://schemas.openxmlformats.org/officeDocument/2006/relationships" xmlns:p="http://schemas.openxmlformats.org/presentationml/2006/main">
+  <p:cSld>
+    <p:bg>
+      <p:bgPr>
+        <a:pattFill prst="pct5">
+          <a:fgClr>
+            <a:schemeClr val="accent1"/>
+          </a:fgClr>
+          <a:bgClr>
+            <a:schemeClr val="bg1"/>
+          </a:bgClr>
+        </a:pattFill>
+        <a:effectLst/>
+      </p:bgPr>
+    </p:bg>
+    <p:spTree>
+      <p:nvGrpSpPr>
+        <p:cNvPr id="1" name="">
+          <a:extLst>
+            <a:ext uri="{FF2B5EF4-FFF2-40B4-BE49-F238E27FC236}">
+              <a16:creationId xmlns:a16="http://schemas.microsoft.com/office/drawing/2014/main" id="{96B4E431-B9E8-97AA-9604-03662FB2EAF1}"/>
+            </a:ext>
+          </a:extLst>
+        </p:cNvPr>
+        <p:cNvGrpSpPr/>
+        <p:nvPr/>
+      </p:nvGrpSpPr>
+      <p:grpSpPr>
+        <a:xfrm>
+          <a:off x="0" y="0"/>
+          <a:ext cx="0" cy="0"/>
+          <a:chOff x="0" y="0"/>
+          <a:chExt cx="0" cy="0"/>
+        </a:xfrm>
+      </p:grpSpPr>
+      <p:pic>
+        <p:nvPicPr>
+          <p:cNvPr id="8" name="Picture 7">
+            <a:extLst>
+              <a:ext uri="{FF2B5EF4-FFF2-40B4-BE49-F238E27FC236}">
+                <a16:creationId xmlns:a16="http://schemas.microsoft.com/office/drawing/2014/main" id="{3EF4DD18-2162-6571-EC8F-554CCEAA44FB}"/>
+              </a:ext>
+            </a:extLst>
+          </p:cNvPr>
+          <p:cNvPicPr>
+            <a:picLocks noChangeAspect="1"/>
+          </p:cNvPicPr>
+          <p:nvPr/>
+        </p:nvPicPr>
+        <p:blipFill>
+          <a:blip r:embed="rId3">
+            <a:extLst>
+              <a:ext uri="{BEBA8EAE-BF5A-486C-A8C5-ECC9F3942E4B}">
+                <a14:imgProps xmlns:a14="http://schemas.microsoft.com/office/drawing/2010/main">
+                  <a14:imgLayer r:embed="rId4">
+                    <a14:imgEffect>
+                      <a14:backgroundRemoval t="10000" b="90000" l="10000" r="90000">
+                        <a14:foregroundMark x1="28417" y1="45552" x2="25899" y2="49466"/>
+                        <a14:foregroundMark x1="39928" y1="46619" x2="58993" y2="51601"/>
+                        <a14:foregroundMark x1="61871" y1="48754" x2="56835" y2="48399"/>
+                        <a14:foregroundMark x1="61871" y1="48043" x2="32014" y2="33096"/>
+                        <a14:foregroundMark x1="32014" y1="33096" x2="33453" y2="50890"/>
+                        <a14:foregroundMark x1="38849" y1="45196" x2="21583" y2="46263"/>
+                        <a14:foregroundMark x1="34892" y1="45907" x2="33453" y2="46619"/>
+                        <a14:foregroundMark x1="55396" y1="42705" x2="71583" y2="44840"/>
+                      </a14:backgroundRemoval>
+                    </a14:imgEffect>
+                  </a14:imgLayer>
+                </a14:imgProps>
+              </a:ext>
+              <a:ext uri="{28A0092B-C50C-407E-A947-70E740481C1C}">
+                <a14:useLocalDpi xmlns:a14="http://schemas.microsoft.com/office/drawing/2010/main" val="0"/>
+              </a:ext>
+            </a:extLst>
+          </a:blip>
+          <a:stretch>
+            <a:fillRect/>
+          </a:stretch>
+        </p:blipFill>
+        <p:spPr>
+          <a:xfrm>
+            <a:off x="10271760" y="-264241"/>
+            <a:ext cx="2076725" cy="2099136"/>
+          </a:xfrm>
+          <a:prstGeom prst="rect">
+            <a:avLst/>
+          </a:prstGeom>
+        </p:spPr>
+      </p:pic>
+      <p:sp>
+        <p:nvSpPr>
+          <p:cNvPr id="5" name="TextBox 4">
+            <a:extLst>
+              <a:ext uri="{FF2B5EF4-FFF2-40B4-BE49-F238E27FC236}">
+                <a16:creationId xmlns:a16="http://schemas.microsoft.com/office/drawing/2014/main" id="{47DF9AA8-9B21-D558-EDE8-24D85319FD5D}"/>
+              </a:ext>
+            </a:extLst>
+          </p:cNvPr>
+          <p:cNvSpPr txBox="1"/>
+          <p:nvPr/>
+        </p:nvSpPr>
+        <p:spPr>
+          <a:xfrm>
+            <a:off x="692867" y="202165"/>
+            <a:ext cx="7704040" cy="1754326"/>
+          </a:xfrm>
+          <a:prstGeom prst="rect">
+            <a:avLst/>
+          </a:prstGeom>
+          <a:noFill/>
+        </p:spPr>
+        <p:txBody>
+          <a:bodyPr wrap="square" rtlCol="0">
+            <a:spAutoFit/>
+          </a:bodyPr>
+          <a:lstStyle/>
+          <a:p>
+            <a:r>
+              <a:rPr lang="en-US" sz="5400" u="sng" dirty="0">
+                <a:highlight>
+                  <a:srgbClr val="FFFF00"/>
+                </a:highlight>
+              </a:rPr>
+              <a:t> Types of Elements</a:t>
+            </a:r>
+            <a:endParaRPr lang="en-IN" sz="5400" u="sng" dirty="0">
+              <a:highlight>
+                <a:srgbClr val="FFFF00"/>
+              </a:highlight>
+            </a:endParaRPr>
+          </a:p>
+          <a:p>
+            <a:endParaRPr lang="en-IN" sz="5400" u="sng" dirty="0">
+              <a:highlight>
+                <a:srgbClr val="FFFF00"/>
+              </a:highlight>
+            </a:endParaRPr>
+          </a:p>
+        </p:txBody>
+      </p:sp>
+      <p:sp>
+        <p:nvSpPr>
+          <p:cNvPr id="3" name="Rectangle 2">
+            <a:extLst>
+              <a:ext uri="{FF2B5EF4-FFF2-40B4-BE49-F238E27FC236}">
+                <a16:creationId xmlns:a16="http://schemas.microsoft.com/office/drawing/2014/main" id="{781B771F-F370-498E-5083-EE2EAFD2B9A4}"/>
+              </a:ext>
+            </a:extLst>
+          </p:cNvPr>
+          <p:cNvSpPr>
+            <a:spLocks noChangeArrowheads="1"/>
+          </p:cNvSpPr>
+          <p:nvPr/>
+        </p:nvSpPr>
+        <p:spPr bwMode="auto">
+          <a:xfrm>
+            <a:off x="692867" y="1117396"/>
+            <a:ext cx="10099040" cy="4661276"/>
+          </a:xfrm>
+          <a:prstGeom prst="rect">
+            <a:avLst/>
+          </a:prstGeom>
+          <a:noFill/>
+          <a:ln>
+            <a:noFill/>
+          </a:ln>
+          <a:effectLst/>
+          <a:extLst>
+            <a:ext uri="{909E8E84-426E-40DD-AFC4-6F175D3DCCD1}">
+              <a14:hiddenFill xmlns:a14="http://schemas.microsoft.com/office/drawing/2010/main">
+                <a:solidFill>
+                  <a:schemeClr val="accent1"/>
+                </a:solidFill>
+              </a14:hiddenFill>
+            </a:ext>
+            <a:ext uri="{91240B29-F687-4F45-9708-019B960494DF}">
+              <a14:hiddenLine xmlns:a14="http://schemas.microsoft.com/office/drawing/2010/main" w="9525">
+                <a:solidFill>
+                  <a:schemeClr val="tx1"/>
+                </a:solidFill>
+                <a:miter lim="800000"/>
+                <a:headEnd/>
+                <a:tailEnd/>
+              </a14:hiddenLine>
+            </a:ext>
+            <a:ext uri="{AF507438-7753-43E0-B8FC-AC1667EBCBE1}">
+              <a14:hiddenEffects xmlns:a14="http://schemas.microsoft.com/office/drawing/2010/main">
+                <a:effectLst>
+                  <a:outerShdw dist="35921" dir="2700000" algn="ctr" rotWithShape="0">
+                    <a:schemeClr val="bg2"/>
+                  </a:outerShdw>
+                </a:effectLst>
+              </a14:hiddenEffects>
+            </a:ext>
+          </a:extLst>
+        </p:spPr>
+        <p:txBody>
+          <a:bodyPr vert="horz" wrap="square" lIns="91440" tIns="45720" rIns="91440" bIns="45720" numCol="1" anchor="ctr" anchorCtr="0" compatLnSpc="1">
+            <a:prstTxWarp prst="textNoShape">
+              <a:avLst/>
+            </a:prstTxWarp>
+            <a:spAutoFit/>
+          </a:bodyPr>
+          <a:lstStyle/>
+          <a:p>
+            <a:pPr marL="914400" lvl="1" indent="-457200" eaLnBrk="0" fontAlgn="base" hangingPunct="0">
+              <a:lnSpc>
+                <a:spcPct val="150000"/>
+              </a:lnSpc>
+              <a:spcBef>
+                <a:spcPct val="0"/>
+              </a:spcBef>
+              <a:spcAft>
+                <a:spcPct val="0"/>
+              </a:spcAft>
+              <a:buFont typeface="+mj-lt"/>
+              <a:buAutoNum type="arabicPeriod"/>
+              <a:tabLst>
+                <a:tab pos="803275" algn="l"/>
+              </a:tabLst>
+            </a:pPr>
+            <a:endParaRPr kumimoji="0" lang="en-US" altLang="en-US" sz="2000" b="0" i="0" u="none" strike="noStrike" cap="none" normalizeH="0" baseline="0" dirty="0">
+              <a:ln>
+                <a:noFill/>
+              </a:ln>
+              <a:solidFill>
+                <a:schemeClr val="tx1"/>
+              </a:solidFill>
+              <a:effectLst/>
+            </a:endParaRPr>
+          </a:p>
+          <a:p>
+            <a:pPr lvl="1" eaLnBrk="0" fontAlgn="base" hangingPunct="0">
+              <a:lnSpc>
+                <a:spcPct val="150000"/>
+              </a:lnSpc>
+              <a:spcBef>
+                <a:spcPct val="0"/>
+              </a:spcBef>
+              <a:spcAft>
+                <a:spcPct val="0"/>
+              </a:spcAft>
+              <a:tabLst>
+                <a:tab pos="803275" algn="l"/>
+              </a:tabLst>
+            </a:pPr>
+            <a:r>
+              <a:rPr kumimoji="0" lang="en-US" altLang="en-US" sz="2000" b="0" i="0" u="none" strike="noStrike" cap="none" normalizeH="0" baseline="0" dirty="0">
+                <a:ln>
+                  <a:noFill/>
+                </a:ln>
+                <a:solidFill>
+                  <a:schemeClr val="tx1"/>
+                </a:solidFill>
+                <a:effectLst/>
+                <a:highlight>
+                  <a:srgbClr val="00FFFF"/>
+                </a:highlight>
+              </a:rPr>
+              <a:t>1. Block</a:t>
+            </a:r>
+            <a:r>
+              <a:rPr lang="en-US" altLang="en-US" sz="2000" dirty="0">
+                <a:highlight>
+                  <a:srgbClr val="00FFFF"/>
+                </a:highlight>
+              </a:rPr>
+              <a:t>-level  Elements</a:t>
+            </a:r>
+          </a:p>
+          <a:p>
+            <a:pPr lvl="1" eaLnBrk="0" fontAlgn="base" hangingPunct="0">
+              <a:lnSpc>
+                <a:spcPct val="150000"/>
+              </a:lnSpc>
+              <a:spcBef>
+                <a:spcPct val="0"/>
+              </a:spcBef>
+              <a:spcAft>
+                <a:spcPct val="0"/>
+              </a:spcAft>
+              <a:tabLst>
+                <a:tab pos="803275" algn="l"/>
+              </a:tabLst>
+            </a:pPr>
+            <a:r>
+              <a:rPr lang="en-US" altLang="en-US" sz="2000" dirty="0"/>
+              <a:t>These elements start on a new line and occupy the full available with of their parent container </a:t>
+            </a:r>
+          </a:p>
+          <a:p>
+            <a:pPr lvl="1" eaLnBrk="0" fontAlgn="base" hangingPunct="0">
+              <a:lnSpc>
+                <a:spcPct val="150000"/>
+              </a:lnSpc>
+              <a:spcBef>
+                <a:spcPct val="0"/>
+              </a:spcBef>
+              <a:spcAft>
+                <a:spcPct val="0"/>
+              </a:spcAft>
+              <a:tabLst>
+                <a:tab pos="803275" algn="l"/>
+              </a:tabLst>
+            </a:pPr>
+            <a:r>
+              <a:rPr lang="en-US" altLang="en-US" sz="2000" dirty="0"/>
+              <a:t>Example: &lt;div&gt;&lt;/div&gt; , &lt;p&gt;&lt;/p&gt; , &lt;h1&gt;&lt;/h1&gt; , &lt;ul&gt;&lt;/ul&gt; , &lt;table&gt;&lt;/table&gt; , &lt;form&gt;&lt;/form&gt; etc.</a:t>
+            </a:r>
+          </a:p>
+          <a:p>
+            <a:pPr lvl="1" eaLnBrk="0" fontAlgn="base" hangingPunct="0">
+              <a:lnSpc>
+                <a:spcPct val="150000"/>
+              </a:lnSpc>
+              <a:spcBef>
+                <a:spcPct val="0"/>
+              </a:spcBef>
+              <a:spcAft>
+                <a:spcPct val="0"/>
+              </a:spcAft>
+              <a:tabLst>
+                <a:tab pos="803275" algn="l"/>
+              </a:tabLst>
+            </a:pPr>
+            <a:r>
+              <a:rPr lang="en-US" altLang="en-US" sz="2000" dirty="0">
+                <a:highlight>
+                  <a:srgbClr val="00FFFF"/>
+                </a:highlight>
+              </a:rPr>
+              <a:t>2. Inline Elements </a:t>
+            </a:r>
+          </a:p>
+          <a:p>
+            <a:pPr lvl="1" eaLnBrk="0" fontAlgn="base" hangingPunct="0">
+              <a:lnSpc>
+                <a:spcPct val="150000"/>
+              </a:lnSpc>
+              <a:spcBef>
+                <a:spcPct val="0"/>
+              </a:spcBef>
+              <a:spcAft>
+                <a:spcPct val="0"/>
+              </a:spcAft>
+              <a:tabLst>
+                <a:tab pos="803275" algn="l"/>
+              </a:tabLst>
+            </a:pPr>
+            <a:r>
+              <a:rPr lang="en-US" altLang="en-US" sz="2000" dirty="0"/>
+              <a:t>These elements do not start on a new line and only take up as much width as their content requires.</a:t>
+            </a:r>
+          </a:p>
+          <a:p>
+            <a:pPr lvl="1" eaLnBrk="0" fontAlgn="base" hangingPunct="0">
+              <a:lnSpc>
+                <a:spcPct val="150000"/>
+              </a:lnSpc>
+              <a:spcBef>
+                <a:spcPct val="0"/>
+              </a:spcBef>
+              <a:spcAft>
+                <a:spcPct val="0"/>
+              </a:spcAft>
+              <a:tabLst>
+                <a:tab pos="803275" algn="l"/>
+              </a:tabLst>
+            </a:pPr>
+            <a:r>
+              <a:rPr lang="en-US" altLang="en-US" sz="2000" dirty="0"/>
+              <a:t>Example: &lt;span&gt;&lt;/span&gt; , &lt;a&gt;&lt;/a&gt; , &lt;strong&gt;&lt;/strong&gt; , &lt;</a:t>
+            </a:r>
+            <a:r>
+              <a:rPr lang="en-US" altLang="en-US" sz="2000" dirty="0" err="1"/>
+              <a:t>img</a:t>
+            </a:r>
+            <a:r>
+              <a:rPr lang="en-US" altLang="en-US" sz="2000" dirty="0"/>
+              <a:t>&gt; , &lt;button&gt;&lt;button&gt; </a:t>
+            </a:r>
+          </a:p>
+        </p:txBody>
+      </p:sp>
+    </p:spTree>
+    <p:extLst>
+      <p:ext uri="{BB962C8B-B14F-4D97-AF65-F5344CB8AC3E}">
+        <p14:creationId xmlns:p14="http://schemas.microsoft.com/office/powerpoint/2010/main" val="3626227002"/>
+      </p:ext>
+    </p:extLst>
+  </p:cSld>
+  <p:clrMapOvr>
+    <a:masterClrMapping/>
+  </p:clrMapOvr>
+  <mc:AlternateContent xmlns:mc="http://schemas.openxmlformats.org/markup-compatibility/2006" xmlns:p14="http://schemas.microsoft.com/office/powerpoint/2010/main">
+    <mc:Choice Requires="p14">
+      <p:transition spd="slow" p14:dur="2000" advTm="47"/>
+    </mc:Choice>
+    <mc:Fallback xmlns="">
+      <p:transition spd="slow" advTm="47"/>
+    </mc:Fallback>
+  </mc:AlternateContent>
+  <p:timing>
+    <p:tnLst>
+      <p:par>
+        <p:cTn id="1" dur="indefinite" restart="never" nodeType="tmRoot">
+          <p:childTnLst>
+            <p:seq concurrent="1" nextAc="seek">
+              <p:cTn id="2" dur="indefinite" nodeType="mainSeq">
+                <p:childTnLst>
+                  <p:par>
+                    <p:cTn id="3" fill="hold">
+                      <p:stCondLst>
+                        <p:cond delay="indefinite"/>
+                      </p:stCondLst>
+                      <p:childTnLst>
+                        <p:par>
+                          <p:cTn id="4" fill="hold">
+                            <p:stCondLst>
+                              <p:cond delay="0"/>
+                            </p:stCondLst>
+                            <p:childTnLst>
+                              <p:par>
+                                <p:cTn id="5" presetID="2" presetClass="entr" presetSubtype="4" fill="hold" nodeType="clickEffect">
+                                  <p:stCondLst>
+                                    <p:cond delay="0"/>
+                                  </p:stCondLst>
+                                  <p:childTnLst>
+                                    <p:set>
+                                      <p:cBhvr>
+                                        <p:cTn id="6" dur="1" fill="hold">
+                                          <p:stCondLst>
+                                            <p:cond delay="0"/>
+                                          </p:stCondLst>
+                                        </p:cTn>
+                                        <p:tgtEl>
+                                          <p:spTgt spid="3">
+                                            <p:txEl>
+                                              <p:pRg st="1" end="1"/>
+                                            </p:txEl>
+                                          </p:spTgt>
+                                        </p:tgtEl>
+                                        <p:attrNameLst>
+                                          <p:attrName>style.visibility</p:attrName>
+                                        </p:attrNameLst>
+                                      </p:cBhvr>
+                                      <p:to>
+                                        <p:strVal val="visible"/>
+                                      </p:to>
+                                    </p:set>
+                                    <p:anim calcmode="lin" valueType="num">
+                                      <p:cBhvr additive="base">
+                                        <p:cTn id="7" dur="500" fill="hold"/>
+                                        <p:tgtEl>
+                                          <p:spTgt spid="3">
+                                            <p:txEl>
+                                              <p:pRg st="1" end="1"/>
+                                            </p:txEl>
+                                          </p:spTgt>
+                                        </p:tgtEl>
+                                        <p:attrNameLst>
+                                          <p:attrName>ppt_x</p:attrName>
+                                        </p:attrNameLst>
+                                      </p:cBhvr>
+                                      <p:tavLst>
+                                        <p:tav tm="0">
+                                          <p:val>
+                                            <p:strVal val="#ppt_x"/>
+                                          </p:val>
+                                        </p:tav>
+                                        <p:tav tm="100000">
+                                          <p:val>
+                                            <p:strVal val="#ppt_x"/>
+                                          </p:val>
+                                        </p:tav>
+                                      </p:tavLst>
+                                    </p:anim>
+                                    <p:anim calcmode="lin" valueType="num">
+                                      <p:cBhvr additive="base">
+                                        <p:cTn id="8" dur="500" fill="hold"/>
+                                        <p:tgtEl>
+                                          <p:spTgt spid="3">
+                                            <p:txEl>
+                                              <p:pRg st="1" end="1"/>
+                                            </p:txEl>
+                                          </p:spTgt>
+                                        </p:tgtEl>
+                                        <p:attrNameLst>
+                                          <p:attrName>ppt_y</p:attrName>
+                                        </p:attrNameLst>
+                                      </p:cBhvr>
+                                      <p:tavLst>
+                                        <p:tav tm="0">
+                                          <p:val>
+                                            <p:strVal val="1+#ppt_h/2"/>
+                                          </p:val>
+                                        </p:tav>
+                                        <p:tav tm="100000">
+                                          <p:val>
+                                            <p:strVal val="#ppt_y"/>
+                                          </p:val>
+                                        </p:tav>
+                                      </p:tavLst>
+                                    </p:anim>
+                                  </p:childTnLst>
+                                </p:cTn>
+                              </p:par>
+                              <p:par>
+                                <p:cTn id="9" presetID="2" presetClass="entr" presetSubtype="4" fill="hold" nodeType="withEffect">
+                                  <p:stCondLst>
+                                    <p:cond delay="0"/>
+                                  </p:stCondLst>
+                                  <p:childTnLst>
+                                    <p:set>
+                                      <p:cBhvr>
+                                        <p:cTn id="10" dur="1" fill="hold">
+                                          <p:stCondLst>
+                                            <p:cond delay="0"/>
+                                          </p:stCondLst>
+                                        </p:cTn>
+                                        <p:tgtEl>
+                                          <p:spTgt spid="3">
+                                            <p:txEl>
+                                              <p:pRg st="2" end="2"/>
+                                            </p:txEl>
+                                          </p:spTgt>
+                                        </p:tgtEl>
+                                        <p:attrNameLst>
+                                          <p:attrName>style.visibility</p:attrName>
+                                        </p:attrNameLst>
+                                      </p:cBhvr>
+                                      <p:to>
+                                        <p:strVal val="visible"/>
+                                      </p:to>
+                                    </p:set>
+                                    <p:anim calcmode="lin" valueType="num">
+                                      <p:cBhvr additive="base">
+                                        <p:cTn id="11" dur="500" fill="hold"/>
+                                        <p:tgtEl>
+                                          <p:spTgt spid="3">
+                                            <p:txEl>
+                                              <p:pRg st="2" end="2"/>
+                                            </p:txEl>
+                                          </p:spTgt>
+                                        </p:tgtEl>
+                                        <p:attrNameLst>
+                                          <p:attrName>ppt_x</p:attrName>
+                                        </p:attrNameLst>
+                                      </p:cBhvr>
+                                      <p:tavLst>
+                                        <p:tav tm="0">
+                                          <p:val>
+                                            <p:strVal val="#ppt_x"/>
+                                          </p:val>
+                                        </p:tav>
+                                        <p:tav tm="100000">
+                                          <p:val>
+                                            <p:strVal val="#ppt_x"/>
+                                          </p:val>
+                                        </p:tav>
+                                      </p:tavLst>
+                                    </p:anim>
+                                    <p:anim calcmode="lin" valueType="num">
+                                      <p:cBhvr additive="base">
+                                        <p:cTn id="12" dur="500" fill="hold"/>
+                                        <p:tgtEl>
+                                          <p:spTgt spid="3">
+                                            <p:txEl>
+                                              <p:pRg st="2" end="2"/>
+                                            </p:txEl>
+                                          </p:spTgt>
+                                        </p:tgtEl>
+                                        <p:attrNameLst>
+                                          <p:attrName>ppt_y</p:attrName>
+                                        </p:attrNameLst>
+                                      </p:cBhvr>
+                                      <p:tavLst>
+                                        <p:tav tm="0">
+                                          <p:val>
+                                            <p:strVal val="1+#ppt_h/2"/>
+                                          </p:val>
+                                        </p:tav>
+                                        <p:tav tm="100000">
+                                          <p:val>
+                                            <p:strVal val="#ppt_y"/>
+                                          </p:val>
+                                        </p:tav>
+                                      </p:tavLst>
+                                    </p:anim>
+                                  </p:childTnLst>
+                                </p:cTn>
+                              </p:par>
+                              <p:par>
+                                <p:cTn id="13" presetID="2" presetClass="entr" presetSubtype="4" fill="hold" nodeType="withEffect">
+                                  <p:stCondLst>
+                                    <p:cond delay="0"/>
+                                  </p:stCondLst>
+                                  <p:childTnLst>
+                                    <p:set>
+                                      <p:cBhvr>
+                                        <p:cTn id="14" dur="1" fill="hold">
+                                          <p:stCondLst>
+                                            <p:cond delay="0"/>
+                                          </p:stCondLst>
+                                        </p:cTn>
+                                        <p:tgtEl>
+                                          <p:spTgt spid="3">
+                                            <p:txEl>
+                                              <p:pRg st="3" end="3"/>
+                                            </p:txEl>
+                                          </p:spTgt>
+                                        </p:tgtEl>
+                                        <p:attrNameLst>
+                                          <p:attrName>style.visibility</p:attrName>
+                                        </p:attrNameLst>
+                                      </p:cBhvr>
+                                      <p:to>
+                                        <p:strVal val="visible"/>
+                                      </p:to>
+                                    </p:set>
+                                    <p:anim calcmode="lin" valueType="num">
+                                      <p:cBhvr additive="base">
+                                        <p:cTn id="15" dur="500" fill="hold"/>
+                                        <p:tgtEl>
+                                          <p:spTgt spid="3">
+                                            <p:txEl>
+                                              <p:pRg st="3" end="3"/>
+                                            </p:txEl>
+                                          </p:spTgt>
+                                        </p:tgtEl>
+                                        <p:attrNameLst>
+                                          <p:attrName>ppt_x</p:attrName>
+                                        </p:attrNameLst>
+                                      </p:cBhvr>
+                                      <p:tavLst>
+                                        <p:tav tm="0">
+                                          <p:val>
+                                            <p:strVal val="#ppt_x"/>
+                                          </p:val>
+                                        </p:tav>
+                                        <p:tav tm="100000">
+                                          <p:val>
+                                            <p:strVal val="#ppt_x"/>
+                                          </p:val>
+                                        </p:tav>
+                                      </p:tavLst>
+                                    </p:anim>
+                                    <p:anim calcmode="lin" valueType="num">
+                                      <p:cBhvr additive="base">
+                                        <p:cTn id="16" dur="500" fill="hold"/>
+                                        <p:tgtEl>
+                                          <p:spTgt spid="3">
+                                            <p:txEl>
+                                              <p:pRg st="3" end="3"/>
+                                            </p:txEl>
+                                          </p:spTgt>
+                                        </p:tgtEl>
+                                        <p:attrNameLst>
+                                          <p:attrName>ppt_y</p:attrName>
+                                        </p:attrNameLst>
+                                      </p:cBhvr>
+                                      <p:tavLst>
+                                        <p:tav tm="0">
+                                          <p:val>
+                                            <p:strVal val="1+#ppt_h/2"/>
+                                          </p:val>
+                                        </p:tav>
+                                        <p:tav tm="100000">
+                                          <p:val>
+                                            <p:strVal val="#ppt_y"/>
+                                          </p:val>
+                                        </p:tav>
+                                      </p:tavLst>
+                                    </p:anim>
+                                  </p:childTnLst>
+                                </p:cTn>
+                              </p:par>
+                            </p:childTnLst>
+                          </p:cTn>
+                        </p:par>
+                      </p:childTnLst>
+                    </p:cTn>
+                  </p:par>
+                  <p:par>
+                    <p:cTn id="17" fill="hold">
+                      <p:stCondLst>
+                        <p:cond delay="indefinite"/>
+                      </p:stCondLst>
+                      <p:childTnLst>
+                        <p:par>
+                          <p:cTn id="18" fill="hold">
+                            <p:stCondLst>
+                              <p:cond delay="0"/>
+                            </p:stCondLst>
+                            <p:childTnLst>
+                              <p:par>
+                                <p:cTn id="19" presetID="2" presetClass="entr" presetSubtype="4" fill="hold" nodeType="clickEffect">
+                                  <p:stCondLst>
+                                    <p:cond delay="0"/>
+                                  </p:stCondLst>
+                                  <p:childTnLst>
+                                    <p:set>
+                                      <p:cBhvr>
+                                        <p:cTn id="20" dur="1" fill="hold">
+                                          <p:stCondLst>
+                                            <p:cond delay="0"/>
+                                          </p:stCondLst>
+                                        </p:cTn>
+                                        <p:tgtEl>
+                                          <p:spTgt spid="3">
+                                            <p:txEl>
+                                              <p:pRg st="4" end="4"/>
+                                            </p:txEl>
+                                          </p:spTgt>
+                                        </p:tgtEl>
+                                        <p:attrNameLst>
+                                          <p:attrName>style.visibility</p:attrName>
+                                        </p:attrNameLst>
+                                      </p:cBhvr>
+                                      <p:to>
+                                        <p:strVal val="visible"/>
+                                      </p:to>
+                                    </p:set>
+                                    <p:anim calcmode="lin" valueType="num">
+                                      <p:cBhvr additive="base">
+                                        <p:cTn id="21" dur="500" fill="hold"/>
+                                        <p:tgtEl>
+                                          <p:spTgt spid="3">
+                                            <p:txEl>
+                                              <p:pRg st="4" end="4"/>
+                                            </p:txEl>
+                                          </p:spTgt>
+                                        </p:tgtEl>
+                                        <p:attrNameLst>
+                                          <p:attrName>ppt_x</p:attrName>
+                                        </p:attrNameLst>
+                                      </p:cBhvr>
+                                      <p:tavLst>
+                                        <p:tav tm="0">
+                                          <p:val>
+                                            <p:strVal val="#ppt_x"/>
+                                          </p:val>
+                                        </p:tav>
+                                        <p:tav tm="100000">
+                                          <p:val>
+                                            <p:strVal val="#ppt_x"/>
+                                          </p:val>
+                                        </p:tav>
+                                      </p:tavLst>
+                                    </p:anim>
+                                    <p:anim calcmode="lin" valueType="num">
+                                      <p:cBhvr additive="base">
+                                        <p:cTn id="22" dur="500" fill="hold"/>
+                                        <p:tgtEl>
+                                          <p:spTgt spid="3">
+                                            <p:txEl>
+                                              <p:pRg st="4" end="4"/>
+                                            </p:txEl>
+                                          </p:spTgt>
+                                        </p:tgtEl>
+                                        <p:attrNameLst>
+                                          <p:attrName>ppt_y</p:attrName>
+                                        </p:attrNameLst>
+                                      </p:cBhvr>
+                                      <p:tavLst>
+                                        <p:tav tm="0">
+                                          <p:val>
+                                            <p:strVal val="1+#ppt_h/2"/>
+                                          </p:val>
+                                        </p:tav>
+                                        <p:tav tm="100000">
+                                          <p:val>
+                                            <p:strVal val="#ppt_y"/>
+                                          </p:val>
+                                        </p:tav>
+                                      </p:tavLst>
+                                    </p:anim>
+                                  </p:childTnLst>
+                                </p:cTn>
+                              </p:par>
+                              <p:par>
+                                <p:cTn id="23" presetID="2" presetClass="entr" presetSubtype="4" fill="hold" nodeType="withEffect">
+                                  <p:stCondLst>
+                                    <p:cond delay="0"/>
+                                  </p:stCondLst>
+                                  <p:childTnLst>
+                                    <p:set>
+                                      <p:cBhvr>
+                                        <p:cTn id="24" dur="1" fill="hold">
+                                          <p:stCondLst>
+                                            <p:cond delay="0"/>
+                                          </p:stCondLst>
+                                        </p:cTn>
+                                        <p:tgtEl>
+                                          <p:spTgt spid="3">
+                                            <p:txEl>
+                                              <p:pRg st="5" end="5"/>
+                                            </p:txEl>
+                                          </p:spTgt>
+                                        </p:tgtEl>
+                                        <p:attrNameLst>
+                                          <p:attrName>style.visibility</p:attrName>
+                                        </p:attrNameLst>
+                                      </p:cBhvr>
+                                      <p:to>
+                                        <p:strVal val="visible"/>
+                                      </p:to>
+                                    </p:set>
+                                    <p:anim calcmode="lin" valueType="num">
+                                      <p:cBhvr additive="base">
+                                        <p:cTn id="25" dur="500" fill="hold"/>
+                                        <p:tgtEl>
+                                          <p:spTgt spid="3">
+                                            <p:txEl>
+                                              <p:pRg st="5" end="5"/>
+                                            </p:txEl>
+                                          </p:spTgt>
+                                        </p:tgtEl>
+                                        <p:attrNameLst>
+                                          <p:attrName>ppt_x</p:attrName>
+                                        </p:attrNameLst>
+                                      </p:cBhvr>
+                                      <p:tavLst>
+                                        <p:tav tm="0">
+                                          <p:val>
+                                            <p:strVal val="#ppt_x"/>
+                                          </p:val>
+                                        </p:tav>
+                                        <p:tav tm="100000">
+                                          <p:val>
+                                            <p:strVal val="#ppt_x"/>
+                                          </p:val>
+                                        </p:tav>
+                                      </p:tavLst>
+                                    </p:anim>
+                                    <p:anim calcmode="lin" valueType="num">
+                                      <p:cBhvr additive="base">
+                                        <p:cTn id="26" dur="500" fill="hold"/>
+                                        <p:tgtEl>
+                                          <p:spTgt spid="3">
+                                            <p:txEl>
+                                              <p:pRg st="5" end="5"/>
+                                            </p:txEl>
+                                          </p:spTgt>
+                                        </p:tgtEl>
+                                        <p:attrNameLst>
+                                          <p:attrName>ppt_y</p:attrName>
+                                        </p:attrNameLst>
+                                      </p:cBhvr>
+                                      <p:tavLst>
+                                        <p:tav tm="0">
+                                          <p:val>
+                                            <p:strVal val="1+#ppt_h/2"/>
+                                          </p:val>
+                                        </p:tav>
+                                        <p:tav tm="100000">
+                                          <p:val>
+                                            <p:strVal val="#ppt_y"/>
+                                          </p:val>
+                                        </p:tav>
+                                      </p:tavLst>
+                                    </p:anim>
+                                  </p:childTnLst>
+                                </p:cTn>
+                              </p:par>
+                              <p:par>
+                                <p:cTn id="27" presetID="2" presetClass="entr" presetSubtype="4" fill="hold" nodeType="withEffect">
+                                  <p:stCondLst>
+                                    <p:cond delay="0"/>
+                                  </p:stCondLst>
+                                  <p:childTnLst>
+                                    <p:set>
+                                      <p:cBhvr>
+                                        <p:cTn id="28" dur="1" fill="hold">
+                                          <p:stCondLst>
+                                            <p:cond delay="0"/>
+                                          </p:stCondLst>
+                                        </p:cTn>
+                                        <p:tgtEl>
+                                          <p:spTgt spid="3">
+                                            <p:txEl>
+                                              <p:pRg st="6" end="6"/>
+                                            </p:txEl>
+                                          </p:spTgt>
+                                        </p:tgtEl>
+                                        <p:attrNameLst>
+                                          <p:attrName>style.visibility</p:attrName>
+                                        </p:attrNameLst>
+                                      </p:cBhvr>
+                                      <p:to>
+                                        <p:strVal val="visible"/>
+                                      </p:to>
+                                    </p:set>
+                                    <p:anim calcmode="lin" valueType="num">
+                                      <p:cBhvr additive="base">
+                                        <p:cTn id="29" dur="500" fill="hold"/>
+                                        <p:tgtEl>
+                                          <p:spTgt spid="3">
+                                            <p:txEl>
+                                              <p:pRg st="6" end="6"/>
+                                            </p:txEl>
+                                          </p:spTgt>
+                                        </p:tgtEl>
+                                        <p:attrNameLst>
+                                          <p:attrName>ppt_x</p:attrName>
+                                        </p:attrNameLst>
+                                      </p:cBhvr>
+                                      <p:tavLst>
+                                        <p:tav tm="0">
+                                          <p:val>
+                                            <p:strVal val="#ppt_x"/>
+                                          </p:val>
+                                        </p:tav>
+                                        <p:tav tm="100000">
+                                          <p:val>
+                                            <p:strVal val="#ppt_x"/>
+                                          </p:val>
+                                        </p:tav>
+                                      </p:tavLst>
+                                    </p:anim>
+                                    <p:anim calcmode="lin" valueType="num">
+                                      <p:cBhvr additive="base">
+                                        <p:cTn id="30" dur="500" fill="hold"/>
+                                        <p:tgtEl>
+                                          <p:spTgt spid="3">
+                                            <p:txEl>
+                                              <p:pRg st="6" end="6"/>
+                                            </p:txEl>
+                                          </p:spTgt>
+                                        </p:tgtEl>
+                                        <p:attrNameLst>
+                                          <p:attrName>ppt_y</p:attrName>
+                                        </p:attrNameLst>
+                                      </p:cBhvr>
+                                      <p:tavLst>
+                                        <p:tav tm="0">
+                                          <p:val>
+                                            <p:strVal val="1+#ppt_h/2"/>
+                                          </p:val>
+                                        </p:tav>
+                                        <p:tav tm="100000">
+                                          <p:val>
+                                            <p:strVal val="#ppt_y"/>
+                                          </p:val>
+                                        </p:tav>
+                                      </p:tavLst>
+                                    </p:anim>
+                                  </p:childTnLst>
+                                </p:cTn>
+                              </p:par>
+                            </p:childTnLst>
+                          </p:cTn>
+                        </p:par>
+                      </p:childTnLst>
+                    </p:cTn>
+                  </p:par>
+                </p:childTnLst>
+              </p:cTn>
+              <p:prevCondLst>
+                <p:cond evt="onPrev" delay="0">
+                  <p:tgtEl>
+                    <p:sldTgt/>
+                  </p:tgtEl>
+                </p:cond>
+              </p:prevCondLst>
+              <p:nextCondLst>
+                <p:cond evt="onNext" delay="0">
+                  <p:tgtEl>
+                    <p:sldTgt/>
+                  </p:tgtEl>
+                </p:cond>
+              </p:nextCondLst>
+            </p:seq>
+          </p:childTnLst>
+        </p:cTn>
+      </p:par>
+    </p:tnLst>
+  </p:timing>
+</p:sld>
+</file>
+
+<file path=ppt/slides/slide11.xml><?xml version="1.0" encoding="utf-8"?>
+<p:sld xmlns:a="http://schemas.openxmlformats.org/drawingml/2006/main" xmlns:r="http://schemas.openxmlformats.org/officeDocument/2006/relationships" xmlns:p="http://schemas.openxmlformats.org/presentationml/2006/main">
+  <p:cSld>
+    <p:bg>
+      <p:bgPr>
+        <a:pattFill prst="pct5">
+          <a:fgClr>
+            <a:schemeClr val="accent1"/>
+          </a:fgClr>
+          <a:bgClr>
+            <a:schemeClr val="bg1"/>
+          </a:bgClr>
+        </a:pattFill>
+        <a:effectLst/>
+      </p:bgPr>
+    </p:bg>
+    <p:spTree>
+      <p:nvGrpSpPr>
+        <p:cNvPr id="1" name="">
+          <a:extLst>
+            <a:ext uri="{FF2B5EF4-FFF2-40B4-BE49-F238E27FC236}">
+              <a16:creationId xmlns:a16="http://schemas.microsoft.com/office/drawing/2014/main" id="{AD7BF380-868A-A95E-70C2-FF127525E9F1}"/>
+            </a:ext>
+          </a:extLst>
+        </p:cNvPr>
+        <p:cNvGrpSpPr/>
+        <p:nvPr/>
+      </p:nvGrpSpPr>
+      <p:grpSpPr>
+        <a:xfrm>
+          <a:off x="0" y="0"/>
+          <a:ext cx="0" cy="0"/>
+          <a:chOff x="0" y="0"/>
+          <a:chExt cx="0" cy="0"/>
+        </a:xfrm>
+      </p:grpSpPr>
+      <p:pic>
+        <p:nvPicPr>
+          <p:cNvPr id="8" name="Picture 7">
+            <a:extLst>
+              <a:ext uri="{FF2B5EF4-FFF2-40B4-BE49-F238E27FC236}">
+                <a16:creationId xmlns:a16="http://schemas.microsoft.com/office/drawing/2014/main" id="{EAE8FA2E-0DDF-084B-99F8-D594F443F44E}"/>
+              </a:ext>
+            </a:extLst>
+          </p:cNvPr>
+          <p:cNvPicPr>
+            <a:picLocks noChangeAspect="1"/>
+          </p:cNvPicPr>
+          <p:nvPr/>
+        </p:nvPicPr>
+        <p:blipFill>
+          <a:blip r:embed="rId3">
+            <a:extLst>
+              <a:ext uri="{BEBA8EAE-BF5A-486C-A8C5-ECC9F3942E4B}">
+                <a14:imgProps xmlns:a14="http://schemas.microsoft.com/office/drawing/2010/main">
+                  <a14:imgLayer r:embed="rId4">
+                    <a14:imgEffect>
+                      <a14:backgroundRemoval t="10000" b="90000" l="10000" r="90000">
+                        <a14:foregroundMark x1="28417" y1="45552" x2="25899" y2="49466"/>
+                        <a14:foregroundMark x1="39928" y1="46619" x2="58993" y2="51601"/>
+                        <a14:foregroundMark x1="61871" y1="48754" x2="56835" y2="48399"/>
+                        <a14:foregroundMark x1="61871" y1="48043" x2="32014" y2="33096"/>
+                        <a14:foregroundMark x1="32014" y1="33096" x2="33453" y2="50890"/>
+                        <a14:foregroundMark x1="38849" y1="45196" x2="21583" y2="46263"/>
+                        <a14:foregroundMark x1="34892" y1="45907" x2="33453" y2="46619"/>
+                        <a14:foregroundMark x1="55396" y1="42705" x2="71583" y2="44840"/>
+                      </a14:backgroundRemoval>
+                    </a14:imgEffect>
+                  </a14:imgLayer>
+                </a14:imgProps>
+              </a:ext>
+              <a:ext uri="{28A0092B-C50C-407E-A947-70E740481C1C}">
+                <a14:useLocalDpi xmlns:a14="http://schemas.microsoft.com/office/drawing/2010/main" val="0"/>
+              </a:ext>
+            </a:extLst>
+          </a:blip>
+          <a:stretch>
+            <a:fillRect/>
+          </a:stretch>
+        </p:blipFill>
+        <p:spPr>
+          <a:xfrm>
+            <a:off x="10271760" y="-264241"/>
+            <a:ext cx="2076725" cy="2099136"/>
+          </a:xfrm>
+          <a:prstGeom prst="rect">
+            <a:avLst/>
+          </a:prstGeom>
+        </p:spPr>
+      </p:pic>
+      <p:sp>
+        <p:nvSpPr>
+          <p:cNvPr id="5" name="TextBox 4">
+            <a:extLst>
+              <a:ext uri="{FF2B5EF4-FFF2-40B4-BE49-F238E27FC236}">
+                <a16:creationId xmlns:a16="http://schemas.microsoft.com/office/drawing/2014/main" id="{3D51047D-F91D-EB52-EDDB-2C54A72A6076}"/>
+              </a:ext>
+            </a:extLst>
+          </p:cNvPr>
+          <p:cNvSpPr txBox="1"/>
+          <p:nvPr/>
+        </p:nvSpPr>
+        <p:spPr>
+          <a:xfrm>
+            <a:off x="692867" y="202165"/>
+            <a:ext cx="7704040" cy="1754326"/>
+          </a:xfrm>
+          <a:prstGeom prst="rect">
+            <a:avLst/>
+          </a:prstGeom>
+          <a:noFill/>
+        </p:spPr>
+        <p:txBody>
+          <a:bodyPr wrap="square" rtlCol="0">
+            <a:spAutoFit/>
+          </a:bodyPr>
+          <a:lstStyle/>
+          <a:p>
+            <a:r>
+              <a:rPr lang="en-US" sz="5400" u="sng" dirty="0">
+                <a:highlight>
+                  <a:srgbClr val="FFFF00"/>
+                </a:highlight>
+              </a:rPr>
+              <a:t> HTML tags</a:t>
+            </a:r>
+            <a:endParaRPr lang="en-IN" sz="5400" u="sng" dirty="0">
+              <a:highlight>
+                <a:srgbClr val="FFFF00"/>
+              </a:highlight>
+            </a:endParaRPr>
+          </a:p>
+          <a:p>
+            <a:endParaRPr lang="en-IN" sz="5400" u="sng" dirty="0">
+              <a:highlight>
+                <a:srgbClr val="FFFF00"/>
+              </a:highlight>
+            </a:endParaRPr>
+          </a:p>
+        </p:txBody>
+      </p:sp>
+      <p:sp>
+        <p:nvSpPr>
+          <p:cNvPr id="3" name="Rectangle 2">
+            <a:extLst>
+              <a:ext uri="{FF2B5EF4-FFF2-40B4-BE49-F238E27FC236}">
+                <a16:creationId xmlns:a16="http://schemas.microsoft.com/office/drawing/2014/main" id="{BD60E8C0-61A4-8FEE-DE19-B65D49E93A97}"/>
+              </a:ext>
+            </a:extLst>
+          </p:cNvPr>
+          <p:cNvSpPr>
+            <a:spLocks noChangeArrowheads="1"/>
+          </p:cNvSpPr>
+          <p:nvPr/>
+        </p:nvSpPr>
+        <p:spPr bwMode="auto">
+          <a:xfrm>
+            <a:off x="255545" y="1228533"/>
+            <a:ext cx="10099040" cy="5035353"/>
+          </a:xfrm>
+          <a:prstGeom prst="rect">
+            <a:avLst/>
+          </a:prstGeom>
+          <a:noFill/>
+          <a:ln>
+            <a:noFill/>
+          </a:ln>
+          <a:effectLst/>
+          <a:extLst>
+            <a:ext uri="{909E8E84-426E-40DD-AFC4-6F175D3DCCD1}">
+              <a14:hiddenFill xmlns:a14="http://schemas.microsoft.com/office/drawing/2010/main">
+                <a:solidFill>
+                  <a:schemeClr val="accent1"/>
+                </a:solidFill>
+              </a14:hiddenFill>
+            </a:ext>
+            <a:ext uri="{91240B29-F687-4F45-9708-019B960494DF}">
+              <a14:hiddenLine xmlns:a14="http://schemas.microsoft.com/office/drawing/2010/main" w="9525">
+                <a:solidFill>
+                  <a:schemeClr val="tx1"/>
+                </a:solidFill>
+                <a:miter lim="800000"/>
+                <a:headEnd/>
+                <a:tailEnd/>
+              </a14:hiddenLine>
+            </a:ext>
+            <a:ext uri="{AF507438-7753-43E0-B8FC-AC1667EBCBE1}">
+              <a14:hiddenEffects xmlns:a14="http://schemas.microsoft.com/office/drawing/2010/main">
+                <a:effectLst>
+                  <a:outerShdw dist="35921" dir="2700000" algn="ctr" rotWithShape="0">
+                    <a:schemeClr val="bg2"/>
+                  </a:outerShdw>
+                </a:effectLst>
+              </a14:hiddenEffects>
+            </a:ext>
+          </a:extLst>
+        </p:spPr>
+        <p:txBody>
+          <a:bodyPr vert="horz" wrap="square" lIns="91440" tIns="45720" rIns="91440" bIns="45720" numCol="1" anchor="ctr" anchorCtr="0" compatLnSpc="1">
+            <a:prstTxWarp prst="textNoShape">
+              <a:avLst/>
+            </a:prstTxWarp>
+            <a:spAutoFit/>
+          </a:bodyPr>
+          <a:lstStyle/>
+          <a:p>
+            <a:pPr lvl="1" eaLnBrk="0" fontAlgn="base" hangingPunct="0">
+              <a:lnSpc>
+                <a:spcPct val="150000"/>
+              </a:lnSpc>
+              <a:spcBef>
+                <a:spcPct val="0"/>
+              </a:spcBef>
+              <a:spcAft>
+                <a:spcPct val="0"/>
+              </a:spcAft>
+              <a:tabLst>
+                <a:tab pos="803275" algn="l"/>
+              </a:tabLst>
+            </a:pPr>
+            <a:r>
+              <a:rPr kumimoji="0" lang="en-US" altLang="en-US" b="1" i="0" u="none" strike="noStrike" cap="none" normalizeH="0" baseline="0" dirty="0">
+                <a:ln>
+                  <a:noFill/>
+                </a:ln>
+                <a:solidFill>
+                  <a:schemeClr val="tx1"/>
+                </a:solidFill>
+                <a:effectLst/>
+              </a:rPr>
+              <a:t>HTML tags are the basic building blocks of a web page . It</a:t>
+            </a:r>
+            <a:r>
+              <a:rPr kumimoji="0" lang="en-US" altLang="en-US" b="1" i="0" u="none" strike="noStrike" cap="none" normalizeH="0" dirty="0">
+                <a:ln>
+                  <a:noFill/>
+                </a:ln>
+                <a:solidFill>
+                  <a:schemeClr val="tx1"/>
+                </a:solidFill>
+                <a:effectLst/>
+              </a:rPr>
+              <a:t> written inside angle brackets</a:t>
+            </a:r>
+          </a:p>
+          <a:p>
+            <a:pPr lvl="1" eaLnBrk="0" fontAlgn="base" hangingPunct="0">
+              <a:lnSpc>
+                <a:spcPct val="150000"/>
+              </a:lnSpc>
+              <a:spcBef>
+                <a:spcPct val="0"/>
+              </a:spcBef>
+              <a:spcAft>
+                <a:spcPct val="0"/>
+              </a:spcAft>
+              <a:tabLst>
+                <a:tab pos="803275" algn="l"/>
+              </a:tabLst>
+            </a:pPr>
+            <a:r>
+              <a:rPr kumimoji="0" lang="en-US" altLang="en-US" b="1" i="0" u="none" strike="noStrike" cap="none" normalizeH="0" dirty="0">
+                <a:ln>
+                  <a:noFill/>
+                </a:ln>
+                <a:solidFill>
+                  <a:schemeClr val="tx1"/>
+                </a:solidFill>
+                <a:effectLst/>
+              </a:rPr>
+              <a:t> &lt; &gt; that tell the browser how </a:t>
+            </a:r>
+            <a:r>
+              <a:rPr lang="en-US" altLang="en-US" b="1" dirty="0"/>
+              <a:t>t</a:t>
+            </a:r>
+            <a:r>
+              <a:rPr kumimoji="0" lang="en-US" altLang="en-US" b="1" i="0" u="none" strike="noStrike" cap="none" normalizeH="0" dirty="0">
+                <a:ln>
+                  <a:noFill/>
+                </a:ln>
+                <a:solidFill>
+                  <a:schemeClr val="tx1"/>
+                </a:solidFill>
+                <a:effectLst/>
+              </a:rPr>
+              <a:t>o display content on a webpage.</a:t>
+            </a:r>
+          </a:p>
+          <a:p>
+            <a:pPr lvl="1" eaLnBrk="0" fontAlgn="base" hangingPunct="0">
+              <a:lnSpc>
+                <a:spcPct val="150000"/>
+              </a:lnSpc>
+              <a:spcBef>
+                <a:spcPct val="0"/>
+              </a:spcBef>
+              <a:spcAft>
+                <a:spcPct val="0"/>
+              </a:spcAft>
+              <a:tabLst>
+                <a:tab pos="803275" algn="l"/>
+              </a:tabLst>
+            </a:pPr>
+            <a:r>
+              <a:rPr lang="en-US" altLang="en-US" b="1" baseline="0" dirty="0"/>
+              <a:t>Example: </a:t>
+            </a:r>
+            <a:r>
+              <a:rPr lang="en-US" altLang="en-US" dirty="0"/>
+              <a:t>&lt;div&gt;&lt;/div&gt; , &lt;p&gt;&lt;/p&gt; , &lt;h1&gt;&lt;/h1&gt; , &lt;ul&gt;&lt;/ul&gt; , &lt;span&gt;&lt;/span&gt; , &lt;a&gt;&lt;/a&gt; , &lt;strong&gt;&lt;/strong&gt; </a:t>
+            </a:r>
+            <a:endParaRPr kumimoji="0" lang="en-US" altLang="en-US" b="1" i="0" u="none" strike="noStrike" cap="none" normalizeH="0" baseline="0" dirty="0">
+              <a:ln>
+                <a:noFill/>
+              </a:ln>
+              <a:solidFill>
+                <a:schemeClr val="tx1"/>
+              </a:solidFill>
+              <a:effectLst/>
+            </a:endParaRPr>
+          </a:p>
+          <a:p>
+            <a:pPr lvl="1" eaLnBrk="0" fontAlgn="base" hangingPunct="0">
+              <a:lnSpc>
+                <a:spcPct val="150000"/>
+              </a:lnSpc>
+              <a:spcBef>
+                <a:spcPct val="0"/>
+              </a:spcBef>
+              <a:spcAft>
+                <a:spcPct val="0"/>
+              </a:spcAft>
+              <a:tabLst>
+                <a:tab pos="803275" algn="l"/>
+              </a:tabLst>
+            </a:pPr>
+            <a:r>
+              <a:rPr kumimoji="0" lang="en-US" altLang="en-US" b="0" i="0" u="none" strike="noStrike" cap="none" normalizeH="0" baseline="0" dirty="0">
+                <a:ln>
+                  <a:noFill/>
+                </a:ln>
+                <a:solidFill>
+                  <a:schemeClr val="tx1"/>
+                </a:solidFill>
+                <a:effectLst/>
+                <a:highlight>
+                  <a:srgbClr val="00FFFF"/>
+                </a:highlight>
+              </a:rPr>
+              <a:t>1. </a:t>
+            </a:r>
+            <a:r>
+              <a:rPr lang="en-US" altLang="en-US" dirty="0">
+                <a:highlight>
+                  <a:srgbClr val="00FFFF"/>
+                </a:highlight>
+              </a:rPr>
+              <a:t>Paired tags(open-close tag)</a:t>
+            </a:r>
+          </a:p>
+          <a:p>
+            <a:pPr lvl="1" eaLnBrk="0" fontAlgn="base" hangingPunct="0">
+              <a:lnSpc>
+                <a:spcPct val="150000"/>
+              </a:lnSpc>
+              <a:spcBef>
+                <a:spcPct val="0"/>
+              </a:spcBef>
+              <a:spcAft>
+                <a:spcPct val="0"/>
+              </a:spcAft>
+              <a:tabLst>
+                <a:tab pos="803275" algn="l"/>
+              </a:tabLst>
+            </a:pPr>
+            <a:r>
+              <a:rPr lang="en-US" altLang="en-US" dirty="0"/>
+              <a:t>These tags always come in two parts – an opening tag &lt;&gt; and a closing tag &lt;/&gt; .</a:t>
+            </a:r>
+          </a:p>
+          <a:p>
+            <a:pPr lvl="1" eaLnBrk="0" fontAlgn="base" hangingPunct="0">
+              <a:lnSpc>
+                <a:spcPct val="150000"/>
+              </a:lnSpc>
+              <a:spcBef>
+                <a:spcPct val="0"/>
+              </a:spcBef>
+              <a:spcAft>
+                <a:spcPct val="0"/>
+              </a:spcAft>
+              <a:tabLst>
+                <a:tab pos="803275" algn="l"/>
+              </a:tabLst>
+            </a:pPr>
+            <a:r>
+              <a:rPr lang="en-US" altLang="en-US" dirty="0"/>
+              <a:t>Example:  &lt;p&gt; Hello HTML !!&lt;/p&gt; , &lt;b&gt; bold text &lt;/b&gt;</a:t>
+            </a:r>
+          </a:p>
+          <a:p>
+            <a:pPr lvl="1" eaLnBrk="0" fontAlgn="base" hangingPunct="0">
+              <a:lnSpc>
+                <a:spcPct val="150000"/>
+              </a:lnSpc>
+              <a:spcBef>
+                <a:spcPct val="0"/>
+              </a:spcBef>
+              <a:spcAft>
+                <a:spcPct val="0"/>
+              </a:spcAft>
+              <a:tabLst>
+                <a:tab pos="803275" algn="l"/>
+              </a:tabLst>
+            </a:pPr>
+            <a:r>
+              <a:rPr lang="en-US" altLang="en-US" dirty="0">
+                <a:highlight>
+                  <a:srgbClr val="00FFFF"/>
+                </a:highlight>
+              </a:rPr>
+              <a:t>2. Unpaired tags (open tag&gt;</a:t>
+            </a:r>
+          </a:p>
+          <a:p>
+            <a:pPr lvl="1" eaLnBrk="0" fontAlgn="base" hangingPunct="0">
+              <a:lnSpc>
+                <a:spcPct val="150000"/>
+              </a:lnSpc>
+              <a:spcBef>
+                <a:spcPct val="0"/>
+              </a:spcBef>
+              <a:spcAft>
+                <a:spcPct val="0"/>
+              </a:spcAft>
+              <a:tabLst>
+                <a:tab pos="803275" algn="l"/>
+              </a:tabLst>
+            </a:pPr>
+            <a:r>
+              <a:rPr lang="en-US" altLang="en-US" dirty="0"/>
+              <a:t>These tags are single and don’t need a closing tag because they don’t wrap any content.</a:t>
+            </a:r>
+          </a:p>
+          <a:p>
+            <a:pPr lvl="1" eaLnBrk="0" fontAlgn="base" hangingPunct="0">
+              <a:lnSpc>
+                <a:spcPct val="150000"/>
+              </a:lnSpc>
+              <a:spcBef>
+                <a:spcPct val="0"/>
+              </a:spcBef>
+              <a:spcAft>
+                <a:spcPct val="0"/>
+              </a:spcAft>
+              <a:tabLst>
+                <a:tab pos="803275" algn="l"/>
+              </a:tabLst>
+            </a:pPr>
+            <a:r>
+              <a:rPr lang="en-US" altLang="en-US" dirty="0"/>
+              <a:t>Example: &lt;</a:t>
+            </a:r>
+            <a:r>
+              <a:rPr lang="en-US" altLang="en-US" dirty="0" err="1"/>
+              <a:t>br</a:t>
+            </a:r>
+            <a:r>
+              <a:rPr lang="en-US" altLang="en-US" dirty="0"/>
+              <a:t>&gt;</a:t>
+            </a:r>
+          </a:p>
+          <a:p>
+            <a:pPr lvl="1" eaLnBrk="0" fontAlgn="base" hangingPunct="0">
+              <a:lnSpc>
+                <a:spcPct val="150000"/>
+              </a:lnSpc>
+              <a:spcBef>
+                <a:spcPct val="0"/>
+              </a:spcBef>
+              <a:spcAft>
+                <a:spcPct val="0"/>
+              </a:spcAft>
+              <a:tabLst>
+                <a:tab pos="803275" algn="l"/>
+              </a:tabLst>
+            </a:pPr>
+            <a:r>
+              <a:rPr lang="en-US" altLang="en-US" dirty="0"/>
+              <a:t>&lt;</a:t>
+            </a:r>
+            <a:r>
+              <a:rPr lang="en-US" altLang="en-US" dirty="0" err="1"/>
+              <a:t>img</a:t>
+            </a:r>
+            <a:r>
+              <a:rPr lang="en-US" altLang="en-US" dirty="0"/>
+              <a:t> </a:t>
+            </a:r>
+            <a:r>
+              <a:rPr lang="en-US" altLang="en-US" dirty="0" err="1"/>
+              <a:t>src</a:t>
+            </a:r>
+            <a:r>
+              <a:rPr lang="en-US" altLang="en-US" dirty="0"/>
+              <a:t>=“image.png”&gt;</a:t>
+            </a:r>
+          </a:p>
+          <a:p>
+            <a:pPr lvl="1" eaLnBrk="0" fontAlgn="base" hangingPunct="0">
+              <a:lnSpc>
+                <a:spcPct val="150000"/>
+              </a:lnSpc>
+              <a:spcBef>
+                <a:spcPct val="0"/>
+              </a:spcBef>
+              <a:spcAft>
+                <a:spcPct val="0"/>
+              </a:spcAft>
+              <a:tabLst>
+                <a:tab pos="803275" algn="l"/>
+              </a:tabLst>
+            </a:pPr>
+            <a:r>
+              <a:rPr lang="en-US" altLang="en-US" dirty="0"/>
+              <a:t>&lt;</a:t>
+            </a:r>
+            <a:r>
+              <a:rPr lang="en-US" altLang="en-US" dirty="0" err="1"/>
+              <a:t>hr</a:t>
+            </a:r>
+            <a:r>
+              <a:rPr lang="en-US" altLang="en-US" dirty="0"/>
+              <a:t>&gt;  </a:t>
+            </a:r>
+          </a:p>
+        </p:txBody>
+      </p:sp>
+    </p:spTree>
+    <p:extLst>
+      <p:ext uri="{BB962C8B-B14F-4D97-AF65-F5344CB8AC3E}">
+        <p14:creationId xmlns:p14="http://schemas.microsoft.com/office/powerpoint/2010/main" val="3115425025"/>
+      </p:ext>
+    </p:extLst>
+  </p:cSld>
+  <p:clrMapOvr>
+    <a:masterClrMapping/>
+  </p:clrMapOvr>
+  <mc:AlternateContent xmlns:mc="http://schemas.openxmlformats.org/markup-compatibility/2006" xmlns:p14="http://schemas.microsoft.com/office/powerpoint/2010/main">
+    <mc:Choice Requires="p14">
+      <p:transition spd="slow" p14:dur="2000" advTm="47"/>
+    </mc:Choice>
+    <mc:Fallback xmlns="">
+      <p:transition spd="slow" advTm="47"/>
+    </mc:Fallback>
+  </mc:AlternateContent>
+  <p:timing>
+    <p:tnLst>
+      <p:par>
+        <p:cTn id="1" dur="indefinite" restart="never" nodeType="tmRoot">
+          <p:childTnLst>
+            <p:seq concurrent="1" nextAc="seek">
+              <p:cTn id="2" dur="indefinite" nodeType="mainSeq">
+                <p:childTnLst>
+                  <p:par>
+                    <p:cTn id="3" fill="hold">
+                      <p:stCondLst>
+                        <p:cond delay="indefinite"/>
+                      </p:stCondLst>
+                      <p:childTnLst>
+                        <p:par>
+                          <p:cTn id="4" fill="hold">
+                            <p:stCondLst>
+                              <p:cond delay="0"/>
+                            </p:stCondLst>
+                            <p:childTnLst>
+                              <p:par>
+                                <p:cTn id="5" presetID="2" presetClass="entr" presetSubtype="4" fill="hold" nodeType="clickEffect">
+                                  <p:stCondLst>
+                                    <p:cond delay="0"/>
+                                  </p:stCondLst>
+                                  <p:childTnLst>
+                                    <p:set>
+                                      <p:cBhvr>
+                                        <p:cTn id="6" dur="1" fill="hold">
+                                          <p:stCondLst>
+                                            <p:cond delay="0"/>
+                                          </p:stCondLst>
+                                        </p:cTn>
+                                        <p:tgtEl>
+                                          <p:spTgt spid="3">
+                                            <p:txEl>
+                                              <p:pRg st="0" end="0"/>
+                                            </p:txEl>
+                                          </p:spTgt>
+                                        </p:tgtEl>
+                                        <p:attrNameLst>
+                                          <p:attrName>style.visibility</p:attrName>
+                                        </p:attrNameLst>
+                                      </p:cBhvr>
+                                      <p:to>
+                                        <p:strVal val="visible"/>
+                                      </p:to>
+                                    </p:set>
+                                    <p:anim calcmode="lin" valueType="num">
+                                      <p:cBhvr additive="base">
+                                        <p:cTn id="7" dur="500" fill="hold"/>
+                                        <p:tgtEl>
+                                          <p:spTgt spid="3">
+                                            <p:txEl>
+                                              <p:pRg st="0" end="0"/>
+                                            </p:txEl>
+                                          </p:spTgt>
+                                        </p:tgtEl>
+                                        <p:attrNameLst>
+                                          <p:attrName>ppt_x</p:attrName>
+                                        </p:attrNameLst>
+                                      </p:cBhvr>
+                                      <p:tavLst>
+                                        <p:tav tm="0">
+                                          <p:val>
+                                            <p:strVal val="#ppt_x"/>
+                                          </p:val>
+                                        </p:tav>
+                                        <p:tav tm="100000">
+                                          <p:val>
+                                            <p:strVal val="#ppt_x"/>
+                                          </p:val>
+                                        </p:tav>
+                                      </p:tavLst>
+                                    </p:anim>
+                                    <p:anim calcmode="lin" valueType="num">
+                                      <p:cBhvr additive="base">
+                                        <p:cTn id="8" dur="500" fill="hold"/>
+                                        <p:tgtEl>
+                                          <p:spTgt spid="3">
+                                            <p:txEl>
+                                              <p:pRg st="0" end="0"/>
+                                            </p:txEl>
+                                          </p:spTgt>
+                                        </p:tgtEl>
+                                        <p:attrNameLst>
+                                          <p:attrName>ppt_y</p:attrName>
+                                        </p:attrNameLst>
+                                      </p:cBhvr>
+                                      <p:tavLst>
+                                        <p:tav tm="0">
+                                          <p:val>
+                                            <p:strVal val="1+#ppt_h/2"/>
+                                          </p:val>
+                                        </p:tav>
+                                        <p:tav tm="100000">
+                                          <p:val>
+                                            <p:strVal val="#ppt_y"/>
+                                          </p:val>
+                                        </p:tav>
+                                      </p:tavLst>
+                                    </p:anim>
+                                  </p:childTnLst>
+                                </p:cTn>
+                              </p:par>
+                              <p:par>
+                                <p:cTn id="9" presetID="2" presetClass="entr" presetSubtype="4" fill="hold" nodeType="withEffect">
+                                  <p:stCondLst>
+                                    <p:cond delay="0"/>
+                                  </p:stCondLst>
+                                  <p:childTnLst>
+                                    <p:set>
+                                      <p:cBhvr>
+                                        <p:cTn id="10" dur="1" fill="hold">
+                                          <p:stCondLst>
+                                            <p:cond delay="0"/>
+                                          </p:stCondLst>
+                                        </p:cTn>
+                                        <p:tgtEl>
+                                          <p:spTgt spid="3">
+                                            <p:txEl>
+                                              <p:pRg st="1" end="1"/>
+                                            </p:txEl>
+                                          </p:spTgt>
+                                        </p:tgtEl>
+                                        <p:attrNameLst>
+                                          <p:attrName>style.visibility</p:attrName>
+                                        </p:attrNameLst>
+                                      </p:cBhvr>
+                                      <p:to>
+                                        <p:strVal val="visible"/>
+                                      </p:to>
+                                    </p:set>
+                                    <p:anim calcmode="lin" valueType="num">
+                                      <p:cBhvr additive="base">
+                                        <p:cTn id="11" dur="500" fill="hold"/>
+                                        <p:tgtEl>
+                                          <p:spTgt spid="3">
+                                            <p:txEl>
+                                              <p:pRg st="1" end="1"/>
+                                            </p:txEl>
+                                          </p:spTgt>
+                                        </p:tgtEl>
+                                        <p:attrNameLst>
+                                          <p:attrName>ppt_x</p:attrName>
+                                        </p:attrNameLst>
+                                      </p:cBhvr>
+                                      <p:tavLst>
+                                        <p:tav tm="0">
+                                          <p:val>
+                                            <p:strVal val="#ppt_x"/>
+                                          </p:val>
+                                        </p:tav>
+                                        <p:tav tm="100000">
+                                          <p:val>
+                                            <p:strVal val="#ppt_x"/>
+                                          </p:val>
+                                        </p:tav>
+                                      </p:tavLst>
+                                    </p:anim>
+                                    <p:anim calcmode="lin" valueType="num">
+                                      <p:cBhvr additive="base">
+                                        <p:cTn id="12" dur="500" fill="hold"/>
+                                        <p:tgtEl>
+                                          <p:spTgt spid="3">
+                                            <p:txEl>
+                                              <p:pRg st="1" end="1"/>
+                                            </p:txEl>
+                                          </p:spTgt>
+                                        </p:tgtEl>
+                                        <p:attrNameLst>
+                                          <p:attrName>ppt_y</p:attrName>
+                                        </p:attrNameLst>
+                                      </p:cBhvr>
+                                      <p:tavLst>
+                                        <p:tav tm="0">
+                                          <p:val>
+                                            <p:strVal val="1+#ppt_h/2"/>
+                                          </p:val>
+                                        </p:tav>
+                                        <p:tav tm="100000">
+                                          <p:val>
+                                            <p:strVal val="#ppt_y"/>
+                                          </p:val>
+                                        </p:tav>
+                                      </p:tavLst>
+                                    </p:anim>
+                                  </p:childTnLst>
+                                </p:cTn>
+                              </p:par>
+                            </p:childTnLst>
+                          </p:cTn>
+                        </p:par>
+                      </p:childTnLst>
+                    </p:cTn>
+                  </p:par>
+                  <p:par>
+                    <p:cTn id="13" fill="hold">
+                      <p:stCondLst>
+                        <p:cond delay="indefinite"/>
+                      </p:stCondLst>
+                      <p:childTnLst>
+                        <p:par>
+                          <p:cTn id="14" fill="hold">
+                            <p:stCondLst>
+                              <p:cond delay="0"/>
+                            </p:stCondLst>
+                            <p:childTnLst>
+                              <p:par>
+                                <p:cTn id="15" presetID="2" presetClass="entr" presetSubtype="4" fill="hold" nodeType="clickEffect">
+                                  <p:stCondLst>
+                                    <p:cond delay="0"/>
+                                  </p:stCondLst>
+                                  <p:childTnLst>
+                                    <p:set>
+                                      <p:cBhvr>
+                                        <p:cTn id="16" dur="1" fill="hold">
+                                          <p:stCondLst>
+                                            <p:cond delay="0"/>
+                                          </p:stCondLst>
+                                        </p:cTn>
+                                        <p:tgtEl>
+                                          <p:spTgt spid="3">
+                                            <p:txEl>
+                                              <p:pRg st="2" end="2"/>
+                                            </p:txEl>
+                                          </p:spTgt>
+                                        </p:tgtEl>
+                                        <p:attrNameLst>
+                                          <p:attrName>style.visibility</p:attrName>
+                                        </p:attrNameLst>
+                                      </p:cBhvr>
+                                      <p:to>
+                                        <p:strVal val="visible"/>
+                                      </p:to>
+                                    </p:set>
+                                    <p:anim calcmode="lin" valueType="num">
+                                      <p:cBhvr additive="base">
+                                        <p:cTn id="17" dur="500" fill="hold"/>
+                                        <p:tgtEl>
+                                          <p:spTgt spid="3">
+                                            <p:txEl>
+                                              <p:pRg st="2" end="2"/>
+                                            </p:txEl>
+                                          </p:spTgt>
+                                        </p:tgtEl>
+                                        <p:attrNameLst>
+                                          <p:attrName>ppt_x</p:attrName>
+                                        </p:attrNameLst>
+                                      </p:cBhvr>
+                                      <p:tavLst>
+                                        <p:tav tm="0">
+                                          <p:val>
+                                            <p:strVal val="#ppt_x"/>
+                                          </p:val>
+                                        </p:tav>
+                                        <p:tav tm="100000">
+                                          <p:val>
+                                            <p:strVal val="#ppt_x"/>
+                                          </p:val>
+                                        </p:tav>
+                                      </p:tavLst>
+                                    </p:anim>
+                                    <p:anim calcmode="lin" valueType="num">
+                                      <p:cBhvr additive="base">
+                                        <p:cTn id="18" dur="500" fill="hold"/>
+                                        <p:tgtEl>
+                                          <p:spTgt spid="3">
+                                            <p:txEl>
+                                              <p:pRg st="2" end="2"/>
+                                            </p:txEl>
+                                          </p:spTgt>
+                                        </p:tgtEl>
+                                        <p:attrNameLst>
+                                          <p:attrName>ppt_y</p:attrName>
+                                        </p:attrNameLst>
+                                      </p:cBhvr>
+                                      <p:tavLst>
+                                        <p:tav tm="0">
+                                          <p:val>
+                                            <p:strVal val="1+#ppt_h/2"/>
+                                          </p:val>
+                                        </p:tav>
+                                        <p:tav tm="100000">
+                                          <p:val>
+                                            <p:strVal val="#ppt_y"/>
+                                          </p:val>
+                                        </p:tav>
+                                      </p:tavLst>
+                                    </p:anim>
+                                  </p:childTnLst>
+                                </p:cTn>
+                              </p:par>
+                            </p:childTnLst>
+                          </p:cTn>
+                        </p:par>
+                      </p:childTnLst>
+                    </p:cTn>
+                  </p:par>
+                  <p:par>
+                    <p:cTn id="19" fill="hold">
+                      <p:stCondLst>
+                        <p:cond delay="indefinite"/>
+                      </p:stCondLst>
+                      <p:childTnLst>
+                        <p:par>
+                          <p:cTn id="20" fill="hold">
+                            <p:stCondLst>
+                              <p:cond delay="0"/>
+                            </p:stCondLst>
+                            <p:childTnLst>
+                              <p:par>
+                                <p:cTn id="21" presetID="2" presetClass="entr" presetSubtype="4" fill="hold" nodeType="clickEffect">
+                                  <p:stCondLst>
+                                    <p:cond delay="0"/>
+                                  </p:stCondLst>
+                                  <p:childTnLst>
+                                    <p:set>
+                                      <p:cBhvr>
+                                        <p:cTn id="22" dur="1" fill="hold">
+                                          <p:stCondLst>
+                                            <p:cond delay="0"/>
+                                          </p:stCondLst>
+                                        </p:cTn>
+                                        <p:tgtEl>
+                                          <p:spTgt spid="3">
+                                            <p:txEl>
+                                              <p:pRg st="3" end="3"/>
+                                            </p:txEl>
+                                          </p:spTgt>
+                                        </p:tgtEl>
+                                        <p:attrNameLst>
+                                          <p:attrName>style.visibility</p:attrName>
+                                        </p:attrNameLst>
+                                      </p:cBhvr>
+                                      <p:to>
+                                        <p:strVal val="visible"/>
+                                      </p:to>
+                                    </p:set>
+                                    <p:anim calcmode="lin" valueType="num">
+                                      <p:cBhvr additive="base">
+                                        <p:cTn id="23" dur="500" fill="hold"/>
+                                        <p:tgtEl>
+                                          <p:spTgt spid="3">
+                                            <p:txEl>
+                                              <p:pRg st="3" end="3"/>
+                                            </p:txEl>
+                                          </p:spTgt>
+                                        </p:tgtEl>
+                                        <p:attrNameLst>
+                                          <p:attrName>ppt_x</p:attrName>
+                                        </p:attrNameLst>
+                                      </p:cBhvr>
+                                      <p:tavLst>
+                                        <p:tav tm="0">
+                                          <p:val>
+                                            <p:strVal val="#ppt_x"/>
+                                          </p:val>
+                                        </p:tav>
+                                        <p:tav tm="100000">
+                                          <p:val>
+                                            <p:strVal val="#ppt_x"/>
+                                          </p:val>
+                                        </p:tav>
+                                      </p:tavLst>
+                                    </p:anim>
+                                    <p:anim calcmode="lin" valueType="num">
+                                      <p:cBhvr additive="base">
+                                        <p:cTn id="24" dur="500" fill="hold"/>
+                                        <p:tgtEl>
+                                          <p:spTgt spid="3">
+                                            <p:txEl>
+                                              <p:pRg st="3" end="3"/>
+                                            </p:txEl>
+                                          </p:spTgt>
+                                        </p:tgtEl>
+                                        <p:attrNameLst>
+                                          <p:attrName>ppt_y</p:attrName>
+                                        </p:attrNameLst>
+                                      </p:cBhvr>
+                                      <p:tavLst>
+                                        <p:tav tm="0">
+                                          <p:val>
+                                            <p:strVal val="1+#ppt_h/2"/>
+                                          </p:val>
+                                        </p:tav>
+                                        <p:tav tm="100000">
+                                          <p:val>
+                                            <p:strVal val="#ppt_y"/>
+                                          </p:val>
+                                        </p:tav>
+                                      </p:tavLst>
+                                    </p:anim>
+                                  </p:childTnLst>
+                                </p:cTn>
+                              </p:par>
+                              <p:par>
+                                <p:cTn id="25" presetID="2" presetClass="entr" presetSubtype="4" fill="hold" nodeType="withEffect">
+                                  <p:stCondLst>
+                                    <p:cond delay="0"/>
+                                  </p:stCondLst>
+                                  <p:childTnLst>
+                                    <p:set>
+                                      <p:cBhvr>
+                                        <p:cTn id="26" dur="1" fill="hold">
+                                          <p:stCondLst>
+                                            <p:cond delay="0"/>
+                                          </p:stCondLst>
+                                        </p:cTn>
+                                        <p:tgtEl>
+                                          <p:spTgt spid="3">
+                                            <p:txEl>
+                                              <p:pRg st="4" end="4"/>
+                                            </p:txEl>
+                                          </p:spTgt>
+                                        </p:tgtEl>
+                                        <p:attrNameLst>
+                                          <p:attrName>style.visibility</p:attrName>
+                                        </p:attrNameLst>
+                                      </p:cBhvr>
+                                      <p:to>
+                                        <p:strVal val="visible"/>
+                                      </p:to>
+                                    </p:set>
+                                    <p:anim calcmode="lin" valueType="num">
+                                      <p:cBhvr additive="base">
+                                        <p:cTn id="27" dur="500" fill="hold"/>
+                                        <p:tgtEl>
+                                          <p:spTgt spid="3">
+                                            <p:txEl>
+                                              <p:pRg st="4" end="4"/>
+                                            </p:txEl>
+                                          </p:spTgt>
+                                        </p:tgtEl>
+                                        <p:attrNameLst>
+                                          <p:attrName>ppt_x</p:attrName>
+                                        </p:attrNameLst>
+                                      </p:cBhvr>
+                                      <p:tavLst>
+                                        <p:tav tm="0">
+                                          <p:val>
+                                            <p:strVal val="#ppt_x"/>
+                                          </p:val>
+                                        </p:tav>
+                                        <p:tav tm="100000">
+                                          <p:val>
+                                            <p:strVal val="#ppt_x"/>
+                                          </p:val>
+                                        </p:tav>
+                                      </p:tavLst>
+                                    </p:anim>
+                                    <p:anim calcmode="lin" valueType="num">
+                                      <p:cBhvr additive="base">
+                                        <p:cTn id="28" dur="500" fill="hold"/>
+                                        <p:tgtEl>
+                                          <p:spTgt spid="3">
+                                            <p:txEl>
+                                              <p:pRg st="4" end="4"/>
+                                            </p:txEl>
+                                          </p:spTgt>
+                                        </p:tgtEl>
+                                        <p:attrNameLst>
+                                          <p:attrName>ppt_y</p:attrName>
+                                        </p:attrNameLst>
+                                      </p:cBhvr>
+                                      <p:tavLst>
+                                        <p:tav tm="0">
+                                          <p:val>
+                                            <p:strVal val="1+#ppt_h/2"/>
+                                          </p:val>
+                                        </p:tav>
+                                        <p:tav tm="100000">
+                                          <p:val>
+                                            <p:strVal val="#ppt_y"/>
+                                          </p:val>
+                                        </p:tav>
+                                      </p:tavLst>
+                                    </p:anim>
+                                  </p:childTnLst>
+                                </p:cTn>
+                              </p:par>
+                              <p:par>
+                                <p:cTn id="29" presetID="2" presetClass="entr" presetSubtype="4" fill="hold" nodeType="withEffect">
+                                  <p:stCondLst>
+                                    <p:cond delay="0"/>
+                                  </p:stCondLst>
+                                  <p:childTnLst>
+                                    <p:set>
+                                      <p:cBhvr>
+                                        <p:cTn id="30" dur="1" fill="hold">
+                                          <p:stCondLst>
+                                            <p:cond delay="0"/>
+                                          </p:stCondLst>
+                                        </p:cTn>
+                                        <p:tgtEl>
+                                          <p:spTgt spid="3">
+                                            <p:txEl>
+                                              <p:pRg st="5" end="5"/>
+                                            </p:txEl>
+                                          </p:spTgt>
+                                        </p:tgtEl>
+                                        <p:attrNameLst>
+                                          <p:attrName>style.visibility</p:attrName>
+                                        </p:attrNameLst>
+                                      </p:cBhvr>
+                                      <p:to>
+                                        <p:strVal val="visible"/>
+                                      </p:to>
+                                    </p:set>
+                                    <p:anim calcmode="lin" valueType="num">
+                                      <p:cBhvr additive="base">
+                                        <p:cTn id="31" dur="500" fill="hold"/>
+                                        <p:tgtEl>
+                                          <p:spTgt spid="3">
+                                            <p:txEl>
+                                              <p:pRg st="5" end="5"/>
+                                            </p:txEl>
+                                          </p:spTgt>
+                                        </p:tgtEl>
+                                        <p:attrNameLst>
+                                          <p:attrName>ppt_x</p:attrName>
+                                        </p:attrNameLst>
+                                      </p:cBhvr>
+                                      <p:tavLst>
+                                        <p:tav tm="0">
+                                          <p:val>
+                                            <p:strVal val="#ppt_x"/>
+                                          </p:val>
+                                        </p:tav>
+                                        <p:tav tm="100000">
+                                          <p:val>
+                                            <p:strVal val="#ppt_x"/>
+                                          </p:val>
+                                        </p:tav>
+                                      </p:tavLst>
+                                    </p:anim>
+                                    <p:anim calcmode="lin" valueType="num">
+                                      <p:cBhvr additive="base">
+                                        <p:cTn id="32" dur="500" fill="hold"/>
+                                        <p:tgtEl>
+                                          <p:spTgt spid="3">
+                                            <p:txEl>
+                                              <p:pRg st="5" end="5"/>
+                                            </p:txEl>
+                                          </p:spTgt>
+                                        </p:tgtEl>
+                                        <p:attrNameLst>
+                                          <p:attrName>ppt_y</p:attrName>
+                                        </p:attrNameLst>
+                                      </p:cBhvr>
+                                      <p:tavLst>
+                                        <p:tav tm="0">
+                                          <p:val>
+                                            <p:strVal val="1+#ppt_h/2"/>
+                                          </p:val>
+                                        </p:tav>
+                                        <p:tav tm="100000">
+                                          <p:val>
+                                            <p:strVal val="#ppt_y"/>
+                                          </p:val>
+                                        </p:tav>
+                                      </p:tavLst>
+                                    </p:anim>
+                                  </p:childTnLst>
+                                </p:cTn>
+                              </p:par>
+                            </p:childTnLst>
+                          </p:cTn>
+                        </p:par>
+                      </p:childTnLst>
+                    </p:cTn>
+                  </p:par>
+                  <p:par>
+                    <p:cTn id="33" fill="hold">
+                      <p:stCondLst>
+                        <p:cond delay="indefinite"/>
+                      </p:stCondLst>
+                      <p:childTnLst>
+                        <p:par>
+                          <p:cTn id="34" fill="hold">
+                            <p:stCondLst>
+                              <p:cond delay="0"/>
+                            </p:stCondLst>
+                            <p:childTnLst>
+                              <p:par>
+                                <p:cTn id="35" presetID="2" presetClass="entr" presetSubtype="4" fill="hold" nodeType="clickEffect">
+                                  <p:stCondLst>
+                                    <p:cond delay="0"/>
+                                  </p:stCondLst>
+                                  <p:childTnLst>
+                                    <p:set>
+                                      <p:cBhvr>
+                                        <p:cTn id="36" dur="1" fill="hold">
+                                          <p:stCondLst>
+                                            <p:cond delay="0"/>
+                                          </p:stCondLst>
+                                        </p:cTn>
+                                        <p:tgtEl>
+                                          <p:spTgt spid="3">
+                                            <p:txEl>
+                                              <p:pRg st="6" end="6"/>
+                                            </p:txEl>
+                                          </p:spTgt>
+                                        </p:tgtEl>
+                                        <p:attrNameLst>
+                                          <p:attrName>style.visibility</p:attrName>
+                                        </p:attrNameLst>
+                                      </p:cBhvr>
+                                      <p:to>
+                                        <p:strVal val="visible"/>
+                                      </p:to>
+                                    </p:set>
+                                    <p:anim calcmode="lin" valueType="num">
+                                      <p:cBhvr additive="base">
+                                        <p:cTn id="37" dur="500" fill="hold"/>
+                                        <p:tgtEl>
+                                          <p:spTgt spid="3">
+                                            <p:txEl>
+                                              <p:pRg st="6" end="6"/>
+                                            </p:txEl>
+                                          </p:spTgt>
+                                        </p:tgtEl>
+                                        <p:attrNameLst>
+                                          <p:attrName>ppt_x</p:attrName>
+                                        </p:attrNameLst>
+                                      </p:cBhvr>
+                                      <p:tavLst>
+                                        <p:tav tm="0">
+                                          <p:val>
+                                            <p:strVal val="#ppt_x"/>
+                                          </p:val>
+                                        </p:tav>
+                                        <p:tav tm="100000">
+                                          <p:val>
+                                            <p:strVal val="#ppt_x"/>
+                                          </p:val>
+                                        </p:tav>
+                                      </p:tavLst>
+                                    </p:anim>
+                                    <p:anim calcmode="lin" valueType="num">
+                                      <p:cBhvr additive="base">
+                                        <p:cTn id="38" dur="500" fill="hold"/>
+                                        <p:tgtEl>
+                                          <p:spTgt spid="3">
+                                            <p:txEl>
+                                              <p:pRg st="6" end="6"/>
+                                            </p:txEl>
+                                          </p:spTgt>
+                                        </p:tgtEl>
+                                        <p:attrNameLst>
+                                          <p:attrName>ppt_y</p:attrName>
+                                        </p:attrNameLst>
+                                      </p:cBhvr>
+                                      <p:tavLst>
+                                        <p:tav tm="0">
+                                          <p:val>
+                                            <p:strVal val="1+#ppt_h/2"/>
+                                          </p:val>
+                                        </p:tav>
+                                        <p:tav tm="100000">
+                                          <p:val>
+                                            <p:strVal val="#ppt_y"/>
+                                          </p:val>
+                                        </p:tav>
+                                      </p:tavLst>
+                                    </p:anim>
+                                  </p:childTnLst>
+                                </p:cTn>
+                              </p:par>
+                              <p:par>
+                                <p:cTn id="39" presetID="2" presetClass="entr" presetSubtype="4" fill="hold" nodeType="withEffect">
+                                  <p:stCondLst>
+                                    <p:cond delay="0"/>
+                                  </p:stCondLst>
+                                  <p:childTnLst>
+                                    <p:set>
+                                      <p:cBhvr>
+                                        <p:cTn id="40" dur="1" fill="hold">
+                                          <p:stCondLst>
+                                            <p:cond delay="0"/>
+                                          </p:stCondLst>
+                                        </p:cTn>
+                                        <p:tgtEl>
+                                          <p:spTgt spid="3">
+                                            <p:txEl>
+                                              <p:pRg st="7" end="7"/>
+                                            </p:txEl>
+                                          </p:spTgt>
+                                        </p:tgtEl>
+                                        <p:attrNameLst>
+                                          <p:attrName>style.visibility</p:attrName>
+                                        </p:attrNameLst>
+                                      </p:cBhvr>
+                                      <p:to>
+                                        <p:strVal val="visible"/>
+                                      </p:to>
+                                    </p:set>
+                                    <p:anim calcmode="lin" valueType="num">
+                                      <p:cBhvr additive="base">
+                                        <p:cTn id="41" dur="500" fill="hold"/>
+                                        <p:tgtEl>
+                                          <p:spTgt spid="3">
+                                            <p:txEl>
+                                              <p:pRg st="7" end="7"/>
+                                            </p:txEl>
+                                          </p:spTgt>
+                                        </p:tgtEl>
+                                        <p:attrNameLst>
+                                          <p:attrName>ppt_x</p:attrName>
+                                        </p:attrNameLst>
+                                      </p:cBhvr>
+                                      <p:tavLst>
+                                        <p:tav tm="0">
+                                          <p:val>
+                                            <p:strVal val="#ppt_x"/>
+                                          </p:val>
+                                        </p:tav>
+                                        <p:tav tm="100000">
+                                          <p:val>
+                                            <p:strVal val="#ppt_x"/>
+                                          </p:val>
+                                        </p:tav>
+                                      </p:tavLst>
+                                    </p:anim>
+                                    <p:anim calcmode="lin" valueType="num">
+                                      <p:cBhvr additive="base">
+                                        <p:cTn id="42" dur="500" fill="hold"/>
+                                        <p:tgtEl>
+                                          <p:spTgt spid="3">
+                                            <p:txEl>
+                                              <p:pRg st="7" end="7"/>
+                                            </p:txEl>
+                                          </p:spTgt>
+                                        </p:tgtEl>
+                                        <p:attrNameLst>
+                                          <p:attrName>ppt_y</p:attrName>
+                                        </p:attrNameLst>
+                                      </p:cBhvr>
+                                      <p:tavLst>
+                                        <p:tav tm="0">
+                                          <p:val>
+                                            <p:strVal val="1+#ppt_h/2"/>
+                                          </p:val>
+                                        </p:tav>
+                                        <p:tav tm="100000">
+                                          <p:val>
+                                            <p:strVal val="#ppt_y"/>
+                                          </p:val>
+                                        </p:tav>
+                                      </p:tavLst>
+                                    </p:anim>
+                                  </p:childTnLst>
+                                </p:cTn>
+                              </p:par>
+                              <p:par>
+                                <p:cTn id="43" presetID="2" presetClass="entr" presetSubtype="4" fill="hold" nodeType="withEffect">
+                                  <p:stCondLst>
+                                    <p:cond delay="0"/>
+                                  </p:stCondLst>
+                                  <p:childTnLst>
+                                    <p:set>
+                                      <p:cBhvr>
+                                        <p:cTn id="44" dur="1" fill="hold">
+                                          <p:stCondLst>
+                                            <p:cond delay="0"/>
+                                          </p:stCondLst>
+                                        </p:cTn>
+                                        <p:tgtEl>
+                                          <p:spTgt spid="3">
+                                            <p:txEl>
+                                              <p:pRg st="8" end="8"/>
+                                            </p:txEl>
+                                          </p:spTgt>
+                                        </p:tgtEl>
+                                        <p:attrNameLst>
+                                          <p:attrName>style.visibility</p:attrName>
+                                        </p:attrNameLst>
+                                      </p:cBhvr>
+                                      <p:to>
+                                        <p:strVal val="visible"/>
+                                      </p:to>
+                                    </p:set>
+                                    <p:anim calcmode="lin" valueType="num">
+                                      <p:cBhvr additive="base">
+                                        <p:cTn id="45" dur="500" fill="hold"/>
+                                        <p:tgtEl>
+                                          <p:spTgt spid="3">
+                                            <p:txEl>
+                                              <p:pRg st="8" end="8"/>
+                                            </p:txEl>
+                                          </p:spTgt>
+                                        </p:tgtEl>
+                                        <p:attrNameLst>
+                                          <p:attrName>ppt_x</p:attrName>
+                                        </p:attrNameLst>
+                                      </p:cBhvr>
+                                      <p:tavLst>
+                                        <p:tav tm="0">
+                                          <p:val>
+                                            <p:strVal val="#ppt_x"/>
+                                          </p:val>
+                                        </p:tav>
+                                        <p:tav tm="100000">
+                                          <p:val>
+                                            <p:strVal val="#ppt_x"/>
+                                          </p:val>
+                                        </p:tav>
+                                      </p:tavLst>
+                                    </p:anim>
+                                    <p:anim calcmode="lin" valueType="num">
+                                      <p:cBhvr additive="base">
+                                        <p:cTn id="46" dur="500" fill="hold"/>
+                                        <p:tgtEl>
+                                          <p:spTgt spid="3">
+                                            <p:txEl>
+                                              <p:pRg st="8" end="8"/>
+                                            </p:txEl>
+                                          </p:spTgt>
+                                        </p:tgtEl>
+                                        <p:attrNameLst>
+                                          <p:attrName>ppt_y</p:attrName>
+                                        </p:attrNameLst>
+                                      </p:cBhvr>
+                                      <p:tavLst>
+                                        <p:tav tm="0">
+                                          <p:val>
+                                            <p:strVal val="1+#ppt_h/2"/>
+                                          </p:val>
+                                        </p:tav>
+                                        <p:tav tm="100000">
+                                          <p:val>
+                                            <p:strVal val="#ppt_y"/>
+                                          </p:val>
+                                        </p:tav>
+                                      </p:tavLst>
+                                    </p:anim>
+                                  </p:childTnLst>
+                                </p:cTn>
+                              </p:par>
+                              <p:par>
+                                <p:cTn id="47" presetID="2" presetClass="entr" presetSubtype="4" fill="hold" nodeType="withEffect">
+                                  <p:stCondLst>
+                                    <p:cond delay="0"/>
+                                  </p:stCondLst>
+                                  <p:childTnLst>
+                                    <p:set>
+                                      <p:cBhvr>
+                                        <p:cTn id="48" dur="1" fill="hold">
+                                          <p:stCondLst>
+                                            <p:cond delay="0"/>
+                                          </p:stCondLst>
+                                        </p:cTn>
+                                        <p:tgtEl>
+                                          <p:spTgt spid="3">
+                                            <p:txEl>
+                                              <p:pRg st="9" end="9"/>
+                                            </p:txEl>
+                                          </p:spTgt>
+                                        </p:tgtEl>
+                                        <p:attrNameLst>
+                                          <p:attrName>style.visibility</p:attrName>
+                                        </p:attrNameLst>
+                                      </p:cBhvr>
+                                      <p:to>
+                                        <p:strVal val="visible"/>
+                                      </p:to>
+                                    </p:set>
+                                    <p:anim calcmode="lin" valueType="num">
+                                      <p:cBhvr additive="base">
+                                        <p:cTn id="49" dur="500" fill="hold"/>
+                                        <p:tgtEl>
+                                          <p:spTgt spid="3">
+                                            <p:txEl>
+                                              <p:pRg st="9" end="9"/>
+                                            </p:txEl>
+                                          </p:spTgt>
+                                        </p:tgtEl>
+                                        <p:attrNameLst>
+                                          <p:attrName>ppt_x</p:attrName>
+                                        </p:attrNameLst>
+                                      </p:cBhvr>
+                                      <p:tavLst>
+                                        <p:tav tm="0">
+                                          <p:val>
+                                            <p:strVal val="#ppt_x"/>
+                                          </p:val>
+                                        </p:tav>
+                                        <p:tav tm="100000">
+                                          <p:val>
+                                            <p:strVal val="#ppt_x"/>
+                                          </p:val>
+                                        </p:tav>
+                                      </p:tavLst>
+                                    </p:anim>
+                                    <p:anim calcmode="lin" valueType="num">
+                                      <p:cBhvr additive="base">
+                                        <p:cTn id="50" dur="500" fill="hold"/>
+                                        <p:tgtEl>
+                                          <p:spTgt spid="3">
+                                            <p:txEl>
+                                              <p:pRg st="9" end="9"/>
+                                            </p:txEl>
+                                          </p:spTgt>
+                                        </p:tgtEl>
+                                        <p:attrNameLst>
+                                          <p:attrName>ppt_y</p:attrName>
+                                        </p:attrNameLst>
+                                      </p:cBhvr>
+                                      <p:tavLst>
+                                        <p:tav tm="0">
+                                          <p:val>
+                                            <p:strVal val="1+#ppt_h/2"/>
+                                          </p:val>
+                                        </p:tav>
+                                        <p:tav tm="100000">
+                                          <p:val>
+                                            <p:strVal val="#ppt_y"/>
+                                          </p:val>
+                                        </p:tav>
+                                      </p:tavLst>
+                                    </p:anim>
+                                  </p:childTnLst>
+                                </p:cTn>
+                              </p:par>
+                              <p:par>
+                                <p:cTn id="51" presetID="2" presetClass="entr" presetSubtype="4" fill="hold" nodeType="withEffect">
+                                  <p:stCondLst>
+                                    <p:cond delay="0"/>
+                                  </p:stCondLst>
+                                  <p:childTnLst>
+                                    <p:set>
+                                      <p:cBhvr>
+                                        <p:cTn id="52" dur="1" fill="hold">
+                                          <p:stCondLst>
+                                            <p:cond delay="0"/>
+                                          </p:stCondLst>
+                                        </p:cTn>
+                                        <p:tgtEl>
+                                          <p:spTgt spid="3">
+                                            <p:txEl>
+                                              <p:pRg st="10" end="10"/>
+                                            </p:txEl>
+                                          </p:spTgt>
+                                        </p:tgtEl>
+                                        <p:attrNameLst>
+                                          <p:attrName>style.visibility</p:attrName>
+                                        </p:attrNameLst>
+                                      </p:cBhvr>
+                                      <p:to>
+                                        <p:strVal val="visible"/>
+                                      </p:to>
+                                    </p:set>
+                                    <p:anim calcmode="lin" valueType="num">
+                                      <p:cBhvr additive="base">
+                                        <p:cTn id="53" dur="500" fill="hold"/>
+                                        <p:tgtEl>
+                                          <p:spTgt spid="3">
+                                            <p:txEl>
+                                              <p:pRg st="10" end="10"/>
+                                            </p:txEl>
+                                          </p:spTgt>
+                                        </p:tgtEl>
+                                        <p:attrNameLst>
+                                          <p:attrName>ppt_x</p:attrName>
+                                        </p:attrNameLst>
+                                      </p:cBhvr>
+                                      <p:tavLst>
+                                        <p:tav tm="0">
+                                          <p:val>
+                                            <p:strVal val="#ppt_x"/>
+                                          </p:val>
+                                        </p:tav>
+                                        <p:tav tm="100000">
+                                          <p:val>
+                                            <p:strVal val="#ppt_x"/>
+                                          </p:val>
+                                        </p:tav>
+                                      </p:tavLst>
+                                    </p:anim>
+                                    <p:anim calcmode="lin" valueType="num">
+                                      <p:cBhvr additive="base">
+                                        <p:cTn id="54" dur="500" fill="hold"/>
+                                        <p:tgtEl>
+                                          <p:spTgt spid="3">
+                                            <p:txEl>
+                                              <p:pRg st="10" end="10"/>
+                                            </p:txEl>
+                                          </p:spTgt>
+                                        </p:tgtEl>
+                                        <p:attrNameLst>
+                                          <p:attrName>ppt_y</p:attrName>
+                                        </p:attrNameLst>
+                                      </p:cBhvr>
+                                      <p:tavLst>
+                                        <p:tav tm="0">
+                                          <p:val>
+                                            <p:strVal val="1+#ppt_h/2"/>
+                                          </p:val>
+                                        </p:tav>
+                                        <p:tav tm="100000">
+                                          <p:val>
+                                            <p:strVal val="#ppt_y"/>
+                                          </p:val>
+                                        </p:tav>
+                                      </p:tavLst>
+                                    </p:anim>
+                                  </p:childTnLst>
+                                </p:cTn>
+                              </p:par>
+                            </p:childTnLst>
+                          </p:cTn>
+                        </p:par>
+                      </p:childTnLst>
+                    </p:cTn>
+                  </p:par>
+                </p:childTnLst>
+              </p:cTn>
+              <p:prevCondLst>
+                <p:cond evt="onPrev" delay="0">
+                  <p:tgtEl>
+                    <p:sldTgt/>
+                  </p:tgtEl>
+                </p:cond>
+              </p:prevCondLst>
+              <p:nextCondLst>
+                <p:cond evt="onNext" delay="0">
+                  <p:tgtEl>
+                    <p:sldTgt/>
+                  </p:tgtEl>
+                </p:cond>
+              </p:nextCondLst>
+            </p:seq>
+          </p:childTnLst>
+        </p:cTn>
+      </p:par>
+    </p:tnLst>
+  </p:timing>
+</p:sld>
+</file>
+
+<file path=ppt/slides/slide2.xml><?xml version="1.0" encoding="utf-8"?>
 <p:sld xmlns:a="http://schemas.openxmlformats.org/drawingml/2006/main" xmlns:r="http://schemas.openxmlformats.org/officeDocument/2006/relationships" xmlns:p="http://schemas.openxmlformats.org/presentationml/2006/main">
   <p:cSld>
     <p:bg>
@@ -6731,7 +9712,7 @@
 </p:sld>
 </file>
 
-<file path=ppt/slides/slide4.xml><?xml version="1.0" encoding="utf-8"?>
+<file path=ppt/slides/slide3.xml><?xml version="1.0" encoding="utf-8"?>
 <p:sld xmlns:a="http://schemas.openxmlformats.org/drawingml/2006/main" xmlns:r="http://schemas.openxmlformats.org/officeDocument/2006/relationships" xmlns:p="http://schemas.openxmlformats.org/presentationml/2006/main">
   <p:cSld>
     <p:bg>
@@ -8179,7 +11160,7 @@
 </p:sld>
 </file>
 
-<file path=ppt/slides/slide5.xml><?xml version="1.0" encoding="utf-8"?>
+<file path=ppt/slides/slide4.xml><?xml version="1.0" encoding="utf-8"?>
 <p:sld xmlns:a="http://schemas.openxmlformats.org/drawingml/2006/main" xmlns:r="http://schemas.openxmlformats.org/officeDocument/2006/relationships" xmlns:p="http://schemas.openxmlformats.org/presentationml/2006/main">
   <p:cSld>
     <p:bg>
@@ -9318,7 +12299,7 @@
 </p:sld>
 </file>
 
-<file path=ppt/slides/slide6.xml><?xml version="1.0" encoding="utf-8"?>
+<file path=ppt/slides/slide5.xml><?xml version="1.0" encoding="utf-8"?>
 <p:sld xmlns:a="http://schemas.openxmlformats.org/drawingml/2006/main" xmlns:r="http://schemas.openxmlformats.org/officeDocument/2006/relationships" xmlns:p="http://schemas.openxmlformats.org/presentationml/2006/main">
   <p:cSld>
     <p:bg>
@@ -9825,56 +12806,6 @@
           </a:p>
         </p:txBody>
       </p:sp>
-      <p:sp>
-        <p:nvSpPr>
-          <p:cNvPr id="10" name="Speech Bubble: Oval 9">
-            <a:extLst>
-              <a:ext uri="{FF2B5EF4-FFF2-40B4-BE49-F238E27FC236}">
-                <a16:creationId xmlns:a16="http://schemas.microsoft.com/office/drawing/2014/main" id="{08128D9D-3FE7-9486-8512-12D01A7ED29F}"/>
-              </a:ext>
-            </a:extLst>
-          </p:cNvPr>
-          <p:cNvSpPr/>
-          <p:nvPr/>
-        </p:nvSpPr>
-        <p:spPr>
-          <a:xfrm>
-            <a:off x="8846047" y="1527461"/>
-            <a:ext cx="2076725" cy="1749152"/>
-          </a:xfrm>
-          <a:prstGeom prst="wedgeEllipseCallout">
-            <a:avLst/>
-          </a:prstGeom>
-        </p:spPr>
-        <p:style>
-          <a:lnRef idx="2">
-            <a:schemeClr val="accent1">
-              <a:shade val="15000"/>
-            </a:schemeClr>
-          </a:lnRef>
-          <a:fillRef idx="1">
-            <a:schemeClr val="accent1"/>
-          </a:fillRef>
-          <a:effectRef idx="0">
-            <a:schemeClr val="accent1"/>
-          </a:effectRef>
-          <a:fontRef idx="minor">
-            <a:schemeClr val="lt1"/>
-          </a:fontRef>
-        </p:style>
-        <p:txBody>
-          <a:bodyPr rtlCol="0" anchor="ctr"/>
-          <a:lstStyle/>
-          <a:p>
-            <a:pPr algn="ctr"/>
-            <a:r>
-              <a:rPr lang="en-US" dirty="0"/>
-              <a:t>We discuss What is HTML Elements in Next lecture</a:t>
-            </a:r>
-            <a:endParaRPr lang="en-IN" dirty="0"/>
-          </a:p>
-        </p:txBody>
-      </p:sp>
     </p:spTree>
     <p:extLst>
       <p:ext uri="{BB962C8B-B14F-4D97-AF65-F5344CB8AC3E}">
@@ -11302,105 +14233,6 @@
                       </p:childTnLst>
                     </p:cTn>
                   </p:par>
-                  <p:par>
-                    <p:cTn id="77" fill="hold">
-                      <p:stCondLst>
-                        <p:cond delay="indefinite"/>
-                      </p:stCondLst>
-                      <p:childTnLst>
-                        <p:par>
-                          <p:cTn id="78" fill="hold">
-                            <p:stCondLst>
-                              <p:cond delay="0"/>
-                            </p:stCondLst>
-                            <p:childTnLst>
-                              <p:par>
-                                <p:cTn id="79" presetID="42" presetClass="entr" presetSubtype="0" fill="hold" grpId="0" nodeType="clickEffect">
-                                  <p:stCondLst>
-                                    <p:cond delay="0"/>
-                                  </p:stCondLst>
-                                  <p:childTnLst>
-                                    <p:set>
-                                      <p:cBhvr>
-                                        <p:cTn id="80" dur="1" fill="hold">
-                                          <p:stCondLst>
-                                            <p:cond delay="0"/>
-                                          </p:stCondLst>
-                                        </p:cTn>
-                                        <p:tgtEl>
-                                          <p:spTgt spid="10"/>
-                                        </p:tgtEl>
-                                        <p:attrNameLst>
-                                          <p:attrName>style.visibility</p:attrName>
-                                        </p:attrNameLst>
-                                      </p:cBhvr>
-                                      <p:to>
-                                        <p:strVal val="visible"/>
-                                      </p:to>
-                                    </p:set>
-                                    <p:animEffect transition="in" filter="fade">
-                                      <p:cBhvr>
-                                        <p:cTn id="81" dur="1000"/>
-                                        <p:tgtEl>
-                                          <p:spTgt spid="10"/>
-                                        </p:tgtEl>
-                                      </p:cBhvr>
-                                    </p:animEffect>
-                                    <p:anim calcmode="lin" valueType="num">
-                                      <p:cBhvr>
-                                        <p:cTn id="82" dur="1000" fill="hold"/>
-                                        <p:tgtEl>
-                                          <p:spTgt spid="10"/>
-                                        </p:tgtEl>
-                                        <p:attrNameLst>
-                                          <p:attrName>ppt_x</p:attrName>
-                                        </p:attrNameLst>
-                                      </p:cBhvr>
-                                      <p:tavLst>
-                                        <p:tav tm="0">
-                                          <p:val>
-                                            <p:strVal val="#ppt_x"/>
-                                          </p:val>
-                                        </p:tav>
-                                        <p:tav tm="100000">
-                                          <p:val>
-                                            <p:strVal val="#ppt_x"/>
-                                          </p:val>
-                                        </p:tav>
-                                      </p:tavLst>
-                                    </p:anim>
-                                    <p:anim calcmode="lin" valueType="num">
-                                      <p:cBhvr>
-                                        <p:cTn id="83" dur="1000" fill="hold"/>
-                                        <p:tgtEl>
-                                          <p:spTgt spid="10"/>
-                                        </p:tgtEl>
-                                        <p:attrNameLst>
-                                          <p:attrName>ppt_y</p:attrName>
-                                        </p:attrNameLst>
-                                      </p:cBhvr>
-                                      <p:tavLst>
-                                        <p:tav tm="0">
-                                          <p:val>
-                                            <p:strVal val="#ppt_y+.1"/>
-                                          </p:val>
-                                        </p:tav>
-                                        <p:tav tm="100000">
-                                          <p:val>
-                                            <p:strVal val="#ppt_y"/>
-                                          </p:val>
-                                        </p:tav>
-                                      </p:tavLst>
-                                    </p:anim>
-                                  </p:childTnLst>
-                                </p:cTn>
-                              </p:par>
-                            </p:childTnLst>
-                          </p:cTn>
-                        </p:par>
-                      </p:childTnLst>
-                    </p:cTn>
-                  </p:par>
                 </p:childTnLst>
               </p:cTn>
               <p:prevCondLst>
@@ -11422,14 +14254,11 @@
         </p:cTn>
       </p:par>
     </p:tnLst>
-    <p:bldLst>
-      <p:bldP spid="10" grpId="0" animBg="1"/>
-    </p:bldLst>
   </p:timing>
 </p:sld>
 </file>
 
-<file path=ppt/slides/slide7.xml><?xml version="1.0" encoding="utf-8"?>
+<file path=ppt/slides/slide6.xml><?xml version="1.0" encoding="utf-8"?>
 <p:sld xmlns:a="http://schemas.openxmlformats.org/drawingml/2006/main" xmlns:r="http://schemas.openxmlformats.org/officeDocument/2006/relationships" xmlns:p="http://schemas.openxmlformats.org/presentationml/2006/main">
   <p:cSld>
     <p:bg>
@@ -12595,7 +15424,7 @@
 </p:sld>
 </file>
 
-<file path=ppt/slides/slide8.xml><?xml version="1.0" encoding="utf-8"?>
+<file path=ppt/slides/slide7.xml><?xml version="1.0" encoding="utf-8"?>
 <p:sld xmlns:a="http://schemas.openxmlformats.org/drawingml/2006/main" xmlns:r="http://schemas.openxmlformats.org/officeDocument/2006/relationships" xmlns:p="http://schemas.openxmlformats.org/presentationml/2006/main">
   <p:cSld>
     <p:bg>
@@ -12915,56 +15744,6 @@
           </a:p>
         </p:txBody>
       </p:sp>
-      <p:sp>
-        <p:nvSpPr>
-          <p:cNvPr id="9" name="Speech Bubble: Oval 8">
-            <a:extLst>
-              <a:ext uri="{FF2B5EF4-FFF2-40B4-BE49-F238E27FC236}">
-                <a16:creationId xmlns:a16="http://schemas.microsoft.com/office/drawing/2014/main" id="{4ECA7D65-7002-DE2A-4125-4E3441895060}"/>
-              </a:ext>
-            </a:extLst>
-          </p:cNvPr>
-          <p:cNvSpPr/>
-          <p:nvPr/>
-        </p:nvSpPr>
-        <p:spPr>
-          <a:xfrm>
-            <a:off x="8910652" y="1272345"/>
-            <a:ext cx="2076725" cy="1749152"/>
-          </a:xfrm>
-          <a:prstGeom prst="wedgeEllipseCallout">
-            <a:avLst/>
-          </a:prstGeom>
-        </p:spPr>
-        <p:style>
-          <a:lnRef idx="2">
-            <a:schemeClr val="accent1">
-              <a:shade val="15000"/>
-            </a:schemeClr>
-          </a:lnRef>
-          <a:fillRef idx="1">
-            <a:schemeClr val="accent1"/>
-          </a:fillRef>
-          <a:effectRef idx="0">
-            <a:schemeClr val="accent1"/>
-          </a:effectRef>
-          <a:fontRef idx="minor">
-            <a:schemeClr val="lt1"/>
-          </a:fontRef>
-        </p:style>
-        <p:txBody>
-          <a:bodyPr rtlCol="0" anchor="ctr"/>
-          <a:lstStyle/>
-          <a:p>
-            <a:pPr algn="ctr"/>
-            <a:r>
-              <a:rPr lang="en-US" dirty="0"/>
-              <a:t>Currently ignore these two line we discuss about it in next lectures</a:t>
-            </a:r>
-            <a:endParaRPr lang="en-IN" dirty="0"/>
-          </a:p>
-        </p:txBody>
-      </p:sp>
     </p:spTree>
     <p:extLst>
       <p:ext uri="{BB962C8B-B14F-4D97-AF65-F5344CB8AC3E}">
@@ -13088,21 +15867,722 @@
                                   </p:childTnLst>
                                 </p:cTn>
                               </p:par>
+                            </p:childTnLst>
+                          </p:cTn>
+                        </p:par>
+                      </p:childTnLst>
+                    </p:cTn>
+                  </p:par>
+                </p:childTnLst>
+              </p:cTn>
+              <p:prevCondLst>
+                <p:cond evt="onPrev" delay="0">
+                  <p:tgtEl>
+                    <p:sldTgt/>
+                  </p:tgtEl>
+                </p:cond>
+              </p:prevCondLst>
+              <p:nextCondLst>
+                <p:cond evt="onNext" delay="0">
+                  <p:tgtEl>
+                    <p:sldTgt/>
+                  </p:tgtEl>
+                </p:cond>
+              </p:nextCondLst>
+            </p:seq>
+          </p:childTnLst>
+        </p:cTn>
+      </p:par>
+    </p:tnLst>
+  </p:timing>
+</p:sld>
+</file>
+
+<file path=ppt/slides/slide8.xml><?xml version="1.0" encoding="utf-8"?>
+<p:sld xmlns:a="http://schemas.openxmlformats.org/drawingml/2006/main" xmlns:r="http://schemas.openxmlformats.org/officeDocument/2006/relationships" xmlns:p="http://schemas.openxmlformats.org/presentationml/2006/main">
+  <p:cSld>
+    <p:bg>
+      <p:bgPr>
+        <a:pattFill prst="pct5">
+          <a:fgClr>
+            <a:schemeClr val="accent1"/>
+          </a:fgClr>
+          <a:bgClr>
+            <a:schemeClr val="bg1"/>
+          </a:bgClr>
+        </a:pattFill>
+        <a:effectLst/>
+      </p:bgPr>
+    </p:bg>
+    <p:spTree>
+      <p:nvGrpSpPr>
+        <p:cNvPr id="1" name="">
+          <a:extLst>
+            <a:ext uri="{FF2B5EF4-FFF2-40B4-BE49-F238E27FC236}">
+              <a16:creationId xmlns:a16="http://schemas.microsoft.com/office/drawing/2014/main" id="{41D7487C-8BD8-BD80-576C-BE463E4E99A1}"/>
+            </a:ext>
+          </a:extLst>
+        </p:cNvPr>
+        <p:cNvGrpSpPr/>
+        <p:nvPr/>
+      </p:nvGrpSpPr>
+      <p:grpSpPr>
+        <a:xfrm>
+          <a:off x="0" y="0"/>
+          <a:ext cx="0" cy="0"/>
+          <a:chOff x="0" y="0"/>
+          <a:chExt cx="0" cy="0"/>
+        </a:xfrm>
+      </p:grpSpPr>
+      <p:pic>
+        <p:nvPicPr>
+          <p:cNvPr id="8" name="Picture 7">
+            <a:extLst>
+              <a:ext uri="{FF2B5EF4-FFF2-40B4-BE49-F238E27FC236}">
+                <a16:creationId xmlns:a16="http://schemas.microsoft.com/office/drawing/2014/main" id="{391CBB5C-CB12-ABAF-B5AC-15331072AE62}"/>
+              </a:ext>
+            </a:extLst>
+          </p:cNvPr>
+          <p:cNvPicPr>
+            <a:picLocks noChangeAspect="1"/>
+          </p:cNvPicPr>
+          <p:nvPr/>
+        </p:nvPicPr>
+        <p:blipFill>
+          <a:blip r:embed="rId3">
+            <a:extLst>
+              <a:ext uri="{BEBA8EAE-BF5A-486C-A8C5-ECC9F3942E4B}">
+                <a14:imgProps xmlns:a14="http://schemas.microsoft.com/office/drawing/2010/main">
+                  <a14:imgLayer r:embed="rId4">
+                    <a14:imgEffect>
+                      <a14:backgroundRemoval t="10000" b="90000" l="10000" r="90000">
+                        <a14:foregroundMark x1="28417" y1="45552" x2="25899" y2="49466"/>
+                        <a14:foregroundMark x1="39928" y1="46619" x2="58993" y2="51601"/>
+                        <a14:foregroundMark x1="61871" y1="48754" x2="56835" y2="48399"/>
+                        <a14:foregroundMark x1="61871" y1="48043" x2="32014" y2="33096"/>
+                        <a14:foregroundMark x1="32014" y1="33096" x2="33453" y2="50890"/>
+                        <a14:foregroundMark x1="38849" y1="45196" x2="21583" y2="46263"/>
+                        <a14:foregroundMark x1="34892" y1="45907" x2="33453" y2="46619"/>
+                        <a14:foregroundMark x1="55396" y1="42705" x2="71583" y2="44840"/>
+                      </a14:backgroundRemoval>
+                    </a14:imgEffect>
+                  </a14:imgLayer>
+                </a14:imgProps>
+              </a:ext>
+              <a:ext uri="{28A0092B-C50C-407E-A947-70E740481C1C}">
+                <a14:useLocalDpi xmlns:a14="http://schemas.microsoft.com/office/drawing/2010/main" val="0"/>
+              </a:ext>
+            </a:extLst>
+          </a:blip>
+          <a:stretch>
+            <a:fillRect/>
+          </a:stretch>
+        </p:blipFill>
+        <p:spPr>
+          <a:xfrm>
+            <a:off x="10271760" y="-264241"/>
+            <a:ext cx="2076725" cy="2099136"/>
+          </a:xfrm>
+          <a:prstGeom prst="rect">
+            <a:avLst/>
+          </a:prstGeom>
+        </p:spPr>
+      </p:pic>
+      <p:sp>
+        <p:nvSpPr>
+          <p:cNvPr id="5" name="TextBox 4">
+            <a:extLst>
+              <a:ext uri="{FF2B5EF4-FFF2-40B4-BE49-F238E27FC236}">
+                <a16:creationId xmlns:a16="http://schemas.microsoft.com/office/drawing/2014/main" id="{20E37F91-ACFF-9DE9-C406-7A1DA6947C14}"/>
+              </a:ext>
+            </a:extLst>
+          </p:cNvPr>
+          <p:cNvSpPr txBox="1"/>
+          <p:nvPr/>
+        </p:nvSpPr>
+        <p:spPr>
+          <a:xfrm>
+            <a:off x="585195" y="178760"/>
+            <a:ext cx="7704040" cy="1754326"/>
+          </a:xfrm>
+          <a:prstGeom prst="rect">
+            <a:avLst/>
+          </a:prstGeom>
+          <a:noFill/>
+        </p:spPr>
+        <p:txBody>
+          <a:bodyPr wrap="square" rtlCol="0">
+            <a:spAutoFit/>
+          </a:bodyPr>
+          <a:lstStyle/>
+          <a:p>
+            <a:r>
+              <a:rPr lang="en-US" sz="5400" u="sng" dirty="0">
+                <a:highlight>
+                  <a:srgbClr val="FFFF00"/>
+                </a:highlight>
+              </a:rPr>
+              <a:t> HTML Comments</a:t>
+            </a:r>
+            <a:endParaRPr lang="en-IN" sz="5400" u="sng" dirty="0">
+              <a:highlight>
+                <a:srgbClr val="FFFF00"/>
+              </a:highlight>
+            </a:endParaRPr>
+          </a:p>
+          <a:p>
+            <a:endParaRPr lang="en-IN" sz="5400" u="sng" dirty="0">
+              <a:highlight>
+                <a:srgbClr val="FFFF00"/>
+              </a:highlight>
+            </a:endParaRPr>
+          </a:p>
+        </p:txBody>
+      </p:sp>
+      <p:sp>
+        <p:nvSpPr>
+          <p:cNvPr id="2" name="Rectangle 1">
+            <a:extLst>
+              <a:ext uri="{FF2B5EF4-FFF2-40B4-BE49-F238E27FC236}">
+                <a16:creationId xmlns:a16="http://schemas.microsoft.com/office/drawing/2014/main" id="{8289C8E2-21FA-C98D-DE21-EF73CF101D3F}"/>
+              </a:ext>
+            </a:extLst>
+          </p:cNvPr>
+          <p:cNvSpPr>
+            <a:spLocks noChangeArrowheads="1"/>
+          </p:cNvSpPr>
+          <p:nvPr/>
+        </p:nvSpPr>
+        <p:spPr bwMode="auto">
+          <a:xfrm>
+            <a:off x="868461" y="2778847"/>
+            <a:ext cx="6476557" cy="3543727"/>
+          </a:xfrm>
+          <a:prstGeom prst="rect">
+            <a:avLst/>
+          </a:prstGeom>
+          <a:noFill/>
+          <a:ln>
+            <a:noFill/>
+          </a:ln>
+          <a:effectLst/>
+          <a:extLst>
+            <a:ext uri="{909E8E84-426E-40DD-AFC4-6F175D3DCCD1}">
+              <a14:hiddenFill xmlns:a14="http://schemas.microsoft.com/office/drawing/2010/main">
+                <a:solidFill>
+                  <a:schemeClr val="accent1"/>
+                </a:solidFill>
+              </a14:hiddenFill>
+            </a:ext>
+            <a:ext uri="{91240B29-F687-4F45-9708-019B960494DF}">
+              <a14:hiddenLine xmlns:a14="http://schemas.microsoft.com/office/drawing/2010/main" w="9525">
+                <a:solidFill>
+                  <a:schemeClr val="tx1"/>
+                </a:solidFill>
+                <a:miter lim="800000"/>
+                <a:headEnd/>
+                <a:tailEnd/>
+              </a14:hiddenLine>
+            </a:ext>
+            <a:ext uri="{AF507438-7753-43E0-B8FC-AC1667EBCBE1}">
+              <a14:hiddenEffects xmlns:a14="http://schemas.microsoft.com/office/drawing/2010/main">
+                <a:effectLst>
+                  <a:outerShdw dist="35921" dir="2700000" algn="ctr" rotWithShape="0">
+                    <a:schemeClr val="bg2"/>
+                  </a:outerShdw>
+                </a:effectLst>
+              </a14:hiddenEffects>
+            </a:ext>
+          </a:extLst>
+        </p:spPr>
+        <p:txBody>
+          <a:bodyPr vert="horz" wrap="square" lIns="91440" tIns="45720" rIns="91440" bIns="45720" numCol="1" anchor="ctr" anchorCtr="0" compatLnSpc="1">
+            <a:prstTxWarp prst="textNoShape">
+              <a:avLst/>
+            </a:prstTxWarp>
+            <a:spAutoFit/>
+          </a:bodyPr>
+          <a:lstStyle/>
+          <a:p>
+            <a:r>
+              <a:rPr lang="en-IN" sz="1600" dirty="0"/>
+              <a:t>&lt;!DOCTYPE html&gt;      </a:t>
+            </a:r>
+          </a:p>
+          <a:p>
+            <a:r>
+              <a:rPr lang="en-IN" sz="1600" dirty="0"/>
+              <a:t>&lt;html&gt;</a:t>
+            </a:r>
+          </a:p>
+          <a:p>
+            <a:r>
+              <a:rPr lang="en-IN" sz="1600" dirty="0"/>
+              <a:t>&lt;head&gt;</a:t>
+            </a:r>
+          </a:p>
+          <a:p>
+            <a:r>
+              <a:rPr lang="en-IN" sz="1600" dirty="0"/>
+              <a:t>&lt;meta charset="UTF-8"&gt;</a:t>
+            </a:r>
+          </a:p>
+          <a:p>
+            <a:r>
+              <a:rPr lang="en-IN" sz="1600" dirty="0"/>
+              <a:t>&lt;meta name="viewport" content="width=device-width, initial-scale=1.0"&gt;</a:t>
+            </a:r>
+          </a:p>
+          <a:p>
+            <a:r>
+              <a:rPr lang="en-IN" sz="1600" dirty="0"/>
+              <a:t> &lt;title&gt;Hello HTML Program &lt;/title&gt;</a:t>
+            </a:r>
+          </a:p>
+          <a:p>
+            <a:r>
+              <a:rPr lang="en-IN" sz="1600" dirty="0"/>
+              <a:t>&lt;/head&gt;</a:t>
+            </a:r>
+          </a:p>
+          <a:p>
+            <a:r>
+              <a:rPr lang="en-IN" sz="1600" dirty="0"/>
+              <a:t>&lt;body&gt;</a:t>
+            </a:r>
+          </a:p>
+          <a:p>
+            <a:r>
+              <a:rPr lang="en-US" altLang="en-US" sz="1600" dirty="0">
+                <a:solidFill>
+                  <a:schemeClr val="accent2">
+                    <a:lumMod val="50000"/>
+                  </a:schemeClr>
+                </a:solidFill>
+              </a:rPr>
+              <a:t>&lt;!--  this is a basic HTML Program</a:t>
+            </a:r>
+            <a:r>
+              <a:rPr lang="en-US" altLang="en-US" sz="1600" dirty="0">
+                <a:solidFill>
+                  <a:schemeClr val="accent2">
+                    <a:lumMod val="50000"/>
+                  </a:schemeClr>
+                </a:solidFill>
+                <a:sym typeface="Wingdings" panose="05000000000000000000" pitchFamily="2" charset="2"/>
+              </a:rPr>
+              <a:t>--&gt;</a:t>
+            </a:r>
+            <a:endParaRPr lang="en-IN" sz="1600" dirty="0"/>
+          </a:p>
+          <a:p>
+            <a:r>
+              <a:rPr lang="en-IN" sz="1600" dirty="0"/>
+              <a:t>    Hello HTML </a:t>
+            </a:r>
+          </a:p>
+          <a:p>
+            <a:r>
+              <a:rPr lang="en-IN" sz="1600" dirty="0"/>
+              <a:t>&lt;/body&gt;</a:t>
+            </a:r>
+          </a:p>
+          <a:p>
+            <a:r>
+              <a:rPr lang="en-IN" sz="1600" dirty="0"/>
+              <a:t>&lt;/html&gt;</a:t>
+            </a:r>
+          </a:p>
+          <a:p>
+            <a:pPr lvl="1" eaLnBrk="0" fontAlgn="base" hangingPunct="0">
+              <a:lnSpc>
+                <a:spcPct val="150000"/>
+              </a:lnSpc>
+              <a:spcBef>
+                <a:spcPct val="0"/>
+              </a:spcBef>
+              <a:spcAft>
+                <a:spcPct val="0"/>
+              </a:spcAft>
+              <a:tabLst>
+                <a:tab pos="803275" algn="l"/>
+              </a:tabLst>
+            </a:pPr>
+            <a:endParaRPr kumimoji="0" lang="en-US" altLang="en-US" sz="2400" b="0" i="0" u="none" strike="noStrike" cap="none" normalizeH="0" baseline="0" dirty="0">
+              <a:ln>
+                <a:noFill/>
+              </a:ln>
+              <a:solidFill>
+                <a:schemeClr val="tx1"/>
+              </a:solidFill>
+              <a:effectLst/>
+            </a:endParaRPr>
+          </a:p>
+        </p:txBody>
+      </p:sp>
+      <p:sp>
+        <p:nvSpPr>
+          <p:cNvPr id="3" name="Rectangle 2">
+            <a:extLst>
+              <a:ext uri="{FF2B5EF4-FFF2-40B4-BE49-F238E27FC236}">
+                <a16:creationId xmlns:a16="http://schemas.microsoft.com/office/drawing/2014/main" id="{DAEA7A74-5C08-F16A-3375-2B433CE448B7}"/>
+              </a:ext>
+            </a:extLst>
+          </p:cNvPr>
+          <p:cNvSpPr>
+            <a:spLocks noChangeArrowheads="1"/>
+          </p:cNvSpPr>
+          <p:nvPr/>
+        </p:nvSpPr>
+        <p:spPr bwMode="auto">
+          <a:xfrm>
+            <a:off x="513963" y="968824"/>
+            <a:ext cx="10099040" cy="1143070"/>
+          </a:xfrm>
+          <a:prstGeom prst="rect">
+            <a:avLst/>
+          </a:prstGeom>
+          <a:noFill/>
+          <a:ln>
+            <a:noFill/>
+          </a:ln>
+          <a:effectLst/>
+          <a:extLst>
+            <a:ext uri="{909E8E84-426E-40DD-AFC4-6F175D3DCCD1}">
+              <a14:hiddenFill xmlns:a14="http://schemas.microsoft.com/office/drawing/2010/main">
+                <a:solidFill>
+                  <a:schemeClr val="accent1"/>
+                </a:solidFill>
+              </a14:hiddenFill>
+            </a:ext>
+            <a:ext uri="{91240B29-F687-4F45-9708-019B960494DF}">
+              <a14:hiddenLine xmlns:a14="http://schemas.microsoft.com/office/drawing/2010/main" w="9525">
+                <a:solidFill>
+                  <a:schemeClr val="tx1"/>
+                </a:solidFill>
+                <a:miter lim="800000"/>
+                <a:headEnd/>
+                <a:tailEnd/>
+              </a14:hiddenLine>
+            </a:ext>
+            <a:ext uri="{AF507438-7753-43E0-B8FC-AC1667EBCBE1}">
+              <a14:hiddenEffects xmlns:a14="http://schemas.microsoft.com/office/drawing/2010/main">
+                <a:effectLst>
+                  <a:outerShdw dist="35921" dir="2700000" algn="ctr" rotWithShape="0">
+                    <a:schemeClr val="bg2"/>
+                  </a:outerShdw>
+                </a:effectLst>
+              </a14:hiddenEffects>
+            </a:ext>
+          </a:extLst>
+        </p:spPr>
+        <p:txBody>
+          <a:bodyPr vert="horz" wrap="square" lIns="91440" tIns="45720" rIns="91440" bIns="45720" numCol="1" anchor="ctr" anchorCtr="0" compatLnSpc="1">
+            <a:prstTxWarp prst="textNoShape">
+              <a:avLst/>
+            </a:prstTxWarp>
+            <a:spAutoFit/>
+          </a:bodyPr>
+          <a:lstStyle/>
+          <a:p>
+            <a:pPr lvl="1" eaLnBrk="0" fontAlgn="base" hangingPunct="0">
+              <a:lnSpc>
+                <a:spcPct val="150000"/>
+              </a:lnSpc>
+              <a:spcBef>
+                <a:spcPct val="0"/>
+              </a:spcBef>
+              <a:spcAft>
+                <a:spcPct val="0"/>
+              </a:spcAft>
+              <a:tabLst>
+                <a:tab pos="803275" algn="l"/>
+              </a:tabLst>
+            </a:pPr>
+            <a:r>
+              <a:rPr lang="en-US" altLang="en-US" sz="2400" dirty="0">
+                <a:highlight>
+                  <a:srgbClr val="00FFFF"/>
+                </a:highlight>
+              </a:rPr>
+              <a:t>It is used to add notes or explanations about the code and it doesn’t display in the webpage.</a:t>
+            </a:r>
+            <a:endParaRPr kumimoji="0" lang="en-US" altLang="en-US" sz="2400" b="0" i="0" u="none" strike="noStrike" cap="none" normalizeH="0" baseline="0" dirty="0">
+              <a:ln>
+                <a:noFill/>
+              </a:ln>
+              <a:solidFill>
+                <a:schemeClr val="tx1"/>
+              </a:solidFill>
+              <a:effectLst/>
+              <a:highlight>
+                <a:srgbClr val="00FFFF"/>
+              </a:highlight>
+            </a:endParaRPr>
+          </a:p>
+        </p:txBody>
+      </p:sp>
+      <p:sp>
+        <p:nvSpPr>
+          <p:cNvPr id="4" name="Rectangle 3">
+            <a:extLst>
+              <a:ext uri="{FF2B5EF4-FFF2-40B4-BE49-F238E27FC236}">
+                <a16:creationId xmlns:a16="http://schemas.microsoft.com/office/drawing/2014/main" id="{49E36DDF-252E-50D4-205E-9C29E72E5CDB}"/>
+              </a:ext>
+            </a:extLst>
+          </p:cNvPr>
+          <p:cNvSpPr>
+            <a:spLocks noChangeArrowheads="1"/>
+          </p:cNvSpPr>
+          <p:nvPr/>
+        </p:nvSpPr>
+        <p:spPr bwMode="auto">
+          <a:xfrm>
+            <a:off x="5908041" y="1660067"/>
+            <a:ext cx="5821902" cy="1711366"/>
+          </a:xfrm>
+          <a:prstGeom prst="rect">
+            <a:avLst/>
+          </a:prstGeom>
+          <a:noFill/>
+          <a:ln>
+            <a:noFill/>
+          </a:ln>
+          <a:effectLst/>
+          <a:extLst>
+            <a:ext uri="{909E8E84-426E-40DD-AFC4-6F175D3DCCD1}">
+              <a14:hiddenFill xmlns:a14="http://schemas.microsoft.com/office/drawing/2010/main">
+                <a:solidFill>
+                  <a:schemeClr val="accent1"/>
+                </a:solidFill>
+              </a14:hiddenFill>
+            </a:ext>
+            <a:ext uri="{91240B29-F687-4F45-9708-019B960494DF}">
+              <a14:hiddenLine xmlns:a14="http://schemas.microsoft.com/office/drawing/2010/main" w="9525">
+                <a:solidFill>
+                  <a:schemeClr val="tx1"/>
+                </a:solidFill>
+                <a:miter lim="800000"/>
+                <a:headEnd/>
+                <a:tailEnd/>
+              </a14:hiddenLine>
+            </a:ext>
+            <a:ext uri="{AF507438-7753-43E0-B8FC-AC1667EBCBE1}">
+              <a14:hiddenEffects xmlns:a14="http://schemas.microsoft.com/office/drawing/2010/main">
+                <a:effectLst>
+                  <a:outerShdw dist="35921" dir="2700000" algn="ctr" rotWithShape="0">
+                    <a:schemeClr val="bg2"/>
+                  </a:outerShdw>
+                </a:effectLst>
+              </a14:hiddenEffects>
+            </a:ext>
+          </a:extLst>
+        </p:spPr>
+        <p:txBody>
+          <a:bodyPr vert="horz" wrap="square" lIns="91440" tIns="45720" rIns="91440" bIns="45720" numCol="1" anchor="ctr" anchorCtr="0" compatLnSpc="1">
+            <a:prstTxWarp prst="textNoShape">
+              <a:avLst/>
+            </a:prstTxWarp>
+            <a:spAutoFit/>
+          </a:bodyPr>
+          <a:lstStyle/>
+          <a:p>
+            <a:pPr lvl="1" eaLnBrk="0" fontAlgn="base" hangingPunct="0">
+              <a:lnSpc>
+                <a:spcPct val="150000"/>
+              </a:lnSpc>
+              <a:spcBef>
+                <a:spcPct val="0"/>
+              </a:spcBef>
+              <a:spcAft>
+                <a:spcPct val="0"/>
+              </a:spcAft>
+              <a:tabLst>
+                <a:tab pos="803275" algn="l"/>
+              </a:tabLst>
+            </a:pPr>
+            <a:r>
+              <a:rPr kumimoji="0" lang="en-US" altLang="en-US" b="0" i="0" u="none" strike="noStrike" cap="none" normalizeH="0" baseline="0" dirty="0">
+                <a:ln>
+                  <a:noFill/>
+                </a:ln>
+                <a:solidFill>
+                  <a:schemeClr val="tx1"/>
+                </a:solidFill>
+                <a:effectLst/>
+              </a:rPr>
+              <a:t>Syntax:   </a:t>
+            </a:r>
+          </a:p>
+          <a:p>
+            <a:pPr lvl="1" eaLnBrk="0" fontAlgn="base" hangingPunct="0">
+              <a:lnSpc>
+                <a:spcPct val="150000"/>
+              </a:lnSpc>
+              <a:spcBef>
+                <a:spcPct val="0"/>
+              </a:spcBef>
+              <a:spcAft>
+                <a:spcPct val="0"/>
+              </a:spcAft>
+              <a:tabLst>
+                <a:tab pos="803275" algn="l"/>
+              </a:tabLst>
+            </a:pPr>
+            <a:r>
+              <a:rPr lang="en-US" altLang="en-US" dirty="0">
+                <a:solidFill>
+                  <a:schemeClr val="accent2">
+                    <a:lumMod val="50000"/>
+                  </a:schemeClr>
+                </a:solidFill>
+              </a:rPr>
+              <a:t>&lt;!--  Hello I am  single line comments and </a:t>
+            </a:r>
+            <a:r>
+              <a:rPr lang="en-US" altLang="en-US" dirty="0">
+                <a:solidFill>
+                  <a:schemeClr val="accent2">
+                    <a:lumMod val="50000"/>
+                  </a:schemeClr>
+                </a:solidFill>
+                <a:sym typeface="Wingdings" panose="05000000000000000000" pitchFamily="2" charset="2"/>
+              </a:rPr>
+              <a:t>--&gt;</a:t>
+            </a:r>
+          </a:p>
+          <a:p>
+            <a:pPr lvl="1" eaLnBrk="0" fontAlgn="base" hangingPunct="0">
+              <a:lnSpc>
+                <a:spcPct val="150000"/>
+              </a:lnSpc>
+              <a:spcBef>
+                <a:spcPct val="0"/>
+              </a:spcBef>
+              <a:spcAft>
+                <a:spcPct val="0"/>
+              </a:spcAft>
+              <a:tabLst>
+                <a:tab pos="803275" algn="l"/>
+              </a:tabLst>
+            </a:pPr>
+            <a:r>
+              <a:rPr kumimoji="0" lang="en-US" altLang="en-US" b="0" i="0" u="none" strike="noStrike" cap="none" normalizeH="0" baseline="0" dirty="0">
+                <a:ln>
+                  <a:noFill/>
+                </a:ln>
+                <a:solidFill>
+                  <a:schemeClr val="accent6">
+                    <a:lumMod val="50000"/>
+                  </a:schemeClr>
+                </a:solidFill>
+                <a:effectLst/>
+                <a:sym typeface="Wingdings" panose="05000000000000000000" pitchFamily="2" charset="2"/>
+              </a:rPr>
+              <a:t>&lt;!– Hello We are multi-line comments and</a:t>
+            </a:r>
+          </a:p>
+          <a:p>
+            <a:pPr lvl="1" eaLnBrk="0" fontAlgn="base" hangingPunct="0">
+              <a:lnSpc>
+                <a:spcPct val="150000"/>
+              </a:lnSpc>
+              <a:spcBef>
+                <a:spcPct val="0"/>
+              </a:spcBef>
+              <a:spcAft>
+                <a:spcPct val="0"/>
+              </a:spcAft>
+              <a:tabLst>
+                <a:tab pos="803275" algn="l"/>
+              </a:tabLst>
+            </a:pPr>
+            <a:r>
+              <a:rPr kumimoji="0" lang="en-US" altLang="en-US" b="0" i="0" u="none" strike="noStrike" cap="none" normalizeH="0" baseline="0" dirty="0">
+                <a:ln>
+                  <a:noFill/>
+                </a:ln>
+                <a:solidFill>
+                  <a:schemeClr val="accent6">
+                    <a:lumMod val="50000"/>
+                  </a:schemeClr>
+                </a:solidFill>
+                <a:effectLst/>
+                <a:sym typeface="Wingdings" panose="05000000000000000000" pitchFamily="2" charset="2"/>
+              </a:rPr>
+              <a:t> we don’t display on browser screen. --&gt;</a:t>
+            </a:r>
+            <a:endParaRPr kumimoji="0" lang="en-US" altLang="en-US" b="0" i="0" u="none" strike="noStrike" cap="none" normalizeH="0" baseline="0" dirty="0">
+              <a:ln>
+                <a:noFill/>
+              </a:ln>
+              <a:solidFill>
+                <a:schemeClr val="accent6">
+                  <a:lumMod val="50000"/>
+                </a:schemeClr>
+              </a:solidFill>
+              <a:effectLst/>
+            </a:endParaRPr>
+          </a:p>
+        </p:txBody>
+      </p:sp>
+    </p:spTree>
+    <p:extLst>
+      <p:ext uri="{BB962C8B-B14F-4D97-AF65-F5344CB8AC3E}">
+        <p14:creationId xmlns:p14="http://schemas.microsoft.com/office/powerpoint/2010/main" val="305805095"/>
+      </p:ext>
+    </p:extLst>
+  </p:cSld>
+  <p:clrMapOvr>
+    <a:masterClrMapping/>
+  </p:clrMapOvr>
+  <mc:AlternateContent xmlns:mc="http://schemas.openxmlformats.org/markup-compatibility/2006" xmlns:p14="http://schemas.microsoft.com/office/powerpoint/2010/main">
+    <mc:Choice Requires="p14">
+      <p:transition spd="slow" p14:dur="2000" advTm="47"/>
+    </mc:Choice>
+    <mc:Fallback xmlns="">
+      <p:transition spd="slow" advTm="47"/>
+    </mc:Fallback>
+  </mc:AlternateContent>
+  <p:timing>
+    <p:tnLst>
+      <p:par>
+        <p:cTn id="1" dur="indefinite" restart="never" nodeType="tmRoot">
+          <p:childTnLst>
+            <p:seq concurrent="1" nextAc="seek">
+              <p:cTn id="2" dur="indefinite" nodeType="mainSeq">
+                <p:childTnLst>
+                  <p:par>
+                    <p:cTn id="3" fill="hold">
+                      <p:stCondLst>
+                        <p:cond delay="indefinite"/>
+                      </p:stCondLst>
+                      <p:childTnLst>
+                        <p:par>
+                          <p:cTn id="4" fill="hold">
+                            <p:stCondLst>
+                              <p:cond delay="0"/>
+                            </p:stCondLst>
+                            <p:childTnLst>
                               <p:par>
-                                <p:cTn id="9" presetID="42" presetClass="entr" presetSubtype="0" fill="hold" grpId="0" nodeType="withEffect">
+                                <p:cTn id="5" presetID="2" presetClass="entr" presetSubtype="4" fill="hold" nodeType="clickEffect">
                                   <p:stCondLst>
                                     <p:cond delay="0"/>
                                   </p:stCondLst>
                                   <p:childTnLst>
                                     <p:set>
                                       <p:cBhvr>
-                                        <p:cTn id="10" dur="1" fill="hold">
+                                        <p:cTn id="6" dur="1" fill="hold">
                                           <p:stCondLst>
                                             <p:cond delay="0"/>
                                           </p:stCondLst>
                                         </p:cTn>
                                         <p:tgtEl>
-                                          <p:spTgt spid="9"/>
+                                          <p:spTgt spid="3">
+                                            <p:txEl>
+                                              <p:pRg st="0" end="0"/>
+                                            </p:txEl>
+                                          </p:spTgt>
                                         </p:tgtEl>
                                         <p:attrNameLst>
                                           <p:attrName>style.visibility</p:attrName>
@@ -13112,19 +16592,15 @@
                                         <p:strVal val="visible"/>
                                       </p:to>
                                     </p:set>
-                                    <p:animEffect transition="in" filter="fade">
-                                      <p:cBhvr>
-                                        <p:cTn id="11" dur="1000"/>
-                                        <p:tgtEl>
-                                          <p:spTgt spid="9"/>
-                                        </p:tgtEl>
-                                      </p:cBhvr>
-                                    </p:animEffect>
                                     <p:anim calcmode="lin" valueType="num">
-                                      <p:cBhvr>
-                                        <p:cTn id="12" dur="1000" fill="hold"/>
-                                        <p:tgtEl>
-                                          <p:spTgt spid="9"/>
+                                      <p:cBhvr additive="base">
+                                        <p:cTn id="7" dur="500" fill="hold"/>
+                                        <p:tgtEl>
+                                          <p:spTgt spid="3">
+                                            <p:txEl>
+                                              <p:pRg st="0" end="0"/>
+                                            </p:txEl>
+                                          </p:spTgt>
                                         </p:tgtEl>
                                         <p:attrNameLst>
                                           <p:attrName>ppt_x</p:attrName>
@@ -13144,10 +16620,14 @@
                                       </p:tavLst>
                                     </p:anim>
                                     <p:anim calcmode="lin" valueType="num">
-                                      <p:cBhvr>
-                                        <p:cTn id="13" dur="1000" fill="hold"/>
-                                        <p:tgtEl>
-                                          <p:spTgt spid="9"/>
+                                      <p:cBhvr additive="base">
+                                        <p:cTn id="8" dur="500" fill="hold"/>
+                                        <p:tgtEl>
+                                          <p:spTgt spid="3">
+                                            <p:txEl>
+                                              <p:pRg st="0" end="0"/>
+                                            </p:txEl>
+                                          </p:spTgt>
                                         </p:tgtEl>
                                         <p:attrNameLst>
                                           <p:attrName>ppt_y</p:attrName>
@@ -13156,7 +16636,1439 @@
                                       <p:tavLst>
                                         <p:tav tm="0">
                                           <p:val>
-                                            <p:strVal val="#ppt_y+.1"/>
+                                            <p:strVal val="1+#ppt_h/2"/>
+                                          </p:val>
+                                        </p:tav>
+                                        <p:tav tm="100000">
+                                          <p:val>
+                                            <p:strVal val="#ppt_y"/>
+                                          </p:val>
+                                        </p:tav>
+                                      </p:tavLst>
+                                    </p:anim>
+                                  </p:childTnLst>
+                                </p:cTn>
+                              </p:par>
+                            </p:childTnLst>
+                          </p:cTn>
+                        </p:par>
+                      </p:childTnLst>
+                    </p:cTn>
+                  </p:par>
+                  <p:par>
+                    <p:cTn id="9" fill="hold">
+                      <p:stCondLst>
+                        <p:cond delay="indefinite"/>
+                      </p:stCondLst>
+                      <p:childTnLst>
+                        <p:par>
+                          <p:cTn id="10" fill="hold">
+                            <p:stCondLst>
+                              <p:cond delay="0"/>
+                            </p:stCondLst>
+                            <p:childTnLst>
+                              <p:par>
+                                <p:cTn id="11" presetID="2" presetClass="entr" presetSubtype="4" fill="hold" nodeType="clickEffect">
+                                  <p:stCondLst>
+                                    <p:cond delay="0"/>
+                                  </p:stCondLst>
+                                  <p:childTnLst>
+                                    <p:set>
+                                      <p:cBhvr>
+                                        <p:cTn id="12" dur="1" fill="hold">
+                                          <p:stCondLst>
+                                            <p:cond delay="0"/>
+                                          </p:stCondLst>
+                                        </p:cTn>
+                                        <p:tgtEl>
+                                          <p:spTgt spid="4">
+                                            <p:txEl>
+                                              <p:pRg st="0" end="0"/>
+                                            </p:txEl>
+                                          </p:spTgt>
+                                        </p:tgtEl>
+                                        <p:attrNameLst>
+                                          <p:attrName>style.visibility</p:attrName>
+                                        </p:attrNameLst>
+                                      </p:cBhvr>
+                                      <p:to>
+                                        <p:strVal val="visible"/>
+                                      </p:to>
+                                    </p:set>
+                                    <p:anim calcmode="lin" valueType="num">
+                                      <p:cBhvr additive="base">
+                                        <p:cTn id="13" dur="500" fill="hold"/>
+                                        <p:tgtEl>
+                                          <p:spTgt spid="4">
+                                            <p:txEl>
+                                              <p:pRg st="0" end="0"/>
+                                            </p:txEl>
+                                          </p:spTgt>
+                                        </p:tgtEl>
+                                        <p:attrNameLst>
+                                          <p:attrName>ppt_x</p:attrName>
+                                        </p:attrNameLst>
+                                      </p:cBhvr>
+                                      <p:tavLst>
+                                        <p:tav tm="0">
+                                          <p:val>
+                                            <p:strVal val="#ppt_x"/>
+                                          </p:val>
+                                        </p:tav>
+                                        <p:tav tm="100000">
+                                          <p:val>
+                                            <p:strVal val="#ppt_x"/>
+                                          </p:val>
+                                        </p:tav>
+                                      </p:tavLst>
+                                    </p:anim>
+                                    <p:anim calcmode="lin" valueType="num">
+                                      <p:cBhvr additive="base">
+                                        <p:cTn id="14" dur="500" fill="hold"/>
+                                        <p:tgtEl>
+                                          <p:spTgt spid="4">
+                                            <p:txEl>
+                                              <p:pRg st="0" end="0"/>
+                                            </p:txEl>
+                                          </p:spTgt>
+                                        </p:tgtEl>
+                                        <p:attrNameLst>
+                                          <p:attrName>ppt_y</p:attrName>
+                                        </p:attrNameLst>
+                                      </p:cBhvr>
+                                      <p:tavLst>
+                                        <p:tav tm="0">
+                                          <p:val>
+                                            <p:strVal val="1+#ppt_h/2"/>
+                                          </p:val>
+                                        </p:tav>
+                                        <p:tav tm="100000">
+                                          <p:val>
+                                            <p:strVal val="#ppt_y"/>
+                                          </p:val>
+                                        </p:tav>
+                                      </p:tavLst>
+                                    </p:anim>
+                                  </p:childTnLst>
+                                </p:cTn>
+                              </p:par>
+                            </p:childTnLst>
+                          </p:cTn>
+                        </p:par>
+                      </p:childTnLst>
+                    </p:cTn>
+                  </p:par>
+                  <p:par>
+                    <p:cTn id="15" fill="hold">
+                      <p:stCondLst>
+                        <p:cond delay="indefinite"/>
+                      </p:stCondLst>
+                      <p:childTnLst>
+                        <p:par>
+                          <p:cTn id="16" fill="hold">
+                            <p:stCondLst>
+                              <p:cond delay="0"/>
+                            </p:stCondLst>
+                            <p:childTnLst>
+                              <p:par>
+                                <p:cTn id="17" presetID="2" presetClass="entr" presetSubtype="4" fill="hold" nodeType="clickEffect">
+                                  <p:stCondLst>
+                                    <p:cond delay="0"/>
+                                  </p:stCondLst>
+                                  <p:childTnLst>
+                                    <p:set>
+                                      <p:cBhvr>
+                                        <p:cTn id="18" dur="1" fill="hold">
+                                          <p:stCondLst>
+                                            <p:cond delay="0"/>
+                                          </p:stCondLst>
+                                        </p:cTn>
+                                        <p:tgtEl>
+                                          <p:spTgt spid="4">
+                                            <p:txEl>
+                                              <p:pRg st="1" end="1"/>
+                                            </p:txEl>
+                                          </p:spTgt>
+                                        </p:tgtEl>
+                                        <p:attrNameLst>
+                                          <p:attrName>style.visibility</p:attrName>
+                                        </p:attrNameLst>
+                                      </p:cBhvr>
+                                      <p:to>
+                                        <p:strVal val="visible"/>
+                                      </p:to>
+                                    </p:set>
+                                    <p:anim calcmode="lin" valueType="num">
+                                      <p:cBhvr additive="base">
+                                        <p:cTn id="19" dur="500" fill="hold"/>
+                                        <p:tgtEl>
+                                          <p:spTgt spid="4">
+                                            <p:txEl>
+                                              <p:pRg st="1" end="1"/>
+                                            </p:txEl>
+                                          </p:spTgt>
+                                        </p:tgtEl>
+                                        <p:attrNameLst>
+                                          <p:attrName>ppt_x</p:attrName>
+                                        </p:attrNameLst>
+                                      </p:cBhvr>
+                                      <p:tavLst>
+                                        <p:tav tm="0">
+                                          <p:val>
+                                            <p:strVal val="#ppt_x"/>
+                                          </p:val>
+                                        </p:tav>
+                                        <p:tav tm="100000">
+                                          <p:val>
+                                            <p:strVal val="#ppt_x"/>
+                                          </p:val>
+                                        </p:tav>
+                                      </p:tavLst>
+                                    </p:anim>
+                                    <p:anim calcmode="lin" valueType="num">
+                                      <p:cBhvr additive="base">
+                                        <p:cTn id="20" dur="500" fill="hold"/>
+                                        <p:tgtEl>
+                                          <p:spTgt spid="4">
+                                            <p:txEl>
+                                              <p:pRg st="1" end="1"/>
+                                            </p:txEl>
+                                          </p:spTgt>
+                                        </p:tgtEl>
+                                        <p:attrNameLst>
+                                          <p:attrName>ppt_y</p:attrName>
+                                        </p:attrNameLst>
+                                      </p:cBhvr>
+                                      <p:tavLst>
+                                        <p:tav tm="0">
+                                          <p:val>
+                                            <p:strVal val="1+#ppt_h/2"/>
+                                          </p:val>
+                                        </p:tav>
+                                        <p:tav tm="100000">
+                                          <p:val>
+                                            <p:strVal val="#ppt_y"/>
+                                          </p:val>
+                                        </p:tav>
+                                      </p:tavLst>
+                                    </p:anim>
+                                  </p:childTnLst>
+                                </p:cTn>
+                              </p:par>
+                            </p:childTnLst>
+                          </p:cTn>
+                        </p:par>
+                      </p:childTnLst>
+                    </p:cTn>
+                  </p:par>
+                  <p:par>
+                    <p:cTn id="21" fill="hold">
+                      <p:stCondLst>
+                        <p:cond delay="indefinite"/>
+                      </p:stCondLst>
+                      <p:childTnLst>
+                        <p:par>
+                          <p:cTn id="22" fill="hold">
+                            <p:stCondLst>
+                              <p:cond delay="0"/>
+                            </p:stCondLst>
+                            <p:childTnLst>
+                              <p:par>
+                                <p:cTn id="23" presetID="2" presetClass="entr" presetSubtype="4" fill="hold" nodeType="clickEffect">
+                                  <p:stCondLst>
+                                    <p:cond delay="0"/>
+                                  </p:stCondLst>
+                                  <p:childTnLst>
+                                    <p:set>
+                                      <p:cBhvr>
+                                        <p:cTn id="24" dur="1" fill="hold">
+                                          <p:stCondLst>
+                                            <p:cond delay="0"/>
+                                          </p:stCondLst>
+                                        </p:cTn>
+                                        <p:tgtEl>
+                                          <p:spTgt spid="4">
+                                            <p:txEl>
+                                              <p:pRg st="2" end="2"/>
+                                            </p:txEl>
+                                          </p:spTgt>
+                                        </p:tgtEl>
+                                        <p:attrNameLst>
+                                          <p:attrName>style.visibility</p:attrName>
+                                        </p:attrNameLst>
+                                      </p:cBhvr>
+                                      <p:to>
+                                        <p:strVal val="visible"/>
+                                      </p:to>
+                                    </p:set>
+                                    <p:anim calcmode="lin" valueType="num">
+                                      <p:cBhvr additive="base">
+                                        <p:cTn id="25" dur="500" fill="hold"/>
+                                        <p:tgtEl>
+                                          <p:spTgt spid="4">
+                                            <p:txEl>
+                                              <p:pRg st="2" end="2"/>
+                                            </p:txEl>
+                                          </p:spTgt>
+                                        </p:tgtEl>
+                                        <p:attrNameLst>
+                                          <p:attrName>ppt_x</p:attrName>
+                                        </p:attrNameLst>
+                                      </p:cBhvr>
+                                      <p:tavLst>
+                                        <p:tav tm="0">
+                                          <p:val>
+                                            <p:strVal val="#ppt_x"/>
+                                          </p:val>
+                                        </p:tav>
+                                        <p:tav tm="100000">
+                                          <p:val>
+                                            <p:strVal val="#ppt_x"/>
+                                          </p:val>
+                                        </p:tav>
+                                      </p:tavLst>
+                                    </p:anim>
+                                    <p:anim calcmode="lin" valueType="num">
+                                      <p:cBhvr additive="base">
+                                        <p:cTn id="26" dur="500" fill="hold"/>
+                                        <p:tgtEl>
+                                          <p:spTgt spid="4">
+                                            <p:txEl>
+                                              <p:pRg st="2" end="2"/>
+                                            </p:txEl>
+                                          </p:spTgt>
+                                        </p:tgtEl>
+                                        <p:attrNameLst>
+                                          <p:attrName>ppt_y</p:attrName>
+                                        </p:attrNameLst>
+                                      </p:cBhvr>
+                                      <p:tavLst>
+                                        <p:tav tm="0">
+                                          <p:val>
+                                            <p:strVal val="1+#ppt_h/2"/>
+                                          </p:val>
+                                        </p:tav>
+                                        <p:tav tm="100000">
+                                          <p:val>
+                                            <p:strVal val="#ppt_y"/>
+                                          </p:val>
+                                        </p:tav>
+                                      </p:tavLst>
+                                    </p:anim>
+                                  </p:childTnLst>
+                                </p:cTn>
+                              </p:par>
+                              <p:par>
+                                <p:cTn id="27" presetID="2" presetClass="entr" presetSubtype="4" fill="hold" nodeType="withEffect">
+                                  <p:stCondLst>
+                                    <p:cond delay="0"/>
+                                  </p:stCondLst>
+                                  <p:childTnLst>
+                                    <p:set>
+                                      <p:cBhvr>
+                                        <p:cTn id="28" dur="1" fill="hold">
+                                          <p:stCondLst>
+                                            <p:cond delay="0"/>
+                                          </p:stCondLst>
+                                        </p:cTn>
+                                        <p:tgtEl>
+                                          <p:spTgt spid="4">
+                                            <p:txEl>
+                                              <p:pRg st="3" end="3"/>
+                                            </p:txEl>
+                                          </p:spTgt>
+                                        </p:tgtEl>
+                                        <p:attrNameLst>
+                                          <p:attrName>style.visibility</p:attrName>
+                                        </p:attrNameLst>
+                                      </p:cBhvr>
+                                      <p:to>
+                                        <p:strVal val="visible"/>
+                                      </p:to>
+                                    </p:set>
+                                    <p:anim calcmode="lin" valueType="num">
+                                      <p:cBhvr additive="base">
+                                        <p:cTn id="29" dur="500" fill="hold"/>
+                                        <p:tgtEl>
+                                          <p:spTgt spid="4">
+                                            <p:txEl>
+                                              <p:pRg st="3" end="3"/>
+                                            </p:txEl>
+                                          </p:spTgt>
+                                        </p:tgtEl>
+                                        <p:attrNameLst>
+                                          <p:attrName>ppt_x</p:attrName>
+                                        </p:attrNameLst>
+                                      </p:cBhvr>
+                                      <p:tavLst>
+                                        <p:tav tm="0">
+                                          <p:val>
+                                            <p:strVal val="#ppt_x"/>
+                                          </p:val>
+                                        </p:tav>
+                                        <p:tav tm="100000">
+                                          <p:val>
+                                            <p:strVal val="#ppt_x"/>
+                                          </p:val>
+                                        </p:tav>
+                                      </p:tavLst>
+                                    </p:anim>
+                                    <p:anim calcmode="lin" valueType="num">
+                                      <p:cBhvr additive="base">
+                                        <p:cTn id="30" dur="500" fill="hold"/>
+                                        <p:tgtEl>
+                                          <p:spTgt spid="4">
+                                            <p:txEl>
+                                              <p:pRg st="3" end="3"/>
+                                            </p:txEl>
+                                          </p:spTgt>
+                                        </p:tgtEl>
+                                        <p:attrNameLst>
+                                          <p:attrName>ppt_y</p:attrName>
+                                        </p:attrNameLst>
+                                      </p:cBhvr>
+                                      <p:tavLst>
+                                        <p:tav tm="0">
+                                          <p:val>
+                                            <p:strVal val="1+#ppt_h/2"/>
+                                          </p:val>
+                                        </p:tav>
+                                        <p:tav tm="100000">
+                                          <p:val>
+                                            <p:strVal val="#ppt_y"/>
+                                          </p:val>
+                                        </p:tav>
+                                      </p:tavLst>
+                                    </p:anim>
+                                  </p:childTnLst>
+                                </p:cTn>
+                              </p:par>
+                            </p:childTnLst>
+                          </p:cTn>
+                        </p:par>
+                      </p:childTnLst>
+                    </p:cTn>
+                  </p:par>
+                  <p:par>
+                    <p:cTn id="31" fill="hold">
+                      <p:stCondLst>
+                        <p:cond delay="indefinite"/>
+                      </p:stCondLst>
+                      <p:childTnLst>
+                        <p:par>
+                          <p:cTn id="32" fill="hold">
+                            <p:stCondLst>
+                              <p:cond delay="0"/>
+                            </p:stCondLst>
+                            <p:childTnLst>
+                              <p:par>
+                                <p:cTn id="33" presetID="2" presetClass="entr" presetSubtype="4" fill="hold" nodeType="clickEffect">
+                                  <p:stCondLst>
+                                    <p:cond delay="0"/>
+                                  </p:stCondLst>
+                                  <p:childTnLst>
+                                    <p:set>
+                                      <p:cBhvr>
+                                        <p:cTn id="34" dur="1" fill="hold">
+                                          <p:stCondLst>
+                                            <p:cond delay="0"/>
+                                          </p:stCondLst>
+                                        </p:cTn>
+                                        <p:tgtEl>
+                                          <p:spTgt spid="2">
+                                            <p:txEl>
+                                              <p:pRg st="0" end="0"/>
+                                            </p:txEl>
+                                          </p:spTgt>
+                                        </p:tgtEl>
+                                        <p:attrNameLst>
+                                          <p:attrName>style.visibility</p:attrName>
+                                        </p:attrNameLst>
+                                      </p:cBhvr>
+                                      <p:to>
+                                        <p:strVal val="visible"/>
+                                      </p:to>
+                                    </p:set>
+                                    <p:anim calcmode="lin" valueType="num">
+                                      <p:cBhvr additive="base">
+                                        <p:cTn id="35" dur="500" fill="hold"/>
+                                        <p:tgtEl>
+                                          <p:spTgt spid="2">
+                                            <p:txEl>
+                                              <p:pRg st="0" end="0"/>
+                                            </p:txEl>
+                                          </p:spTgt>
+                                        </p:tgtEl>
+                                        <p:attrNameLst>
+                                          <p:attrName>ppt_x</p:attrName>
+                                        </p:attrNameLst>
+                                      </p:cBhvr>
+                                      <p:tavLst>
+                                        <p:tav tm="0">
+                                          <p:val>
+                                            <p:strVal val="#ppt_x"/>
+                                          </p:val>
+                                        </p:tav>
+                                        <p:tav tm="100000">
+                                          <p:val>
+                                            <p:strVal val="#ppt_x"/>
+                                          </p:val>
+                                        </p:tav>
+                                      </p:tavLst>
+                                    </p:anim>
+                                    <p:anim calcmode="lin" valueType="num">
+                                      <p:cBhvr additive="base">
+                                        <p:cTn id="36" dur="500" fill="hold"/>
+                                        <p:tgtEl>
+                                          <p:spTgt spid="2">
+                                            <p:txEl>
+                                              <p:pRg st="0" end="0"/>
+                                            </p:txEl>
+                                          </p:spTgt>
+                                        </p:tgtEl>
+                                        <p:attrNameLst>
+                                          <p:attrName>ppt_y</p:attrName>
+                                        </p:attrNameLst>
+                                      </p:cBhvr>
+                                      <p:tavLst>
+                                        <p:tav tm="0">
+                                          <p:val>
+                                            <p:strVal val="1+#ppt_h/2"/>
+                                          </p:val>
+                                        </p:tav>
+                                        <p:tav tm="100000">
+                                          <p:val>
+                                            <p:strVal val="#ppt_y"/>
+                                          </p:val>
+                                        </p:tav>
+                                      </p:tavLst>
+                                    </p:anim>
+                                  </p:childTnLst>
+                                </p:cTn>
+                              </p:par>
+                              <p:par>
+                                <p:cTn id="37" presetID="2" presetClass="entr" presetSubtype="4" fill="hold" nodeType="withEffect">
+                                  <p:stCondLst>
+                                    <p:cond delay="0"/>
+                                  </p:stCondLst>
+                                  <p:childTnLst>
+                                    <p:set>
+                                      <p:cBhvr>
+                                        <p:cTn id="38" dur="1" fill="hold">
+                                          <p:stCondLst>
+                                            <p:cond delay="0"/>
+                                          </p:stCondLst>
+                                        </p:cTn>
+                                        <p:tgtEl>
+                                          <p:spTgt spid="2">
+                                            <p:txEl>
+                                              <p:pRg st="1" end="1"/>
+                                            </p:txEl>
+                                          </p:spTgt>
+                                        </p:tgtEl>
+                                        <p:attrNameLst>
+                                          <p:attrName>style.visibility</p:attrName>
+                                        </p:attrNameLst>
+                                      </p:cBhvr>
+                                      <p:to>
+                                        <p:strVal val="visible"/>
+                                      </p:to>
+                                    </p:set>
+                                    <p:anim calcmode="lin" valueType="num">
+                                      <p:cBhvr additive="base">
+                                        <p:cTn id="39" dur="500" fill="hold"/>
+                                        <p:tgtEl>
+                                          <p:spTgt spid="2">
+                                            <p:txEl>
+                                              <p:pRg st="1" end="1"/>
+                                            </p:txEl>
+                                          </p:spTgt>
+                                        </p:tgtEl>
+                                        <p:attrNameLst>
+                                          <p:attrName>ppt_x</p:attrName>
+                                        </p:attrNameLst>
+                                      </p:cBhvr>
+                                      <p:tavLst>
+                                        <p:tav tm="0">
+                                          <p:val>
+                                            <p:strVal val="#ppt_x"/>
+                                          </p:val>
+                                        </p:tav>
+                                        <p:tav tm="100000">
+                                          <p:val>
+                                            <p:strVal val="#ppt_x"/>
+                                          </p:val>
+                                        </p:tav>
+                                      </p:tavLst>
+                                    </p:anim>
+                                    <p:anim calcmode="lin" valueType="num">
+                                      <p:cBhvr additive="base">
+                                        <p:cTn id="40" dur="500" fill="hold"/>
+                                        <p:tgtEl>
+                                          <p:spTgt spid="2">
+                                            <p:txEl>
+                                              <p:pRg st="1" end="1"/>
+                                            </p:txEl>
+                                          </p:spTgt>
+                                        </p:tgtEl>
+                                        <p:attrNameLst>
+                                          <p:attrName>ppt_y</p:attrName>
+                                        </p:attrNameLst>
+                                      </p:cBhvr>
+                                      <p:tavLst>
+                                        <p:tav tm="0">
+                                          <p:val>
+                                            <p:strVal val="1+#ppt_h/2"/>
+                                          </p:val>
+                                        </p:tav>
+                                        <p:tav tm="100000">
+                                          <p:val>
+                                            <p:strVal val="#ppt_y"/>
+                                          </p:val>
+                                        </p:tav>
+                                      </p:tavLst>
+                                    </p:anim>
+                                  </p:childTnLst>
+                                </p:cTn>
+                              </p:par>
+                              <p:par>
+                                <p:cTn id="41" presetID="2" presetClass="entr" presetSubtype="4" fill="hold" nodeType="withEffect">
+                                  <p:stCondLst>
+                                    <p:cond delay="0"/>
+                                  </p:stCondLst>
+                                  <p:childTnLst>
+                                    <p:set>
+                                      <p:cBhvr>
+                                        <p:cTn id="42" dur="1" fill="hold">
+                                          <p:stCondLst>
+                                            <p:cond delay="0"/>
+                                          </p:stCondLst>
+                                        </p:cTn>
+                                        <p:tgtEl>
+                                          <p:spTgt spid="2">
+                                            <p:txEl>
+                                              <p:pRg st="2" end="2"/>
+                                            </p:txEl>
+                                          </p:spTgt>
+                                        </p:tgtEl>
+                                        <p:attrNameLst>
+                                          <p:attrName>style.visibility</p:attrName>
+                                        </p:attrNameLst>
+                                      </p:cBhvr>
+                                      <p:to>
+                                        <p:strVal val="visible"/>
+                                      </p:to>
+                                    </p:set>
+                                    <p:anim calcmode="lin" valueType="num">
+                                      <p:cBhvr additive="base">
+                                        <p:cTn id="43" dur="500" fill="hold"/>
+                                        <p:tgtEl>
+                                          <p:spTgt spid="2">
+                                            <p:txEl>
+                                              <p:pRg st="2" end="2"/>
+                                            </p:txEl>
+                                          </p:spTgt>
+                                        </p:tgtEl>
+                                        <p:attrNameLst>
+                                          <p:attrName>ppt_x</p:attrName>
+                                        </p:attrNameLst>
+                                      </p:cBhvr>
+                                      <p:tavLst>
+                                        <p:tav tm="0">
+                                          <p:val>
+                                            <p:strVal val="#ppt_x"/>
+                                          </p:val>
+                                        </p:tav>
+                                        <p:tav tm="100000">
+                                          <p:val>
+                                            <p:strVal val="#ppt_x"/>
+                                          </p:val>
+                                        </p:tav>
+                                      </p:tavLst>
+                                    </p:anim>
+                                    <p:anim calcmode="lin" valueType="num">
+                                      <p:cBhvr additive="base">
+                                        <p:cTn id="44" dur="500" fill="hold"/>
+                                        <p:tgtEl>
+                                          <p:spTgt spid="2">
+                                            <p:txEl>
+                                              <p:pRg st="2" end="2"/>
+                                            </p:txEl>
+                                          </p:spTgt>
+                                        </p:tgtEl>
+                                        <p:attrNameLst>
+                                          <p:attrName>ppt_y</p:attrName>
+                                        </p:attrNameLst>
+                                      </p:cBhvr>
+                                      <p:tavLst>
+                                        <p:tav tm="0">
+                                          <p:val>
+                                            <p:strVal val="1+#ppt_h/2"/>
+                                          </p:val>
+                                        </p:tav>
+                                        <p:tav tm="100000">
+                                          <p:val>
+                                            <p:strVal val="#ppt_y"/>
+                                          </p:val>
+                                        </p:tav>
+                                      </p:tavLst>
+                                    </p:anim>
+                                  </p:childTnLst>
+                                </p:cTn>
+                              </p:par>
+                              <p:par>
+                                <p:cTn id="45" presetID="2" presetClass="entr" presetSubtype="4" fill="hold" nodeType="withEffect">
+                                  <p:stCondLst>
+                                    <p:cond delay="0"/>
+                                  </p:stCondLst>
+                                  <p:childTnLst>
+                                    <p:set>
+                                      <p:cBhvr>
+                                        <p:cTn id="46" dur="1" fill="hold">
+                                          <p:stCondLst>
+                                            <p:cond delay="0"/>
+                                          </p:stCondLst>
+                                        </p:cTn>
+                                        <p:tgtEl>
+                                          <p:spTgt spid="2">
+                                            <p:txEl>
+                                              <p:pRg st="3" end="3"/>
+                                            </p:txEl>
+                                          </p:spTgt>
+                                        </p:tgtEl>
+                                        <p:attrNameLst>
+                                          <p:attrName>style.visibility</p:attrName>
+                                        </p:attrNameLst>
+                                      </p:cBhvr>
+                                      <p:to>
+                                        <p:strVal val="visible"/>
+                                      </p:to>
+                                    </p:set>
+                                    <p:anim calcmode="lin" valueType="num">
+                                      <p:cBhvr additive="base">
+                                        <p:cTn id="47" dur="500" fill="hold"/>
+                                        <p:tgtEl>
+                                          <p:spTgt spid="2">
+                                            <p:txEl>
+                                              <p:pRg st="3" end="3"/>
+                                            </p:txEl>
+                                          </p:spTgt>
+                                        </p:tgtEl>
+                                        <p:attrNameLst>
+                                          <p:attrName>ppt_x</p:attrName>
+                                        </p:attrNameLst>
+                                      </p:cBhvr>
+                                      <p:tavLst>
+                                        <p:tav tm="0">
+                                          <p:val>
+                                            <p:strVal val="#ppt_x"/>
+                                          </p:val>
+                                        </p:tav>
+                                        <p:tav tm="100000">
+                                          <p:val>
+                                            <p:strVal val="#ppt_x"/>
+                                          </p:val>
+                                        </p:tav>
+                                      </p:tavLst>
+                                    </p:anim>
+                                    <p:anim calcmode="lin" valueType="num">
+                                      <p:cBhvr additive="base">
+                                        <p:cTn id="48" dur="500" fill="hold"/>
+                                        <p:tgtEl>
+                                          <p:spTgt spid="2">
+                                            <p:txEl>
+                                              <p:pRg st="3" end="3"/>
+                                            </p:txEl>
+                                          </p:spTgt>
+                                        </p:tgtEl>
+                                        <p:attrNameLst>
+                                          <p:attrName>ppt_y</p:attrName>
+                                        </p:attrNameLst>
+                                      </p:cBhvr>
+                                      <p:tavLst>
+                                        <p:tav tm="0">
+                                          <p:val>
+                                            <p:strVal val="1+#ppt_h/2"/>
+                                          </p:val>
+                                        </p:tav>
+                                        <p:tav tm="100000">
+                                          <p:val>
+                                            <p:strVal val="#ppt_y"/>
+                                          </p:val>
+                                        </p:tav>
+                                      </p:tavLst>
+                                    </p:anim>
+                                  </p:childTnLst>
+                                </p:cTn>
+                              </p:par>
+                              <p:par>
+                                <p:cTn id="49" presetID="2" presetClass="entr" presetSubtype="4" fill="hold" nodeType="withEffect">
+                                  <p:stCondLst>
+                                    <p:cond delay="0"/>
+                                  </p:stCondLst>
+                                  <p:childTnLst>
+                                    <p:set>
+                                      <p:cBhvr>
+                                        <p:cTn id="50" dur="1" fill="hold">
+                                          <p:stCondLst>
+                                            <p:cond delay="0"/>
+                                          </p:stCondLst>
+                                        </p:cTn>
+                                        <p:tgtEl>
+                                          <p:spTgt spid="2">
+                                            <p:txEl>
+                                              <p:pRg st="4" end="4"/>
+                                            </p:txEl>
+                                          </p:spTgt>
+                                        </p:tgtEl>
+                                        <p:attrNameLst>
+                                          <p:attrName>style.visibility</p:attrName>
+                                        </p:attrNameLst>
+                                      </p:cBhvr>
+                                      <p:to>
+                                        <p:strVal val="visible"/>
+                                      </p:to>
+                                    </p:set>
+                                    <p:anim calcmode="lin" valueType="num">
+                                      <p:cBhvr additive="base">
+                                        <p:cTn id="51" dur="500" fill="hold"/>
+                                        <p:tgtEl>
+                                          <p:spTgt spid="2">
+                                            <p:txEl>
+                                              <p:pRg st="4" end="4"/>
+                                            </p:txEl>
+                                          </p:spTgt>
+                                        </p:tgtEl>
+                                        <p:attrNameLst>
+                                          <p:attrName>ppt_x</p:attrName>
+                                        </p:attrNameLst>
+                                      </p:cBhvr>
+                                      <p:tavLst>
+                                        <p:tav tm="0">
+                                          <p:val>
+                                            <p:strVal val="#ppt_x"/>
+                                          </p:val>
+                                        </p:tav>
+                                        <p:tav tm="100000">
+                                          <p:val>
+                                            <p:strVal val="#ppt_x"/>
+                                          </p:val>
+                                        </p:tav>
+                                      </p:tavLst>
+                                    </p:anim>
+                                    <p:anim calcmode="lin" valueType="num">
+                                      <p:cBhvr additive="base">
+                                        <p:cTn id="52" dur="500" fill="hold"/>
+                                        <p:tgtEl>
+                                          <p:spTgt spid="2">
+                                            <p:txEl>
+                                              <p:pRg st="4" end="4"/>
+                                            </p:txEl>
+                                          </p:spTgt>
+                                        </p:tgtEl>
+                                        <p:attrNameLst>
+                                          <p:attrName>ppt_y</p:attrName>
+                                        </p:attrNameLst>
+                                      </p:cBhvr>
+                                      <p:tavLst>
+                                        <p:tav tm="0">
+                                          <p:val>
+                                            <p:strVal val="1+#ppt_h/2"/>
+                                          </p:val>
+                                        </p:tav>
+                                        <p:tav tm="100000">
+                                          <p:val>
+                                            <p:strVal val="#ppt_y"/>
+                                          </p:val>
+                                        </p:tav>
+                                      </p:tavLst>
+                                    </p:anim>
+                                  </p:childTnLst>
+                                </p:cTn>
+                              </p:par>
+                              <p:par>
+                                <p:cTn id="53" presetID="2" presetClass="entr" presetSubtype="4" fill="hold" nodeType="withEffect">
+                                  <p:stCondLst>
+                                    <p:cond delay="0"/>
+                                  </p:stCondLst>
+                                  <p:childTnLst>
+                                    <p:set>
+                                      <p:cBhvr>
+                                        <p:cTn id="54" dur="1" fill="hold">
+                                          <p:stCondLst>
+                                            <p:cond delay="0"/>
+                                          </p:stCondLst>
+                                        </p:cTn>
+                                        <p:tgtEl>
+                                          <p:spTgt spid="2">
+                                            <p:txEl>
+                                              <p:pRg st="5" end="5"/>
+                                            </p:txEl>
+                                          </p:spTgt>
+                                        </p:tgtEl>
+                                        <p:attrNameLst>
+                                          <p:attrName>style.visibility</p:attrName>
+                                        </p:attrNameLst>
+                                      </p:cBhvr>
+                                      <p:to>
+                                        <p:strVal val="visible"/>
+                                      </p:to>
+                                    </p:set>
+                                    <p:anim calcmode="lin" valueType="num">
+                                      <p:cBhvr additive="base">
+                                        <p:cTn id="55" dur="500" fill="hold"/>
+                                        <p:tgtEl>
+                                          <p:spTgt spid="2">
+                                            <p:txEl>
+                                              <p:pRg st="5" end="5"/>
+                                            </p:txEl>
+                                          </p:spTgt>
+                                        </p:tgtEl>
+                                        <p:attrNameLst>
+                                          <p:attrName>ppt_x</p:attrName>
+                                        </p:attrNameLst>
+                                      </p:cBhvr>
+                                      <p:tavLst>
+                                        <p:tav tm="0">
+                                          <p:val>
+                                            <p:strVal val="#ppt_x"/>
+                                          </p:val>
+                                        </p:tav>
+                                        <p:tav tm="100000">
+                                          <p:val>
+                                            <p:strVal val="#ppt_x"/>
+                                          </p:val>
+                                        </p:tav>
+                                      </p:tavLst>
+                                    </p:anim>
+                                    <p:anim calcmode="lin" valueType="num">
+                                      <p:cBhvr additive="base">
+                                        <p:cTn id="56" dur="500" fill="hold"/>
+                                        <p:tgtEl>
+                                          <p:spTgt spid="2">
+                                            <p:txEl>
+                                              <p:pRg st="5" end="5"/>
+                                            </p:txEl>
+                                          </p:spTgt>
+                                        </p:tgtEl>
+                                        <p:attrNameLst>
+                                          <p:attrName>ppt_y</p:attrName>
+                                        </p:attrNameLst>
+                                      </p:cBhvr>
+                                      <p:tavLst>
+                                        <p:tav tm="0">
+                                          <p:val>
+                                            <p:strVal val="1+#ppt_h/2"/>
+                                          </p:val>
+                                        </p:tav>
+                                        <p:tav tm="100000">
+                                          <p:val>
+                                            <p:strVal val="#ppt_y"/>
+                                          </p:val>
+                                        </p:tav>
+                                      </p:tavLst>
+                                    </p:anim>
+                                  </p:childTnLst>
+                                </p:cTn>
+                              </p:par>
+                              <p:par>
+                                <p:cTn id="57" presetID="2" presetClass="entr" presetSubtype="4" fill="hold" nodeType="withEffect">
+                                  <p:stCondLst>
+                                    <p:cond delay="0"/>
+                                  </p:stCondLst>
+                                  <p:childTnLst>
+                                    <p:set>
+                                      <p:cBhvr>
+                                        <p:cTn id="58" dur="1" fill="hold">
+                                          <p:stCondLst>
+                                            <p:cond delay="0"/>
+                                          </p:stCondLst>
+                                        </p:cTn>
+                                        <p:tgtEl>
+                                          <p:spTgt spid="2">
+                                            <p:txEl>
+                                              <p:pRg st="6" end="6"/>
+                                            </p:txEl>
+                                          </p:spTgt>
+                                        </p:tgtEl>
+                                        <p:attrNameLst>
+                                          <p:attrName>style.visibility</p:attrName>
+                                        </p:attrNameLst>
+                                      </p:cBhvr>
+                                      <p:to>
+                                        <p:strVal val="visible"/>
+                                      </p:to>
+                                    </p:set>
+                                    <p:anim calcmode="lin" valueType="num">
+                                      <p:cBhvr additive="base">
+                                        <p:cTn id="59" dur="500" fill="hold"/>
+                                        <p:tgtEl>
+                                          <p:spTgt spid="2">
+                                            <p:txEl>
+                                              <p:pRg st="6" end="6"/>
+                                            </p:txEl>
+                                          </p:spTgt>
+                                        </p:tgtEl>
+                                        <p:attrNameLst>
+                                          <p:attrName>ppt_x</p:attrName>
+                                        </p:attrNameLst>
+                                      </p:cBhvr>
+                                      <p:tavLst>
+                                        <p:tav tm="0">
+                                          <p:val>
+                                            <p:strVal val="#ppt_x"/>
+                                          </p:val>
+                                        </p:tav>
+                                        <p:tav tm="100000">
+                                          <p:val>
+                                            <p:strVal val="#ppt_x"/>
+                                          </p:val>
+                                        </p:tav>
+                                      </p:tavLst>
+                                    </p:anim>
+                                    <p:anim calcmode="lin" valueType="num">
+                                      <p:cBhvr additive="base">
+                                        <p:cTn id="60" dur="500" fill="hold"/>
+                                        <p:tgtEl>
+                                          <p:spTgt spid="2">
+                                            <p:txEl>
+                                              <p:pRg st="6" end="6"/>
+                                            </p:txEl>
+                                          </p:spTgt>
+                                        </p:tgtEl>
+                                        <p:attrNameLst>
+                                          <p:attrName>ppt_y</p:attrName>
+                                        </p:attrNameLst>
+                                      </p:cBhvr>
+                                      <p:tavLst>
+                                        <p:tav tm="0">
+                                          <p:val>
+                                            <p:strVal val="1+#ppt_h/2"/>
+                                          </p:val>
+                                        </p:tav>
+                                        <p:tav tm="100000">
+                                          <p:val>
+                                            <p:strVal val="#ppt_y"/>
+                                          </p:val>
+                                        </p:tav>
+                                      </p:tavLst>
+                                    </p:anim>
+                                  </p:childTnLst>
+                                </p:cTn>
+                              </p:par>
+                              <p:par>
+                                <p:cTn id="61" presetID="2" presetClass="entr" presetSubtype="4" fill="hold" nodeType="withEffect">
+                                  <p:stCondLst>
+                                    <p:cond delay="0"/>
+                                  </p:stCondLst>
+                                  <p:childTnLst>
+                                    <p:set>
+                                      <p:cBhvr>
+                                        <p:cTn id="62" dur="1" fill="hold">
+                                          <p:stCondLst>
+                                            <p:cond delay="0"/>
+                                          </p:stCondLst>
+                                        </p:cTn>
+                                        <p:tgtEl>
+                                          <p:spTgt spid="2">
+                                            <p:txEl>
+                                              <p:pRg st="7" end="7"/>
+                                            </p:txEl>
+                                          </p:spTgt>
+                                        </p:tgtEl>
+                                        <p:attrNameLst>
+                                          <p:attrName>style.visibility</p:attrName>
+                                        </p:attrNameLst>
+                                      </p:cBhvr>
+                                      <p:to>
+                                        <p:strVal val="visible"/>
+                                      </p:to>
+                                    </p:set>
+                                    <p:anim calcmode="lin" valueType="num">
+                                      <p:cBhvr additive="base">
+                                        <p:cTn id="63" dur="500" fill="hold"/>
+                                        <p:tgtEl>
+                                          <p:spTgt spid="2">
+                                            <p:txEl>
+                                              <p:pRg st="7" end="7"/>
+                                            </p:txEl>
+                                          </p:spTgt>
+                                        </p:tgtEl>
+                                        <p:attrNameLst>
+                                          <p:attrName>ppt_x</p:attrName>
+                                        </p:attrNameLst>
+                                      </p:cBhvr>
+                                      <p:tavLst>
+                                        <p:tav tm="0">
+                                          <p:val>
+                                            <p:strVal val="#ppt_x"/>
+                                          </p:val>
+                                        </p:tav>
+                                        <p:tav tm="100000">
+                                          <p:val>
+                                            <p:strVal val="#ppt_x"/>
+                                          </p:val>
+                                        </p:tav>
+                                      </p:tavLst>
+                                    </p:anim>
+                                    <p:anim calcmode="lin" valueType="num">
+                                      <p:cBhvr additive="base">
+                                        <p:cTn id="64" dur="500" fill="hold"/>
+                                        <p:tgtEl>
+                                          <p:spTgt spid="2">
+                                            <p:txEl>
+                                              <p:pRg st="7" end="7"/>
+                                            </p:txEl>
+                                          </p:spTgt>
+                                        </p:tgtEl>
+                                        <p:attrNameLst>
+                                          <p:attrName>ppt_y</p:attrName>
+                                        </p:attrNameLst>
+                                      </p:cBhvr>
+                                      <p:tavLst>
+                                        <p:tav tm="0">
+                                          <p:val>
+                                            <p:strVal val="1+#ppt_h/2"/>
+                                          </p:val>
+                                        </p:tav>
+                                        <p:tav tm="100000">
+                                          <p:val>
+                                            <p:strVal val="#ppt_y"/>
+                                          </p:val>
+                                        </p:tav>
+                                      </p:tavLst>
+                                    </p:anim>
+                                  </p:childTnLst>
+                                </p:cTn>
+                              </p:par>
+                              <p:par>
+                                <p:cTn id="65" presetID="2" presetClass="entr" presetSubtype="4" fill="hold" nodeType="withEffect">
+                                  <p:stCondLst>
+                                    <p:cond delay="0"/>
+                                  </p:stCondLst>
+                                  <p:childTnLst>
+                                    <p:set>
+                                      <p:cBhvr>
+                                        <p:cTn id="66" dur="1" fill="hold">
+                                          <p:stCondLst>
+                                            <p:cond delay="0"/>
+                                          </p:stCondLst>
+                                        </p:cTn>
+                                        <p:tgtEl>
+                                          <p:spTgt spid="2">
+                                            <p:txEl>
+                                              <p:pRg st="8" end="8"/>
+                                            </p:txEl>
+                                          </p:spTgt>
+                                        </p:tgtEl>
+                                        <p:attrNameLst>
+                                          <p:attrName>style.visibility</p:attrName>
+                                        </p:attrNameLst>
+                                      </p:cBhvr>
+                                      <p:to>
+                                        <p:strVal val="visible"/>
+                                      </p:to>
+                                    </p:set>
+                                    <p:anim calcmode="lin" valueType="num">
+                                      <p:cBhvr additive="base">
+                                        <p:cTn id="67" dur="500" fill="hold"/>
+                                        <p:tgtEl>
+                                          <p:spTgt spid="2">
+                                            <p:txEl>
+                                              <p:pRg st="8" end="8"/>
+                                            </p:txEl>
+                                          </p:spTgt>
+                                        </p:tgtEl>
+                                        <p:attrNameLst>
+                                          <p:attrName>ppt_x</p:attrName>
+                                        </p:attrNameLst>
+                                      </p:cBhvr>
+                                      <p:tavLst>
+                                        <p:tav tm="0">
+                                          <p:val>
+                                            <p:strVal val="#ppt_x"/>
+                                          </p:val>
+                                        </p:tav>
+                                        <p:tav tm="100000">
+                                          <p:val>
+                                            <p:strVal val="#ppt_x"/>
+                                          </p:val>
+                                        </p:tav>
+                                      </p:tavLst>
+                                    </p:anim>
+                                    <p:anim calcmode="lin" valueType="num">
+                                      <p:cBhvr additive="base">
+                                        <p:cTn id="68" dur="500" fill="hold"/>
+                                        <p:tgtEl>
+                                          <p:spTgt spid="2">
+                                            <p:txEl>
+                                              <p:pRg st="8" end="8"/>
+                                            </p:txEl>
+                                          </p:spTgt>
+                                        </p:tgtEl>
+                                        <p:attrNameLst>
+                                          <p:attrName>ppt_y</p:attrName>
+                                        </p:attrNameLst>
+                                      </p:cBhvr>
+                                      <p:tavLst>
+                                        <p:tav tm="0">
+                                          <p:val>
+                                            <p:strVal val="1+#ppt_h/2"/>
+                                          </p:val>
+                                        </p:tav>
+                                        <p:tav tm="100000">
+                                          <p:val>
+                                            <p:strVal val="#ppt_y"/>
+                                          </p:val>
+                                        </p:tav>
+                                      </p:tavLst>
+                                    </p:anim>
+                                  </p:childTnLst>
+                                </p:cTn>
+                              </p:par>
+                              <p:par>
+                                <p:cTn id="69" presetID="2" presetClass="entr" presetSubtype="4" fill="hold" nodeType="withEffect">
+                                  <p:stCondLst>
+                                    <p:cond delay="0"/>
+                                  </p:stCondLst>
+                                  <p:childTnLst>
+                                    <p:set>
+                                      <p:cBhvr>
+                                        <p:cTn id="70" dur="1" fill="hold">
+                                          <p:stCondLst>
+                                            <p:cond delay="0"/>
+                                          </p:stCondLst>
+                                        </p:cTn>
+                                        <p:tgtEl>
+                                          <p:spTgt spid="2">
+                                            <p:txEl>
+                                              <p:pRg st="9" end="9"/>
+                                            </p:txEl>
+                                          </p:spTgt>
+                                        </p:tgtEl>
+                                        <p:attrNameLst>
+                                          <p:attrName>style.visibility</p:attrName>
+                                        </p:attrNameLst>
+                                      </p:cBhvr>
+                                      <p:to>
+                                        <p:strVal val="visible"/>
+                                      </p:to>
+                                    </p:set>
+                                    <p:anim calcmode="lin" valueType="num">
+                                      <p:cBhvr additive="base">
+                                        <p:cTn id="71" dur="500" fill="hold"/>
+                                        <p:tgtEl>
+                                          <p:spTgt spid="2">
+                                            <p:txEl>
+                                              <p:pRg st="9" end="9"/>
+                                            </p:txEl>
+                                          </p:spTgt>
+                                        </p:tgtEl>
+                                        <p:attrNameLst>
+                                          <p:attrName>ppt_x</p:attrName>
+                                        </p:attrNameLst>
+                                      </p:cBhvr>
+                                      <p:tavLst>
+                                        <p:tav tm="0">
+                                          <p:val>
+                                            <p:strVal val="#ppt_x"/>
+                                          </p:val>
+                                        </p:tav>
+                                        <p:tav tm="100000">
+                                          <p:val>
+                                            <p:strVal val="#ppt_x"/>
+                                          </p:val>
+                                        </p:tav>
+                                      </p:tavLst>
+                                    </p:anim>
+                                    <p:anim calcmode="lin" valueType="num">
+                                      <p:cBhvr additive="base">
+                                        <p:cTn id="72" dur="500" fill="hold"/>
+                                        <p:tgtEl>
+                                          <p:spTgt spid="2">
+                                            <p:txEl>
+                                              <p:pRg st="9" end="9"/>
+                                            </p:txEl>
+                                          </p:spTgt>
+                                        </p:tgtEl>
+                                        <p:attrNameLst>
+                                          <p:attrName>ppt_y</p:attrName>
+                                        </p:attrNameLst>
+                                      </p:cBhvr>
+                                      <p:tavLst>
+                                        <p:tav tm="0">
+                                          <p:val>
+                                            <p:strVal val="1+#ppt_h/2"/>
+                                          </p:val>
+                                        </p:tav>
+                                        <p:tav tm="100000">
+                                          <p:val>
+                                            <p:strVal val="#ppt_y"/>
+                                          </p:val>
+                                        </p:tav>
+                                      </p:tavLst>
+                                    </p:anim>
+                                  </p:childTnLst>
+                                </p:cTn>
+                              </p:par>
+                              <p:par>
+                                <p:cTn id="73" presetID="2" presetClass="entr" presetSubtype="4" fill="hold" nodeType="withEffect">
+                                  <p:stCondLst>
+                                    <p:cond delay="0"/>
+                                  </p:stCondLst>
+                                  <p:childTnLst>
+                                    <p:set>
+                                      <p:cBhvr>
+                                        <p:cTn id="74" dur="1" fill="hold">
+                                          <p:stCondLst>
+                                            <p:cond delay="0"/>
+                                          </p:stCondLst>
+                                        </p:cTn>
+                                        <p:tgtEl>
+                                          <p:spTgt spid="2">
+                                            <p:txEl>
+                                              <p:pRg st="10" end="10"/>
+                                            </p:txEl>
+                                          </p:spTgt>
+                                        </p:tgtEl>
+                                        <p:attrNameLst>
+                                          <p:attrName>style.visibility</p:attrName>
+                                        </p:attrNameLst>
+                                      </p:cBhvr>
+                                      <p:to>
+                                        <p:strVal val="visible"/>
+                                      </p:to>
+                                    </p:set>
+                                    <p:anim calcmode="lin" valueType="num">
+                                      <p:cBhvr additive="base">
+                                        <p:cTn id="75" dur="500" fill="hold"/>
+                                        <p:tgtEl>
+                                          <p:spTgt spid="2">
+                                            <p:txEl>
+                                              <p:pRg st="10" end="10"/>
+                                            </p:txEl>
+                                          </p:spTgt>
+                                        </p:tgtEl>
+                                        <p:attrNameLst>
+                                          <p:attrName>ppt_x</p:attrName>
+                                        </p:attrNameLst>
+                                      </p:cBhvr>
+                                      <p:tavLst>
+                                        <p:tav tm="0">
+                                          <p:val>
+                                            <p:strVal val="#ppt_x"/>
+                                          </p:val>
+                                        </p:tav>
+                                        <p:tav tm="100000">
+                                          <p:val>
+                                            <p:strVal val="#ppt_x"/>
+                                          </p:val>
+                                        </p:tav>
+                                      </p:tavLst>
+                                    </p:anim>
+                                    <p:anim calcmode="lin" valueType="num">
+                                      <p:cBhvr additive="base">
+                                        <p:cTn id="76" dur="500" fill="hold"/>
+                                        <p:tgtEl>
+                                          <p:spTgt spid="2">
+                                            <p:txEl>
+                                              <p:pRg st="10" end="10"/>
+                                            </p:txEl>
+                                          </p:spTgt>
+                                        </p:tgtEl>
+                                        <p:attrNameLst>
+                                          <p:attrName>ppt_y</p:attrName>
+                                        </p:attrNameLst>
+                                      </p:cBhvr>
+                                      <p:tavLst>
+                                        <p:tav tm="0">
+                                          <p:val>
+                                            <p:strVal val="1+#ppt_h/2"/>
+                                          </p:val>
+                                        </p:tav>
+                                        <p:tav tm="100000">
+                                          <p:val>
+                                            <p:strVal val="#ppt_y"/>
+                                          </p:val>
+                                        </p:tav>
+                                      </p:tavLst>
+                                    </p:anim>
+                                  </p:childTnLst>
+                                </p:cTn>
+                              </p:par>
+                              <p:par>
+                                <p:cTn id="77" presetID="2" presetClass="entr" presetSubtype="4" fill="hold" nodeType="withEffect">
+                                  <p:stCondLst>
+                                    <p:cond delay="0"/>
+                                  </p:stCondLst>
+                                  <p:childTnLst>
+                                    <p:set>
+                                      <p:cBhvr>
+                                        <p:cTn id="78" dur="1" fill="hold">
+                                          <p:stCondLst>
+                                            <p:cond delay="0"/>
+                                          </p:stCondLst>
+                                        </p:cTn>
+                                        <p:tgtEl>
+                                          <p:spTgt spid="2">
+                                            <p:txEl>
+                                              <p:pRg st="11" end="11"/>
+                                            </p:txEl>
+                                          </p:spTgt>
+                                        </p:tgtEl>
+                                        <p:attrNameLst>
+                                          <p:attrName>style.visibility</p:attrName>
+                                        </p:attrNameLst>
+                                      </p:cBhvr>
+                                      <p:to>
+                                        <p:strVal val="visible"/>
+                                      </p:to>
+                                    </p:set>
+                                    <p:anim calcmode="lin" valueType="num">
+                                      <p:cBhvr additive="base">
+                                        <p:cTn id="79" dur="500" fill="hold"/>
+                                        <p:tgtEl>
+                                          <p:spTgt spid="2">
+                                            <p:txEl>
+                                              <p:pRg st="11" end="11"/>
+                                            </p:txEl>
+                                          </p:spTgt>
+                                        </p:tgtEl>
+                                        <p:attrNameLst>
+                                          <p:attrName>ppt_x</p:attrName>
+                                        </p:attrNameLst>
+                                      </p:cBhvr>
+                                      <p:tavLst>
+                                        <p:tav tm="0">
+                                          <p:val>
+                                            <p:strVal val="#ppt_x"/>
+                                          </p:val>
+                                        </p:tav>
+                                        <p:tav tm="100000">
+                                          <p:val>
+                                            <p:strVal val="#ppt_x"/>
+                                          </p:val>
+                                        </p:tav>
+                                      </p:tavLst>
+                                    </p:anim>
+                                    <p:anim calcmode="lin" valueType="num">
+                                      <p:cBhvr additive="base">
+                                        <p:cTn id="80" dur="500" fill="hold"/>
+                                        <p:tgtEl>
+                                          <p:spTgt spid="2">
+                                            <p:txEl>
+                                              <p:pRg st="11" end="11"/>
+                                            </p:txEl>
+                                          </p:spTgt>
+                                        </p:tgtEl>
+                                        <p:attrNameLst>
+                                          <p:attrName>ppt_y</p:attrName>
+                                        </p:attrNameLst>
+                                      </p:cBhvr>
+                                      <p:tavLst>
+                                        <p:tav tm="0">
+                                          <p:val>
+                                            <p:strVal val="1+#ppt_h/2"/>
                                           </p:val>
                                         </p:tav>
                                         <p:tav tm="100000">
@@ -13196,9 +18108,6 @@
         </p:cTn>
       </p:par>
     </p:tnLst>
-    <p:bldLst>
-      <p:bldP spid="9" grpId="0" animBg="1"/>
-    </p:bldLst>
   </p:timing>
 </p:sld>
 </file>
@@ -13206,9 +18115,28 @@
 <file path=ppt/slides/slide9.xml><?xml version="1.0" encoding="utf-8"?>
 <p:sld xmlns:a="http://schemas.openxmlformats.org/drawingml/2006/main" xmlns:r="http://schemas.openxmlformats.org/officeDocument/2006/relationships" xmlns:p="http://schemas.openxmlformats.org/presentationml/2006/main">
   <p:cSld>
+    <p:bg>
+      <p:bgPr>
+        <a:pattFill prst="pct5">
+          <a:fgClr>
+            <a:schemeClr val="accent1"/>
+          </a:fgClr>
+          <a:bgClr>
+            <a:schemeClr val="bg1"/>
+          </a:bgClr>
+        </a:pattFill>
+        <a:effectLst/>
+      </p:bgPr>
+    </p:bg>
     <p:spTree>
       <p:nvGrpSpPr>
-        <p:cNvPr id="1" name=""/>
+        <p:cNvPr id="1" name="">
+          <a:extLst>
+            <a:ext uri="{FF2B5EF4-FFF2-40B4-BE49-F238E27FC236}">
+              <a16:creationId xmlns:a16="http://schemas.microsoft.com/office/drawing/2014/main" id="{339CFF9B-7AC0-4BB0-DA66-7F8702C813D7}"/>
+            </a:ext>
+          </a:extLst>
+        </p:cNvPr>
         <p:cNvGrpSpPr/>
         <p:nvPr/>
       </p:nvGrpSpPr>
@@ -13220,16 +18148,2032 @@
           <a:chExt cx="0" cy="0"/>
         </a:xfrm>
       </p:grpSpPr>
+      <p:pic>
+        <p:nvPicPr>
+          <p:cNvPr id="8" name="Picture 7">
+            <a:extLst>
+              <a:ext uri="{FF2B5EF4-FFF2-40B4-BE49-F238E27FC236}">
+                <a16:creationId xmlns:a16="http://schemas.microsoft.com/office/drawing/2014/main" id="{BA215CD5-599D-F06B-9DCD-A292CFD86023}"/>
+              </a:ext>
+            </a:extLst>
+          </p:cNvPr>
+          <p:cNvPicPr>
+            <a:picLocks noChangeAspect="1"/>
+          </p:cNvPicPr>
+          <p:nvPr/>
+        </p:nvPicPr>
+        <p:blipFill>
+          <a:blip r:embed="rId3">
+            <a:extLst>
+              <a:ext uri="{BEBA8EAE-BF5A-486C-A8C5-ECC9F3942E4B}">
+                <a14:imgProps xmlns:a14="http://schemas.microsoft.com/office/drawing/2010/main">
+                  <a14:imgLayer r:embed="rId4">
+                    <a14:imgEffect>
+                      <a14:backgroundRemoval t="10000" b="90000" l="10000" r="90000">
+                        <a14:foregroundMark x1="28417" y1="45552" x2="25899" y2="49466"/>
+                        <a14:foregroundMark x1="39928" y1="46619" x2="58993" y2="51601"/>
+                        <a14:foregroundMark x1="61871" y1="48754" x2="56835" y2="48399"/>
+                        <a14:foregroundMark x1="61871" y1="48043" x2="32014" y2="33096"/>
+                        <a14:foregroundMark x1="32014" y1="33096" x2="33453" y2="50890"/>
+                        <a14:foregroundMark x1="38849" y1="45196" x2="21583" y2="46263"/>
+                        <a14:foregroundMark x1="34892" y1="45907" x2="33453" y2="46619"/>
+                        <a14:foregroundMark x1="55396" y1="42705" x2="71583" y2="44840"/>
+                      </a14:backgroundRemoval>
+                    </a14:imgEffect>
+                  </a14:imgLayer>
+                </a14:imgProps>
+              </a:ext>
+              <a:ext uri="{28A0092B-C50C-407E-A947-70E740481C1C}">
+                <a14:useLocalDpi xmlns:a14="http://schemas.microsoft.com/office/drawing/2010/main" val="0"/>
+              </a:ext>
+            </a:extLst>
+          </a:blip>
+          <a:stretch>
+            <a:fillRect/>
+          </a:stretch>
+        </p:blipFill>
+        <p:spPr>
+          <a:xfrm>
+            <a:off x="10271760" y="-264241"/>
+            <a:ext cx="2076725" cy="2099136"/>
+          </a:xfrm>
+          <a:prstGeom prst="rect">
+            <a:avLst/>
+          </a:prstGeom>
+        </p:spPr>
+      </p:pic>
+      <p:sp>
+        <p:nvSpPr>
+          <p:cNvPr id="5" name="TextBox 4">
+            <a:extLst>
+              <a:ext uri="{FF2B5EF4-FFF2-40B4-BE49-F238E27FC236}">
+                <a16:creationId xmlns:a16="http://schemas.microsoft.com/office/drawing/2014/main" id="{C4D68278-CAE4-0D3F-E718-9DDE298670B0}"/>
+              </a:ext>
+            </a:extLst>
+          </p:cNvPr>
+          <p:cNvSpPr txBox="1"/>
+          <p:nvPr/>
+        </p:nvSpPr>
+        <p:spPr>
+          <a:xfrm>
+            <a:off x="585195" y="248334"/>
+            <a:ext cx="7704040" cy="1754326"/>
+          </a:xfrm>
+          <a:prstGeom prst="rect">
+            <a:avLst/>
+          </a:prstGeom>
+          <a:noFill/>
+        </p:spPr>
+        <p:txBody>
+          <a:bodyPr wrap="square" rtlCol="0">
+            <a:spAutoFit/>
+          </a:bodyPr>
+          <a:lstStyle/>
+          <a:p>
+            <a:r>
+              <a:rPr lang="en-US" sz="5400" u="sng" dirty="0">
+                <a:highlight>
+                  <a:srgbClr val="FFFF00"/>
+                </a:highlight>
+              </a:rPr>
+              <a:t> HTML Elements</a:t>
+            </a:r>
+            <a:endParaRPr lang="en-IN" sz="5400" u="sng" dirty="0">
+              <a:highlight>
+                <a:srgbClr val="FFFF00"/>
+              </a:highlight>
+            </a:endParaRPr>
+          </a:p>
+          <a:p>
+            <a:endParaRPr lang="en-IN" sz="5400" u="sng" dirty="0">
+              <a:highlight>
+                <a:srgbClr val="FFFF00"/>
+              </a:highlight>
+            </a:endParaRPr>
+          </a:p>
+        </p:txBody>
+      </p:sp>
+      <p:sp>
+        <p:nvSpPr>
+          <p:cNvPr id="2" name="Rectangle 1">
+            <a:extLst>
+              <a:ext uri="{FF2B5EF4-FFF2-40B4-BE49-F238E27FC236}">
+                <a16:creationId xmlns:a16="http://schemas.microsoft.com/office/drawing/2014/main" id="{B62D031F-9443-3C29-7A89-0CB19EB29A5B}"/>
+              </a:ext>
+            </a:extLst>
+          </p:cNvPr>
+          <p:cNvSpPr>
+            <a:spLocks noChangeArrowheads="1"/>
+          </p:cNvSpPr>
+          <p:nvPr/>
+        </p:nvSpPr>
+        <p:spPr bwMode="auto">
+          <a:xfrm>
+            <a:off x="987731" y="3344959"/>
+            <a:ext cx="6476557" cy="3297506"/>
+          </a:xfrm>
+          <a:prstGeom prst="rect">
+            <a:avLst/>
+          </a:prstGeom>
+          <a:noFill/>
+          <a:ln>
+            <a:noFill/>
+          </a:ln>
+          <a:effectLst/>
+          <a:extLst>
+            <a:ext uri="{909E8E84-426E-40DD-AFC4-6F175D3DCCD1}">
+              <a14:hiddenFill xmlns:a14="http://schemas.microsoft.com/office/drawing/2010/main">
+                <a:solidFill>
+                  <a:schemeClr val="accent1"/>
+                </a:solidFill>
+              </a14:hiddenFill>
+            </a:ext>
+            <a:ext uri="{91240B29-F687-4F45-9708-019B960494DF}">
+              <a14:hiddenLine xmlns:a14="http://schemas.microsoft.com/office/drawing/2010/main" w="9525">
+                <a:solidFill>
+                  <a:schemeClr val="tx1"/>
+                </a:solidFill>
+                <a:miter lim="800000"/>
+                <a:headEnd/>
+                <a:tailEnd/>
+              </a14:hiddenLine>
+            </a:ext>
+            <a:ext uri="{AF507438-7753-43E0-B8FC-AC1667EBCBE1}">
+              <a14:hiddenEffects xmlns:a14="http://schemas.microsoft.com/office/drawing/2010/main">
+                <a:effectLst>
+                  <a:outerShdw dist="35921" dir="2700000" algn="ctr" rotWithShape="0">
+                    <a:schemeClr val="bg2"/>
+                  </a:outerShdw>
+                </a:effectLst>
+              </a14:hiddenEffects>
+            </a:ext>
+          </a:extLst>
+        </p:spPr>
+        <p:txBody>
+          <a:bodyPr vert="horz" wrap="square" lIns="91440" tIns="45720" rIns="91440" bIns="45720" numCol="1" anchor="ctr" anchorCtr="0" compatLnSpc="1">
+            <a:prstTxWarp prst="textNoShape">
+              <a:avLst/>
+            </a:prstTxWarp>
+            <a:spAutoFit/>
+          </a:bodyPr>
+          <a:lstStyle/>
+          <a:p>
+            <a:r>
+              <a:rPr lang="en-IN" sz="1600" dirty="0"/>
+              <a:t>&lt;!DOCTYPE html&gt;      </a:t>
+            </a:r>
+          </a:p>
+          <a:p>
+            <a:r>
+              <a:rPr lang="en-IN" sz="1600" dirty="0"/>
+              <a:t>&lt;html&gt;</a:t>
+            </a:r>
+          </a:p>
+          <a:p>
+            <a:r>
+              <a:rPr lang="en-IN" sz="1600" dirty="0"/>
+              <a:t>&lt;head&gt;</a:t>
+            </a:r>
+          </a:p>
+          <a:p>
+            <a:r>
+              <a:rPr lang="en-IN" sz="1600" dirty="0"/>
+              <a:t>&lt;meta charset="UTF-8"&gt;</a:t>
+            </a:r>
+          </a:p>
+          <a:p>
+            <a:r>
+              <a:rPr lang="en-IN" sz="1600" dirty="0"/>
+              <a:t>&lt;meta name="viewport" content="width=device-width, initial-scale=1.0"&gt;</a:t>
+            </a:r>
+          </a:p>
+          <a:p>
+            <a:r>
+              <a:rPr lang="en-IN" sz="1600" dirty="0"/>
+              <a:t> &lt;title&gt;Hello HTML Elements&lt;/title&gt;</a:t>
+            </a:r>
+          </a:p>
+          <a:p>
+            <a:r>
+              <a:rPr lang="en-IN" sz="1600" dirty="0"/>
+              <a:t>&lt;/head&gt;</a:t>
+            </a:r>
+          </a:p>
+          <a:p>
+            <a:r>
+              <a:rPr lang="en-IN" sz="1600" dirty="0"/>
+              <a:t>&lt;body&gt;</a:t>
+            </a:r>
+          </a:p>
+          <a:p>
+            <a:r>
+              <a:rPr lang="en-IN" sz="1600" dirty="0"/>
+              <a:t>&lt;p&gt;I am a paragraph &lt;/p&gt;</a:t>
+            </a:r>
+          </a:p>
+          <a:p>
+            <a:r>
+              <a:rPr lang="en-IN" sz="1600" dirty="0"/>
+              <a:t>&lt;/body&gt;</a:t>
+            </a:r>
+          </a:p>
+          <a:p>
+            <a:r>
+              <a:rPr lang="en-IN" sz="1600" dirty="0"/>
+              <a:t>&lt;/html&gt;</a:t>
+            </a:r>
+          </a:p>
+          <a:p>
+            <a:pPr lvl="1" eaLnBrk="0" fontAlgn="base" hangingPunct="0">
+              <a:lnSpc>
+                <a:spcPct val="150000"/>
+              </a:lnSpc>
+              <a:spcBef>
+                <a:spcPct val="0"/>
+              </a:spcBef>
+              <a:spcAft>
+                <a:spcPct val="0"/>
+              </a:spcAft>
+              <a:tabLst>
+                <a:tab pos="803275" algn="l"/>
+              </a:tabLst>
+            </a:pPr>
+            <a:endParaRPr kumimoji="0" lang="en-US" altLang="en-US" sz="2400" b="0" i="0" u="none" strike="noStrike" cap="none" normalizeH="0" baseline="0" dirty="0">
+              <a:ln>
+                <a:noFill/>
+              </a:ln>
+              <a:solidFill>
+                <a:schemeClr val="tx1"/>
+              </a:solidFill>
+              <a:effectLst/>
+            </a:endParaRPr>
+          </a:p>
+        </p:txBody>
+      </p:sp>
+      <p:sp>
+        <p:nvSpPr>
+          <p:cNvPr id="3" name="Rectangle 2">
+            <a:extLst>
+              <a:ext uri="{FF2B5EF4-FFF2-40B4-BE49-F238E27FC236}">
+                <a16:creationId xmlns:a16="http://schemas.microsoft.com/office/drawing/2014/main" id="{3776D3C4-41BB-B3CA-572A-E0304F7C0E2F}"/>
+              </a:ext>
+            </a:extLst>
+          </p:cNvPr>
+          <p:cNvSpPr>
+            <a:spLocks noChangeArrowheads="1"/>
+          </p:cNvSpPr>
+          <p:nvPr/>
+        </p:nvSpPr>
+        <p:spPr bwMode="auto">
+          <a:xfrm>
+            <a:off x="513963" y="1245823"/>
+            <a:ext cx="10099040" cy="589072"/>
+          </a:xfrm>
+          <a:prstGeom prst="rect">
+            <a:avLst/>
+          </a:prstGeom>
+          <a:noFill/>
+          <a:ln>
+            <a:noFill/>
+          </a:ln>
+          <a:effectLst/>
+          <a:extLst>
+            <a:ext uri="{909E8E84-426E-40DD-AFC4-6F175D3DCCD1}">
+              <a14:hiddenFill xmlns:a14="http://schemas.microsoft.com/office/drawing/2010/main">
+                <a:solidFill>
+                  <a:schemeClr val="accent1"/>
+                </a:solidFill>
+              </a14:hiddenFill>
+            </a:ext>
+            <a:ext uri="{91240B29-F687-4F45-9708-019B960494DF}">
+              <a14:hiddenLine xmlns:a14="http://schemas.microsoft.com/office/drawing/2010/main" w="9525">
+                <a:solidFill>
+                  <a:schemeClr val="tx1"/>
+                </a:solidFill>
+                <a:miter lim="800000"/>
+                <a:headEnd/>
+                <a:tailEnd/>
+              </a14:hiddenLine>
+            </a:ext>
+            <a:ext uri="{AF507438-7753-43E0-B8FC-AC1667EBCBE1}">
+              <a14:hiddenEffects xmlns:a14="http://schemas.microsoft.com/office/drawing/2010/main">
+                <a:effectLst>
+                  <a:outerShdw dist="35921" dir="2700000" algn="ctr" rotWithShape="0">
+                    <a:schemeClr val="bg2"/>
+                  </a:outerShdw>
+                </a:effectLst>
+              </a14:hiddenEffects>
+            </a:ext>
+          </a:extLst>
+        </p:spPr>
+        <p:txBody>
+          <a:bodyPr vert="horz" wrap="square" lIns="91440" tIns="45720" rIns="91440" bIns="45720" numCol="1" anchor="ctr" anchorCtr="0" compatLnSpc="1">
+            <a:prstTxWarp prst="textNoShape">
+              <a:avLst/>
+            </a:prstTxWarp>
+            <a:spAutoFit/>
+          </a:bodyPr>
+          <a:lstStyle/>
+          <a:p>
+            <a:pPr lvl="1" eaLnBrk="0" fontAlgn="base" hangingPunct="0">
+              <a:lnSpc>
+                <a:spcPct val="150000"/>
+              </a:lnSpc>
+              <a:spcBef>
+                <a:spcPct val="0"/>
+              </a:spcBef>
+              <a:spcAft>
+                <a:spcPct val="0"/>
+              </a:spcAft>
+              <a:tabLst>
+                <a:tab pos="803275" algn="l"/>
+              </a:tabLst>
+            </a:pPr>
+            <a:r>
+              <a:rPr lang="en-US" sz="2400" dirty="0">
+                <a:highlight>
+                  <a:srgbClr val="00FFFF"/>
+                </a:highlight>
+              </a:rPr>
+              <a:t>An HTML element is collection of a start tag, some content, and an end tag.</a:t>
+            </a:r>
+            <a:endParaRPr kumimoji="0" lang="en-US" altLang="en-US" sz="3200" b="0" i="0" u="none" strike="noStrike" cap="none" normalizeH="0" baseline="0" dirty="0">
+              <a:ln>
+                <a:noFill/>
+              </a:ln>
+              <a:solidFill>
+                <a:schemeClr val="tx1"/>
+              </a:solidFill>
+              <a:effectLst/>
+              <a:highlight>
+                <a:srgbClr val="00FFFF"/>
+              </a:highlight>
+            </a:endParaRPr>
+          </a:p>
+        </p:txBody>
+      </p:sp>
+      <p:sp>
+        <p:nvSpPr>
+          <p:cNvPr id="6" name="Rectangle 5">
+            <a:extLst>
+              <a:ext uri="{FF2B5EF4-FFF2-40B4-BE49-F238E27FC236}">
+                <a16:creationId xmlns:a16="http://schemas.microsoft.com/office/drawing/2014/main" id="{F584C88E-505B-BCC6-7D9C-AC51B593A8B7}"/>
+              </a:ext>
+            </a:extLst>
+          </p:cNvPr>
+          <p:cNvSpPr>
+            <a:spLocks noChangeArrowheads="1"/>
+          </p:cNvSpPr>
+          <p:nvPr/>
+        </p:nvSpPr>
+        <p:spPr bwMode="auto">
+          <a:xfrm>
+            <a:off x="513963" y="1752084"/>
+            <a:ext cx="10099040" cy="754694"/>
+          </a:xfrm>
+          <a:prstGeom prst="rect">
+            <a:avLst/>
+          </a:prstGeom>
+          <a:noFill/>
+          <a:ln>
+            <a:noFill/>
+          </a:ln>
+          <a:effectLst/>
+          <a:extLst>
+            <a:ext uri="{909E8E84-426E-40DD-AFC4-6F175D3DCCD1}">
+              <a14:hiddenFill xmlns:a14="http://schemas.microsoft.com/office/drawing/2010/main">
+                <a:solidFill>
+                  <a:schemeClr val="accent1"/>
+                </a:solidFill>
+              </a14:hiddenFill>
+            </a:ext>
+            <a:ext uri="{91240B29-F687-4F45-9708-019B960494DF}">
+              <a14:hiddenLine xmlns:a14="http://schemas.microsoft.com/office/drawing/2010/main" w="9525">
+                <a:solidFill>
+                  <a:schemeClr val="tx1"/>
+                </a:solidFill>
+                <a:miter lim="800000"/>
+                <a:headEnd/>
+                <a:tailEnd/>
+              </a14:hiddenLine>
+            </a:ext>
+            <a:ext uri="{AF507438-7753-43E0-B8FC-AC1667EBCBE1}">
+              <a14:hiddenEffects xmlns:a14="http://schemas.microsoft.com/office/drawing/2010/main">
+                <a:effectLst>
+                  <a:outerShdw dist="35921" dir="2700000" algn="ctr" rotWithShape="0">
+                    <a:schemeClr val="bg2"/>
+                  </a:outerShdw>
+                </a:effectLst>
+              </a14:hiddenEffects>
+            </a:ext>
+          </a:extLst>
+        </p:spPr>
+        <p:txBody>
+          <a:bodyPr vert="horz" wrap="square" lIns="91440" tIns="45720" rIns="91440" bIns="45720" numCol="1" anchor="ctr" anchorCtr="0" compatLnSpc="1">
+            <a:prstTxWarp prst="textNoShape">
+              <a:avLst/>
+            </a:prstTxWarp>
+            <a:spAutoFit/>
+          </a:bodyPr>
+          <a:lstStyle/>
+          <a:p>
+            <a:pPr lvl="1" eaLnBrk="0" fontAlgn="base" hangingPunct="0">
+              <a:lnSpc>
+                <a:spcPct val="150000"/>
+              </a:lnSpc>
+              <a:spcBef>
+                <a:spcPct val="0"/>
+              </a:spcBef>
+              <a:spcAft>
+                <a:spcPct val="0"/>
+              </a:spcAft>
+              <a:tabLst>
+                <a:tab pos="803275" algn="l"/>
+              </a:tabLst>
+            </a:pPr>
+            <a:r>
+              <a:rPr lang="en-US" altLang="en-US" sz="3200" dirty="0"/>
+              <a:t>Syntax: </a:t>
+            </a:r>
+            <a:r>
+              <a:rPr lang="en-IN" sz="3200" b="1" dirty="0">
+                <a:latin typeface="Segoe UI" panose="020B0502040204020203" pitchFamily="34" charset="0"/>
+              </a:rPr>
+              <a:t>&lt;tagname&gt;</a:t>
+            </a:r>
+            <a:r>
+              <a:rPr lang="en-IN" sz="3200" dirty="0">
+                <a:latin typeface="Segoe UI" panose="020B0502040204020203" pitchFamily="34" charset="0"/>
+              </a:rPr>
+              <a:t>content</a:t>
+            </a:r>
+            <a:r>
+              <a:rPr lang="en-IN" sz="3200" b="1" dirty="0">
+                <a:latin typeface="Segoe UI" panose="020B0502040204020203" pitchFamily="34" charset="0"/>
+              </a:rPr>
+              <a:t>&lt;/tagname&gt;</a:t>
+            </a:r>
+            <a:endParaRPr kumimoji="0" lang="en-US" altLang="en-US" sz="3200" b="1" i="0" u="none" strike="noStrike" cap="none" normalizeH="0" baseline="0" dirty="0">
+              <a:ln>
+                <a:noFill/>
+              </a:ln>
+              <a:effectLst/>
+            </a:endParaRPr>
+          </a:p>
+        </p:txBody>
+      </p:sp>
+      <p:sp>
+        <p:nvSpPr>
+          <p:cNvPr id="7" name="Rectangle 6">
+            <a:extLst>
+              <a:ext uri="{FF2B5EF4-FFF2-40B4-BE49-F238E27FC236}">
+                <a16:creationId xmlns:a16="http://schemas.microsoft.com/office/drawing/2014/main" id="{099AC919-496A-AE2C-599D-9E00B92E36DC}"/>
+              </a:ext>
+            </a:extLst>
+          </p:cNvPr>
+          <p:cNvSpPr>
+            <a:spLocks noChangeArrowheads="1"/>
+          </p:cNvSpPr>
+          <p:nvPr/>
+        </p:nvSpPr>
+        <p:spPr bwMode="auto">
+          <a:xfrm>
+            <a:off x="513963" y="2506778"/>
+            <a:ext cx="10099040" cy="754694"/>
+          </a:xfrm>
+          <a:prstGeom prst="rect">
+            <a:avLst/>
+          </a:prstGeom>
+          <a:noFill/>
+          <a:ln>
+            <a:noFill/>
+          </a:ln>
+          <a:effectLst/>
+          <a:extLst>
+            <a:ext uri="{909E8E84-426E-40DD-AFC4-6F175D3DCCD1}">
+              <a14:hiddenFill xmlns:a14="http://schemas.microsoft.com/office/drawing/2010/main">
+                <a:solidFill>
+                  <a:schemeClr val="accent1"/>
+                </a:solidFill>
+              </a14:hiddenFill>
+            </a:ext>
+            <a:ext uri="{91240B29-F687-4F45-9708-019B960494DF}">
+              <a14:hiddenLine xmlns:a14="http://schemas.microsoft.com/office/drawing/2010/main" w="9525">
+                <a:solidFill>
+                  <a:schemeClr val="tx1"/>
+                </a:solidFill>
+                <a:miter lim="800000"/>
+                <a:headEnd/>
+                <a:tailEnd/>
+              </a14:hiddenLine>
+            </a:ext>
+            <a:ext uri="{AF507438-7753-43E0-B8FC-AC1667EBCBE1}">
+              <a14:hiddenEffects xmlns:a14="http://schemas.microsoft.com/office/drawing/2010/main">
+                <a:effectLst>
+                  <a:outerShdw dist="35921" dir="2700000" algn="ctr" rotWithShape="0">
+                    <a:schemeClr val="bg2"/>
+                  </a:outerShdw>
+                </a:effectLst>
+              </a14:hiddenEffects>
+            </a:ext>
+          </a:extLst>
+        </p:spPr>
+        <p:txBody>
+          <a:bodyPr vert="horz" wrap="square" lIns="91440" tIns="45720" rIns="91440" bIns="45720" numCol="1" anchor="ctr" anchorCtr="0" compatLnSpc="1">
+            <a:prstTxWarp prst="textNoShape">
+              <a:avLst/>
+            </a:prstTxWarp>
+            <a:spAutoFit/>
+          </a:bodyPr>
+          <a:lstStyle/>
+          <a:p>
+            <a:pPr lvl="1" eaLnBrk="0" fontAlgn="base" hangingPunct="0">
+              <a:lnSpc>
+                <a:spcPct val="150000"/>
+              </a:lnSpc>
+              <a:spcBef>
+                <a:spcPct val="0"/>
+              </a:spcBef>
+              <a:spcAft>
+                <a:spcPct val="0"/>
+              </a:spcAft>
+              <a:tabLst>
+                <a:tab pos="803275" algn="l"/>
+              </a:tabLst>
+            </a:pPr>
+            <a:r>
+              <a:rPr lang="en-US" sz="3200" dirty="0"/>
+              <a:t>Example: </a:t>
+            </a:r>
+            <a:r>
+              <a:rPr lang="en-IN" sz="3200" b="1" dirty="0">
+                <a:latin typeface="Segoe UI" panose="020B0502040204020203" pitchFamily="34" charset="0"/>
+              </a:rPr>
+              <a:t>&lt;p&gt;</a:t>
+            </a:r>
+            <a:r>
+              <a:rPr lang="en-IN" sz="3200" dirty="0">
+                <a:latin typeface="Segoe UI" panose="020B0502040204020203" pitchFamily="34" charset="0"/>
+              </a:rPr>
+              <a:t>I am a paragraph </a:t>
+            </a:r>
+            <a:r>
+              <a:rPr lang="en-IN" sz="3200" b="1" dirty="0">
+                <a:latin typeface="Segoe UI" panose="020B0502040204020203" pitchFamily="34" charset="0"/>
+              </a:rPr>
+              <a:t>&lt;/p&gt;</a:t>
+            </a:r>
+            <a:endParaRPr kumimoji="0" lang="en-US" altLang="en-US" sz="3200" b="1" i="0" u="none" strike="noStrike" cap="none" normalizeH="0" baseline="0" dirty="0">
+              <a:ln>
+                <a:noFill/>
+              </a:ln>
+              <a:effectLst/>
+            </a:endParaRPr>
+          </a:p>
+        </p:txBody>
+      </p:sp>
     </p:spTree>
     <p:extLst>
       <p:ext uri="{BB962C8B-B14F-4D97-AF65-F5344CB8AC3E}">
-        <p14:creationId xmlns:p14="http://schemas.microsoft.com/office/powerpoint/2010/main" val="1817858502"/>
+        <p14:creationId xmlns:p14="http://schemas.microsoft.com/office/powerpoint/2010/main" val="572554407"/>
       </p:ext>
     </p:extLst>
   </p:cSld>
   <p:clrMapOvr>
     <a:masterClrMapping/>
   </p:clrMapOvr>
+  <mc:AlternateContent xmlns:mc="http://schemas.openxmlformats.org/markup-compatibility/2006" xmlns:p14="http://schemas.microsoft.com/office/powerpoint/2010/main">
+    <mc:Choice Requires="p14">
+      <p:transition spd="slow" p14:dur="2000" advTm="47"/>
+    </mc:Choice>
+    <mc:Fallback xmlns="">
+      <p:transition spd="slow" advTm="47"/>
+    </mc:Fallback>
+  </mc:AlternateContent>
+  <p:timing>
+    <p:tnLst>
+      <p:par>
+        <p:cTn id="1" dur="indefinite" restart="never" nodeType="tmRoot">
+          <p:childTnLst>
+            <p:seq concurrent="1" nextAc="seek">
+              <p:cTn id="2" dur="indefinite" nodeType="mainSeq">
+                <p:childTnLst>
+                  <p:par>
+                    <p:cTn id="3" fill="hold">
+                      <p:stCondLst>
+                        <p:cond delay="indefinite"/>
+                      </p:stCondLst>
+                      <p:childTnLst>
+                        <p:par>
+                          <p:cTn id="4" fill="hold">
+                            <p:stCondLst>
+                              <p:cond delay="0"/>
+                            </p:stCondLst>
+                            <p:childTnLst>
+                              <p:par>
+                                <p:cTn id="5" presetID="2" presetClass="entr" presetSubtype="4" fill="hold" nodeType="clickEffect">
+                                  <p:stCondLst>
+                                    <p:cond delay="0"/>
+                                  </p:stCondLst>
+                                  <p:childTnLst>
+                                    <p:set>
+                                      <p:cBhvr>
+                                        <p:cTn id="6" dur="1" fill="hold">
+                                          <p:stCondLst>
+                                            <p:cond delay="0"/>
+                                          </p:stCondLst>
+                                        </p:cTn>
+                                        <p:tgtEl>
+                                          <p:spTgt spid="3">
+                                            <p:txEl>
+                                              <p:pRg st="0" end="0"/>
+                                            </p:txEl>
+                                          </p:spTgt>
+                                        </p:tgtEl>
+                                        <p:attrNameLst>
+                                          <p:attrName>style.visibility</p:attrName>
+                                        </p:attrNameLst>
+                                      </p:cBhvr>
+                                      <p:to>
+                                        <p:strVal val="visible"/>
+                                      </p:to>
+                                    </p:set>
+                                    <p:anim calcmode="lin" valueType="num">
+                                      <p:cBhvr additive="base">
+                                        <p:cTn id="7" dur="500" fill="hold"/>
+                                        <p:tgtEl>
+                                          <p:spTgt spid="3">
+                                            <p:txEl>
+                                              <p:pRg st="0" end="0"/>
+                                            </p:txEl>
+                                          </p:spTgt>
+                                        </p:tgtEl>
+                                        <p:attrNameLst>
+                                          <p:attrName>ppt_x</p:attrName>
+                                        </p:attrNameLst>
+                                      </p:cBhvr>
+                                      <p:tavLst>
+                                        <p:tav tm="0">
+                                          <p:val>
+                                            <p:strVal val="#ppt_x"/>
+                                          </p:val>
+                                        </p:tav>
+                                        <p:tav tm="100000">
+                                          <p:val>
+                                            <p:strVal val="#ppt_x"/>
+                                          </p:val>
+                                        </p:tav>
+                                      </p:tavLst>
+                                    </p:anim>
+                                    <p:anim calcmode="lin" valueType="num">
+                                      <p:cBhvr additive="base">
+                                        <p:cTn id="8" dur="500" fill="hold"/>
+                                        <p:tgtEl>
+                                          <p:spTgt spid="3">
+                                            <p:txEl>
+                                              <p:pRg st="0" end="0"/>
+                                            </p:txEl>
+                                          </p:spTgt>
+                                        </p:tgtEl>
+                                        <p:attrNameLst>
+                                          <p:attrName>ppt_y</p:attrName>
+                                        </p:attrNameLst>
+                                      </p:cBhvr>
+                                      <p:tavLst>
+                                        <p:tav tm="0">
+                                          <p:val>
+                                            <p:strVal val="1+#ppt_h/2"/>
+                                          </p:val>
+                                        </p:tav>
+                                        <p:tav tm="100000">
+                                          <p:val>
+                                            <p:strVal val="#ppt_y"/>
+                                          </p:val>
+                                        </p:tav>
+                                      </p:tavLst>
+                                    </p:anim>
+                                  </p:childTnLst>
+                                </p:cTn>
+                              </p:par>
+                            </p:childTnLst>
+                          </p:cTn>
+                        </p:par>
+                      </p:childTnLst>
+                    </p:cTn>
+                  </p:par>
+                  <p:par>
+                    <p:cTn id="9" fill="hold">
+                      <p:stCondLst>
+                        <p:cond delay="indefinite"/>
+                      </p:stCondLst>
+                      <p:childTnLst>
+                        <p:par>
+                          <p:cTn id="10" fill="hold">
+                            <p:stCondLst>
+                              <p:cond delay="0"/>
+                            </p:stCondLst>
+                            <p:childTnLst>
+                              <p:par>
+                                <p:cTn id="11" presetID="2" presetClass="entr" presetSubtype="4" fill="hold" nodeType="clickEffect">
+                                  <p:stCondLst>
+                                    <p:cond delay="0"/>
+                                  </p:stCondLst>
+                                  <p:childTnLst>
+                                    <p:set>
+                                      <p:cBhvr>
+                                        <p:cTn id="12" dur="1" fill="hold">
+                                          <p:stCondLst>
+                                            <p:cond delay="0"/>
+                                          </p:stCondLst>
+                                        </p:cTn>
+                                        <p:tgtEl>
+                                          <p:spTgt spid="6">
+                                            <p:txEl>
+                                              <p:pRg st="0" end="0"/>
+                                            </p:txEl>
+                                          </p:spTgt>
+                                        </p:tgtEl>
+                                        <p:attrNameLst>
+                                          <p:attrName>style.visibility</p:attrName>
+                                        </p:attrNameLst>
+                                      </p:cBhvr>
+                                      <p:to>
+                                        <p:strVal val="visible"/>
+                                      </p:to>
+                                    </p:set>
+                                    <p:anim calcmode="lin" valueType="num">
+                                      <p:cBhvr additive="base">
+                                        <p:cTn id="13" dur="500" fill="hold"/>
+                                        <p:tgtEl>
+                                          <p:spTgt spid="6">
+                                            <p:txEl>
+                                              <p:pRg st="0" end="0"/>
+                                            </p:txEl>
+                                          </p:spTgt>
+                                        </p:tgtEl>
+                                        <p:attrNameLst>
+                                          <p:attrName>ppt_x</p:attrName>
+                                        </p:attrNameLst>
+                                      </p:cBhvr>
+                                      <p:tavLst>
+                                        <p:tav tm="0">
+                                          <p:val>
+                                            <p:strVal val="#ppt_x"/>
+                                          </p:val>
+                                        </p:tav>
+                                        <p:tav tm="100000">
+                                          <p:val>
+                                            <p:strVal val="#ppt_x"/>
+                                          </p:val>
+                                        </p:tav>
+                                      </p:tavLst>
+                                    </p:anim>
+                                    <p:anim calcmode="lin" valueType="num">
+                                      <p:cBhvr additive="base">
+                                        <p:cTn id="14" dur="500" fill="hold"/>
+                                        <p:tgtEl>
+                                          <p:spTgt spid="6">
+                                            <p:txEl>
+                                              <p:pRg st="0" end="0"/>
+                                            </p:txEl>
+                                          </p:spTgt>
+                                        </p:tgtEl>
+                                        <p:attrNameLst>
+                                          <p:attrName>ppt_y</p:attrName>
+                                        </p:attrNameLst>
+                                      </p:cBhvr>
+                                      <p:tavLst>
+                                        <p:tav tm="0">
+                                          <p:val>
+                                            <p:strVal val="1+#ppt_h/2"/>
+                                          </p:val>
+                                        </p:tav>
+                                        <p:tav tm="100000">
+                                          <p:val>
+                                            <p:strVal val="#ppt_y"/>
+                                          </p:val>
+                                        </p:tav>
+                                      </p:tavLst>
+                                    </p:anim>
+                                  </p:childTnLst>
+                                </p:cTn>
+                              </p:par>
+                            </p:childTnLst>
+                          </p:cTn>
+                        </p:par>
+                      </p:childTnLst>
+                    </p:cTn>
+                  </p:par>
+                  <p:par>
+                    <p:cTn id="15" fill="hold">
+                      <p:stCondLst>
+                        <p:cond delay="indefinite"/>
+                      </p:stCondLst>
+                      <p:childTnLst>
+                        <p:par>
+                          <p:cTn id="16" fill="hold">
+                            <p:stCondLst>
+                              <p:cond delay="0"/>
+                            </p:stCondLst>
+                            <p:childTnLst>
+                              <p:par>
+                                <p:cTn id="17" presetID="2" presetClass="entr" presetSubtype="4" fill="hold" nodeType="clickEffect">
+                                  <p:stCondLst>
+                                    <p:cond delay="0"/>
+                                  </p:stCondLst>
+                                  <p:childTnLst>
+                                    <p:set>
+                                      <p:cBhvr>
+                                        <p:cTn id="18" dur="1" fill="hold">
+                                          <p:stCondLst>
+                                            <p:cond delay="0"/>
+                                          </p:stCondLst>
+                                        </p:cTn>
+                                        <p:tgtEl>
+                                          <p:spTgt spid="7">
+                                            <p:txEl>
+                                              <p:pRg st="0" end="0"/>
+                                            </p:txEl>
+                                          </p:spTgt>
+                                        </p:tgtEl>
+                                        <p:attrNameLst>
+                                          <p:attrName>style.visibility</p:attrName>
+                                        </p:attrNameLst>
+                                      </p:cBhvr>
+                                      <p:to>
+                                        <p:strVal val="visible"/>
+                                      </p:to>
+                                    </p:set>
+                                    <p:anim calcmode="lin" valueType="num">
+                                      <p:cBhvr additive="base">
+                                        <p:cTn id="19" dur="500" fill="hold"/>
+                                        <p:tgtEl>
+                                          <p:spTgt spid="7">
+                                            <p:txEl>
+                                              <p:pRg st="0" end="0"/>
+                                            </p:txEl>
+                                          </p:spTgt>
+                                        </p:tgtEl>
+                                        <p:attrNameLst>
+                                          <p:attrName>ppt_x</p:attrName>
+                                        </p:attrNameLst>
+                                      </p:cBhvr>
+                                      <p:tavLst>
+                                        <p:tav tm="0">
+                                          <p:val>
+                                            <p:strVal val="#ppt_x"/>
+                                          </p:val>
+                                        </p:tav>
+                                        <p:tav tm="100000">
+                                          <p:val>
+                                            <p:strVal val="#ppt_x"/>
+                                          </p:val>
+                                        </p:tav>
+                                      </p:tavLst>
+                                    </p:anim>
+                                    <p:anim calcmode="lin" valueType="num">
+                                      <p:cBhvr additive="base">
+                                        <p:cTn id="20" dur="500" fill="hold"/>
+                                        <p:tgtEl>
+                                          <p:spTgt spid="7">
+                                            <p:txEl>
+                                              <p:pRg st="0" end="0"/>
+                                            </p:txEl>
+                                          </p:spTgt>
+                                        </p:tgtEl>
+                                        <p:attrNameLst>
+                                          <p:attrName>ppt_y</p:attrName>
+                                        </p:attrNameLst>
+                                      </p:cBhvr>
+                                      <p:tavLst>
+                                        <p:tav tm="0">
+                                          <p:val>
+                                            <p:strVal val="1+#ppt_h/2"/>
+                                          </p:val>
+                                        </p:tav>
+                                        <p:tav tm="100000">
+                                          <p:val>
+                                            <p:strVal val="#ppt_y"/>
+                                          </p:val>
+                                        </p:tav>
+                                      </p:tavLst>
+                                    </p:anim>
+                                  </p:childTnLst>
+                                </p:cTn>
+                              </p:par>
+                            </p:childTnLst>
+                          </p:cTn>
+                        </p:par>
+                      </p:childTnLst>
+                    </p:cTn>
+                  </p:par>
+                  <p:par>
+                    <p:cTn id="21" fill="hold">
+                      <p:stCondLst>
+                        <p:cond delay="indefinite"/>
+                      </p:stCondLst>
+                      <p:childTnLst>
+                        <p:par>
+                          <p:cTn id="22" fill="hold">
+                            <p:stCondLst>
+                              <p:cond delay="0"/>
+                            </p:stCondLst>
+                            <p:childTnLst>
+                              <p:par>
+                                <p:cTn id="23" presetID="42" presetClass="entr" presetSubtype="0" fill="hold" nodeType="clickEffect">
+                                  <p:stCondLst>
+                                    <p:cond delay="0"/>
+                                  </p:stCondLst>
+                                  <p:childTnLst>
+                                    <p:set>
+                                      <p:cBhvr>
+                                        <p:cTn id="24" dur="1" fill="hold">
+                                          <p:stCondLst>
+                                            <p:cond delay="0"/>
+                                          </p:stCondLst>
+                                        </p:cTn>
+                                        <p:tgtEl>
+                                          <p:spTgt spid="2">
+                                            <p:txEl>
+                                              <p:pRg st="0" end="0"/>
+                                            </p:txEl>
+                                          </p:spTgt>
+                                        </p:tgtEl>
+                                        <p:attrNameLst>
+                                          <p:attrName>style.visibility</p:attrName>
+                                        </p:attrNameLst>
+                                      </p:cBhvr>
+                                      <p:to>
+                                        <p:strVal val="visible"/>
+                                      </p:to>
+                                    </p:set>
+                                    <p:animEffect transition="in" filter="fade">
+                                      <p:cBhvr>
+                                        <p:cTn id="25" dur="1000"/>
+                                        <p:tgtEl>
+                                          <p:spTgt spid="2">
+                                            <p:txEl>
+                                              <p:pRg st="0" end="0"/>
+                                            </p:txEl>
+                                          </p:spTgt>
+                                        </p:tgtEl>
+                                      </p:cBhvr>
+                                    </p:animEffect>
+                                    <p:anim calcmode="lin" valueType="num">
+                                      <p:cBhvr>
+                                        <p:cTn id="26" dur="1000" fill="hold"/>
+                                        <p:tgtEl>
+                                          <p:spTgt spid="2">
+                                            <p:txEl>
+                                              <p:pRg st="0" end="0"/>
+                                            </p:txEl>
+                                          </p:spTgt>
+                                        </p:tgtEl>
+                                        <p:attrNameLst>
+                                          <p:attrName>ppt_x</p:attrName>
+                                        </p:attrNameLst>
+                                      </p:cBhvr>
+                                      <p:tavLst>
+                                        <p:tav tm="0">
+                                          <p:val>
+                                            <p:strVal val="#ppt_x"/>
+                                          </p:val>
+                                        </p:tav>
+                                        <p:tav tm="100000">
+                                          <p:val>
+                                            <p:strVal val="#ppt_x"/>
+                                          </p:val>
+                                        </p:tav>
+                                      </p:tavLst>
+                                    </p:anim>
+                                    <p:anim calcmode="lin" valueType="num">
+                                      <p:cBhvr>
+                                        <p:cTn id="27" dur="1000" fill="hold"/>
+                                        <p:tgtEl>
+                                          <p:spTgt spid="2">
+                                            <p:txEl>
+                                              <p:pRg st="0" end="0"/>
+                                            </p:txEl>
+                                          </p:spTgt>
+                                        </p:tgtEl>
+                                        <p:attrNameLst>
+                                          <p:attrName>ppt_y</p:attrName>
+                                        </p:attrNameLst>
+                                      </p:cBhvr>
+                                      <p:tavLst>
+                                        <p:tav tm="0">
+                                          <p:val>
+                                            <p:strVal val="#ppt_y+.1"/>
+                                          </p:val>
+                                        </p:tav>
+                                        <p:tav tm="100000">
+                                          <p:val>
+                                            <p:strVal val="#ppt_y"/>
+                                          </p:val>
+                                        </p:tav>
+                                      </p:tavLst>
+                                    </p:anim>
+                                  </p:childTnLst>
+                                </p:cTn>
+                              </p:par>
+                              <p:par>
+                                <p:cTn id="28" presetID="42" presetClass="entr" presetSubtype="0" fill="hold" nodeType="withEffect">
+                                  <p:stCondLst>
+                                    <p:cond delay="0"/>
+                                  </p:stCondLst>
+                                  <p:childTnLst>
+                                    <p:set>
+                                      <p:cBhvr>
+                                        <p:cTn id="29" dur="1" fill="hold">
+                                          <p:stCondLst>
+                                            <p:cond delay="0"/>
+                                          </p:stCondLst>
+                                        </p:cTn>
+                                        <p:tgtEl>
+                                          <p:spTgt spid="2">
+                                            <p:txEl>
+                                              <p:pRg st="1" end="1"/>
+                                            </p:txEl>
+                                          </p:spTgt>
+                                        </p:tgtEl>
+                                        <p:attrNameLst>
+                                          <p:attrName>style.visibility</p:attrName>
+                                        </p:attrNameLst>
+                                      </p:cBhvr>
+                                      <p:to>
+                                        <p:strVal val="visible"/>
+                                      </p:to>
+                                    </p:set>
+                                    <p:animEffect transition="in" filter="fade">
+                                      <p:cBhvr>
+                                        <p:cTn id="30" dur="1000"/>
+                                        <p:tgtEl>
+                                          <p:spTgt spid="2">
+                                            <p:txEl>
+                                              <p:pRg st="1" end="1"/>
+                                            </p:txEl>
+                                          </p:spTgt>
+                                        </p:tgtEl>
+                                      </p:cBhvr>
+                                    </p:animEffect>
+                                    <p:anim calcmode="lin" valueType="num">
+                                      <p:cBhvr>
+                                        <p:cTn id="31" dur="1000" fill="hold"/>
+                                        <p:tgtEl>
+                                          <p:spTgt spid="2">
+                                            <p:txEl>
+                                              <p:pRg st="1" end="1"/>
+                                            </p:txEl>
+                                          </p:spTgt>
+                                        </p:tgtEl>
+                                        <p:attrNameLst>
+                                          <p:attrName>ppt_x</p:attrName>
+                                        </p:attrNameLst>
+                                      </p:cBhvr>
+                                      <p:tavLst>
+                                        <p:tav tm="0">
+                                          <p:val>
+                                            <p:strVal val="#ppt_x"/>
+                                          </p:val>
+                                        </p:tav>
+                                        <p:tav tm="100000">
+                                          <p:val>
+                                            <p:strVal val="#ppt_x"/>
+                                          </p:val>
+                                        </p:tav>
+                                      </p:tavLst>
+                                    </p:anim>
+                                    <p:anim calcmode="lin" valueType="num">
+                                      <p:cBhvr>
+                                        <p:cTn id="32" dur="1000" fill="hold"/>
+                                        <p:tgtEl>
+                                          <p:spTgt spid="2">
+                                            <p:txEl>
+                                              <p:pRg st="1" end="1"/>
+                                            </p:txEl>
+                                          </p:spTgt>
+                                        </p:tgtEl>
+                                        <p:attrNameLst>
+                                          <p:attrName>ppt_y</p:attrName>
+                                        </p:attrNameLst>
+                                      </p:cBhvr>
+                                      <p:tavLst>
+                                        <p:tav tm="0">
+                                          <p:val>
+                                            <p:strVal val="#ppt_y+.1"/>
+                                          </p:val>
+                                        </p:tav>
+                                        <p:tav tm="100000">
+                                          <p:val>
+                                            <p:strVal val="#ppt_y"/>
+                                          </p:val>
+                                        </p:tav>
+                                      </p:tavLst>
+                                    </p:anim>
+                                  </p:childTnLst>
+                                </p:cTn>
+                              </p:par>
+                              <p:par>
+                                <p:cTn id="33" presetID="42" presetClass="entr" presetSubtype="0" fill="hold" nodeType="withEffect">
+                                  <p:stCondLst>
+                                    <p:cond delay="0"/>
+                                  </p:stCondLst>
+                                  <p:childTnLst>
+                                    <p:set>
+                                      <p:cBhvr>
+                                        <p:cTn id="34" dur="1" fill="hold">
+                                          <p:stCondLst>
+                                            <p:cond delay="0"/>
+                                          </p:stCondLst>
+                                        </p:cTn>
+                                        <p:tgtEl>
+                                          <p:spTgt spid="2">
+                                            <p:txEl>
+                                              <p:pRg st="2" end="2"/>
+                                            </p:txEl>
+                                          </p:spTgt>
+                                        </p:tgtEl>
+                                        <p:attrNameLst>
+                                          <p:attrName>style.visibility</p:attrName>
+                                        </p:attrNameLst>
+                                      </p:cBhvr>
+                                      <p:to>
+                                        <p:strVal val="visible"/>
+                                      </p:to>
+                                    </p:set>
+                                    <p:animEffect transition="in" filter="fade">
+                                      <p:cBhvr>
+                                        <p:cTn id="35" dur="1000"/>
+                                        <p:tgtEl>
+                                          <p:spTgt spid="2">
+                                            <p:txEl>
+                                              <p:pRg st="2" end="2"/>
+                                            </p:txEl>
+                                          </p:spTgt>
+                                        </p:tgtEl>
+                                      </p:cBhvr>
+                                    </p:animEffect>
+                                    <p:anim calcmode="lin" valueType="num">
+                                      <p:cBhvr>
+                                        <p:cTn id="36" dur="1000" fill="hold"/>
+                                        <p:tgtEl>
+                                          <p:spTgt spid="2">
+                                            <p:txEl>
+                                              <p:pRg st="2" end="2"/>
+                                            </p:txEl>
+                                          </p:spTgt>
+                                        </p:tgtEl>
+                                        <p:attrNameLst>
+                                          <p:attrName>ppt_x</p:attrName>
+                                        </p:attrNameLst>
+                                      </p:cBhvr>
+                                      <p:tavLst>
+                                        <p:tav tm="0">
+                                          <p:val>
+                                            <p:strVal val="#ppt_x"/>
+                                          </p:val>
+                                        </p:tav>
+                                        <p:tav tm="100000">
+                                          <p:val>
+                                            <p:strVal val="#ppt_x"/>
+                                          </p:val>
+                                        </p:tav>
+                                      </p:tavLst>
+                                    </p:anim>
+                                    <p:anim calcmode="lin" valueType="num">
+                                      <p:cBhvr>
+                                        <p:cTn id="37" dur="1000" fill="hold"/>
+                                        <p:tgtEl>
+                                          <p:spTgt spid="2">
+                                            <p:txEl>
+                                              <p:pRg st="2" end="2"/>
+                                            </p:txEl>
+                                          </p:spTgt>
+                                        </p:tgtEl>
+                                        <p:attrNameLst>
+                                          <p:attrName>ppt_y</p:attrName>
+                                        </p:attrNameLst>
+                                      </p:cBhvr>
+                                      <p:tavLst>
+                                        <p:tav tm="0">
+                                          <p:val>
+                                            <p:strVal val="#ppt_y+.1"/>
+                                          </p:val>
+                                        </p:tav>
+                                        <p:tav tm="100000">
+                                          <p:val>
+                                            <p:strVal val="#ppt_y"/>
+                                          </p:val>
+                                        </p:tav>
+                                      </p:tavLst>
+                                    </p:anim>
+                                  </p:childTnLst>
+                                </p:cTn>
+                              </p:par>
+                              <p:par>
+                                <p:cTn id="38" presetID="42" presetClass="entr" presetSubtype="0" fill="hold" nodeType="withEffect">
+                                  <p:stCondLst>
+                                    <p:cond delay="0"/>
+                                  </p:stCondLst>
+                                  <p:childTnLst>
+                                    <p:set>
+                                      <p:cBhvr>
+                                        <p:cTn id="39" dur="1" fill="hold">
+                                          <p:stCondLst>
+                                            <p:cond delay="0"/>
+                                          </p:stCondLst>
+                                        </p:cTn>
+                                        <p:tgtEl>
+                                          <p:spTgt spid="2">
+                                            <p:txEl>
+                                              <p:pRg st="3" end="3"/>
+                                            </p:txEl>
+                                          </p:spTgt>
+                                        </p:tgtEl>
+                                        <p:attrNameLst>
+                                          <p:attrName>style.visibility</p:attrName>
+                                        </p:attrNameLst>
+                                      </p:cBhvr>
+                                      <p:to>
+                                        <p:strVal val="visible"/>
+                                      </p:to>
+                                    </p:set>
+                                    <p:animEffect transition="in" filter="fade">
+                                      <p:cBhvr>
+                                        <p:cTn id="40" dur="1000"/>
+                                        <p:tgtEl>
+                                          <p:spTgt spid="2">
+                                            <p:txEl>
+                                              <p:pRg st="3" end="3"/>
+                                            </p:txEl>
+                                          </p:spTgt>
+                                        </p:tgtEl>
+                                      </p:cBhvr>
+                                    </p:animEffect>
+                                    <p:anim calcmode="lin" valueType="num">
+                                      <p:cBhvr>
+                                        <p:cTn id="41" dur="1000" fill="hold"/>
+                                        <p:tgtEl>
+                                          <p:spTgt spid="2">
+                                            <p:txEl>
+                                              <p:pRg st="3" end="3"/>
+                                            </p:txEl>
+                                          </p:spTgt>
+                                        </p:tgtEl>
+                                        <p:attrNameLst>
+                                          <p:attrName>ppt_x</p:attrName>
+                                        </p:attrNameLst>
+                                      </p:cBhvr>
+                                      <p:tavLst>
+                                        <p:tav tm="0">
+                                          <p:val>
+                                            <p:strVal val="#ppt_x"/>
+                                          </p:val>
+                                        </p:tav>
+                                        <p:tav tm="100000">
+                                          <p:val>
+                                            <p:strVal val="#ppt_x"/>
+                                          </p:val>
+                                        </p:tav>
+                                      </p:tavLst>
+                                    </p:anim>
+                                    <p:anim calcmode="lin" valueType="num">
+                                      <p:cBhvr>
+                                        <p:cTn id="42" dur="1000" fill="hold"/>
+                                        <p:tgtEl>
+                                          <p:spTgt spid="2">
+                                            <p:txEl>
+                                              <p:pRg st="3" end="3"/>
+                                            </p:txEl>
+                                          </p:spTgt>
+                                        </p:tgtEl>
+                                        <p:attrNameLst>
+                                          <p:attrName>ppt_y</p:attrName>
+                                        </p:attrNameLst>
+                                      </p:cBhvr>
+                                      <p:tavLst>
+                                        <p:tav tm="0">
+                                          <p:val>
+                                            <p:strVal val="#ppt_y+.1"/>
+                                          </p:val>
+                                        </p:tav>
+                                        <p:tav tm="100000">
+                                          <p:val>
+                                            <p:strVal val="#ppt_y"/>
+                                          </p:val>
+                                        </p:tav>
+                                      </p:tavLst>
+                                    </p:anim>
+                                  </p:childTnLst>
+                                </p:cTn>
+                              </p:par>
+                              <p:par>
+                                <p:cTn id="43" presetID="42" presetClass="entr" presetSubtype="0" fill="hold" nodeType="withEffect">
+                                  <p:stCondLst>
+                                    <p:cond delay="0"/>
+                                  </p:stCondLst>
+                                  <p:childTnLst>
+                                    <p:set>
+                                      <p:cBhvr>
+                                        <p:cTn id="44" dur="1" fill="hold">
+                                          <p:stCondLst>
+                                            <p:cond delay="0"/>
+                                          </p:stCondLst>
+                                        </p:cTn>
+                                        <p:tgtEl>
+                                          <p:spTgt spid="2">
+                                            <p:txEl>
+                                              <p:pRg st="4" end="4"/>
+                                            </p:txEl>
+                                          </p:spTgt>
+                                        </p:tgtEl>
+                                        <p:attrNameLst>
+                                          <p:attrName>style.visibility</p:attrName>
+                                        </p:attrNameLst>
+                                      </p:cBhvr>
+                                      <p:to>
+                                        <p:strVal val="visible"/>
+                                      </p:to>
+                                    </p:set>
+                                    <p:animEffect transition="in" filter="fade">
+                                      <p:cBhvr>
+                                        <p:cTn id="45" dur="1000"/>
+                                        <p:tgtEl>
+                                          <p:spTgt spid="2">
+                                            <p:txEl>
+                                              <p:pRg st="4" end="4"/>
+                                            </p:txEl>
+                                          </p:spTgt>
+                                        </p:tgtEl>
+                                      </p:cBhvr>
+                                    </p:animEffect>
+                                    <p:anim calcmode="lin" valueType="num">
+                                      <p:cBhvr>
+                                        <p:cTn id="46" dur="1000" fill="hold"/>
+                                        <p:tgtEl>
+                                          <p:spTgt spid="2">
+                                            <p:txEl>
+                                              <p:pRg st="4" end="4"/>
+                                            </p:txEl>
+                                          </p:spTgt>
+                                        </p:tgtEl>
+                                        <p:attrNameLst>
+                                          <p:attrName>ppt_x</p:attrName>
+                                        </p:attrNameLst>
+                                      </p:cBhvr>
+                                      <p:tavLst>
+                                        <p:tav tm="0">
+                                          <p:val>
+                                            <p:strVal val="#ppt_x"/>
+                                          </p:val>
+                                        </p:tav>
+                                        <p:tav tm="100000">
+                                          <p:val>
+                                            <p:strVal val="#ppt_x"/>
+                                          </p:val>
+                                        </p:tav>
+                                      </p:tavLst>
+                                    </p:anim>
+                                    <p:anim calcmode="lin" valueType="num">
+                                      <p:cBhvr>
+                                        <p:cTn id="47" dur="1000" fill="hold"/>
+                                        <p:tgtEl>
+                                          <p:spTgt spid="2">
+                                            <p:txEl>
+                                              <p:pRg st="4" end="4"/>
+                                            </p:txEl>
+                                          </p:spTgt>
+                                        </p:tgtEl>
+                                        <p:attrNameLst>
+                                          <p:attrName>ppt_y</p:attrName>
+                                        </p:attrNameLst>
+                                      </p:cBhvr>
+                                      <p:tavLst>
+                                        <p:tav tm="0">
+                                          <p:val>
+                                            <p:strVal val="#ppt_y+.1"/>
+                                          </p:val>
+                                        </p:tav>
+                                        <p:tav tm="100000">
+                                          <p:val>
+                                            <p:strVal val="#ppt_y"/>
+                                          </p:val>
+                                        </p:tav>
+                                      </p:tavLst>
+                                    </p:anim>
+                                  </p:childTnLst>
+                                </p:cTn>
+                              </p:par>
+                              <p:par>
+                                <p:cTn id="48" presetID="42" presetClass="entr" presetSubtype="0" fill="hold" nodeType="withEffect">
+                                  <p:stCondLst>
+                                    <p:cond delay="0"/>
+                                  </p:stCondLst>
+                                  <p:childTnLst>
+                                    <p:set>
+                                      <p:cBhvr>
+                                        <p:cTn id="49" dur="1" fill="hold">
+                                          <p:stCondLst>
+                                            <p:cond delay="0"/>
+                                          </p:stCondLst>
+                                        </p:cTn>
+                                        <p:tgtEl>
+                                          <p:spTgt spid="2">
+                                            <p:txEl>
+                                              <p:pRg st="5" end="5"/>
+                                            </p:txEl>
+                                          </p:spTgt>
+                                        </p:tgtEl>
+                                        <p:attrNameLst>
+                                          <p:attrName>style.visibility</p:attrName>
+                                        </p:attrNameLst>
+                                      </p:cBhvr>
+                                      <p:to>
+                                        <p:strVal val="visible"/>
+                                      </p:to>
+                                    </p:set>
+                                    <p:animEffect transition="in" filter="fade">
+                                      <p:cBhvr>
+                                        <p:cTn id="50" dur="1000"/>
+                                        <p:tgtEl>
+                                          <p:spTgt spid="2">
+                                            <p:txEl>
+                                              <p:pRg st="5" end="5"/>
+                                            </p:txEl>
+                                          </p:spTgt>
+                                        </p:tgtEl>
+                                      </p:cBhvr>
+                                    </p:animEffect>
+                                    <p:anim calcmode="lin" valueType="num">
+                                      <p:cBhvr>
+                                        <p:cTn id="51" dur="1000" fill="hold"/>
+                                        <p:tgtEl>
+                                          <p:spTgt spid="2">
+                                            <p:txEl>
+                                              <p:pRg st="5" end="5"/>
+                                            </p:txEl>
+                                          </p:spTgt>
+                                        </p:tgtEl>
+                                        <p:attrNameLst>
+                                          <p:attrName>ppt_x</p:attrName>
+                                        </p:attrNameLst>
+                                      </p:cBhvr>
+                                      <p:tavLst>
+                                        <p:tav tm="0">
+                                          <p:val>
+                                            <p:strVal val="#ppt_x"/>
+                                          </p:val>
+                                        </p:tav>
+                                        <p:tav tm="100000">
+                                          <p:val>
+                                            <p:strVal val="#ppt_x"/>
+                                          </p:val>
+                                        </p:tav>
+                                      </p:tavLst>
+                                    </p:anim>
+                                    <p:anim calcmode="lin" valueType="num">
+                                      <p:cBhvr>
+                                        <p:cTn id="52" dur="1000" fill="hold"/>
+                                        <p:tgtEl>
+                                          <p:spTgt spid="2">
+                                            <p:txEl>
+                                              <p:pRg st="5" end="5"/>
+                                            </p:txEl>
+                                          </p:spTgt>
+                                        </p:tgtEl>
+                                        <p:attrNameLst>
+                                          <p:attrName>ppt_y</p:attrName>
+                                        </p:attrNameLst>
+                                      </p:cBhvr>
+                                      <p:tavLst>
+                                        <p:tav tm="0">
+                                          <p:val>
+                                            <p:strVal val="#ppt_y+.1"/>
+                                          </p:val>
+                                        </p:tav>
+                                        <p:tav tm="100000">
+                                          <p:val>
+                                            <p:strVal val="#ppt_y"/>
+                                          </p:val>
+                                        </p:tav>
+                                      </p:tavLst>
+                                    </p:anim>
+                                  </p:childTnLst>
+                                </p:cTn>
+                              </p:par>
+                              <p:par>
+                                <p:cTn id="53" presetID="42" presetClass="entr" presetSubtype="0" fill="hold" nodeType="withEffect">
+                                  <p:stCondLst>
+                                    <p:cond delay="0"/>
+                                  </p:stCondLst>
+                                  <p:childTnLst>
+                                    <p:set>
+                                      <p:cBhvr>
+                                        <p:cTn id="54" dur="1" fill="hold">
+                                          <p:stCondLst>
+                                            <p:cond delay="0"/>
+                                          </p:stCondLst>
+                                        </p:cTn>
+                                        <p:tgtEl>
+                                          <p:spTgt spid="2">
+                                            <p:txEl>
+                                              <p:pRg st="6" end="6"/>
+                                            </p:txEl>
+                                          </p:spTgt>
+                                        </p:tgtEl>
+                                        <p:attrNameLst>
+                                          <p:attrName>style.visibility</p:attrName>
+                                        </p:attrNameLst>
+                                      </p:cBhvr>
+                                      <p:to>
+                                        <p:strVal val="visible"/>
+                                      </p:to>
+                                    </p:set>
+                                    <p:animEffect transition="in" filter="fade">
+                                      <p:cBhvr>
+                                        <p:cTn id="55" dur="1000"/>
+                                        <p:tgtEl>
+                                          <p:spTgt spid="2">
+                                            <p:txEl>
+                                              <p:pRg st="6" end="6"/>
+                                            </p:txEl>
+                                          </p:spTgt>
+                                        </p:tgtEl>
+                                      </p:cBhvr>
+                                    </p:animEffect>
+                                    <p:anim calcmode="lin" valueType="num">
+                                      <p:cBhvr>
+                                        <p:cTn id="56" dur="1000" fill="hold"/>
+                                        <p:tgtEl>
+                                          <p:spTgt spid="2">
+                                            <p:txEl>
+                                              <p:pRg st="6" end="6"/>
+                                            </p:txEl>
+                                          </p:spTgt>
+                                        </p:tgtEl>
+                                        <p:attrNameLst>
+                                          <p:attrName>ppt_x</p:attrName>
+                                        </p:attrNameLst>
+                                      </p:cBhvr>
+                                      <p:tavLst>
+                                        <p:tav tm="0">
+                                          <p:val>
+                                            <p:strVal val="#ppt_x"/>
+                                          </p:val>
+                                        </p:tav>
+                                        <p:tav tm="100000">
+                                          <p:val>
+                                            <p:strVal val="#ppt_x"/>
+                                          </p:val>
+                                        </p:tav>
+                                      </p:tavLst>
+                                    </p:anim>
+                                    <p:anim calcmode="lin" valueType="num">
+                                      <p:cBhvr>
+                                        <p:cTn id="57" dur="1000" fill="hold"/>
+                                        <p:tgtEl>
+                                          <p:spTgt spid="2">
+                                            <p:txEl>
+                                              <p:pRg st="6" end="6"/>
+                                            </p:txEl>
+                                          </p:spTgt>
+                                        </p:tgtEl>
+                                        <p:attrNameLst>
+                                          <p:attrName>ppt_y</p:attrName>
+                                        </p:attrNameLst>
+                                      </p:cBhvr>
+                                      <p:tavLst>
+                                        <p:tav tm="0">
+                                          <p:val>
+                                            <p:strVal val="#ppt_y+.1"/>
+                                          </p:val>
+                                        </p:tav>
+                                        <p:tav tm="100000">
+                                          <p:val>
+                                            <p:strVal val="#ppt_y"/>
+                                          </p:val>
+                                        </p:tav>
+                                      </p:tavLst>
+                                    </p:anim>
+                                  </p:childTnLst>
+                                </p:cTn>
+                              </p:par>
+                              <p:par>
+                                <p:cTn id="58" presetID="42" presetClass="entr" presetSubtype="0" fill="hold" nodeType="withEffect">
+                                  <p:stCondLst>
+                                    <p:cond delay="0"/>
+                                  </p:stCondLst>
+                                  <p:childTnLst>
+                                    <p:set>
+                                      <p:cBhvr>
+                                        <p:cTn id="59" dur="1" fill="hold">
+                                          <p:stCondLst>
+                                            <p:cond delay="0"/>
+                                          </p:stCondLst>
+                                        </p:cTn>
+                                        <p:tgtEl>
+                                          <p:spTgt spid="2">
+                                            <p:txEl>
+                                              <p:pRg st="7" end="7"/>
+                                            </p:txEl>
+                                          </p:spTgt>
+                                        </p:tgtEl>
+                                        <p:attrNameLst>
+                                          <p:attrName>style.visibility</p:attrName>
+                                        </p:attrNameLst>
+                                      </p:cBhvr>
+                                      <p:to>
+                                        <p:strVal val="visible"/>
+                                      </p:to>
+                                    </p:set>
+                                    <p:animEffect transition="in" filter="fade">
+                                      <p:cBhvr>
+                                        <p:cTn id="60" dur="1000"/>
+                                        <p:tgtEl>
+                                          <p:spTgt spid="2">
+                                            <p:txEl>
+                                              <p:pRg st="7" end="7"/>
+                                            </p:txEl>
+                                          </p:spTgt>
+                                        </p:tgtEl>
+                                      </p:cBhvr>
+                                    </p:animEffect>
+                                    <p:anim calcmode="lin" valueType="num">
+                                      <p:cBhvr>
+                                        <p:cTn id="61" dur="1000" fill="hold"/>
+                                        <p:tgtEl>
+                                          <p:spTgt spid="2">
+                                            <p:txEl>
+                                              <p:pRg st="7" end="7"/>
+                                            </p:txEl>
+                                          </p:spTgt>
+                                        </p:tgtEl>
+                                        <p:attrNameLst>
+                                          <p:attrName>ppt_x</p:attrName>
+                                        </p:attrNameLst>
+                                      </p:cBhvr>
+                                      <p:tavLst>
+                                        <p:tav tm="0">
+                                          <p:val>
+                                            <p:strVal val="#ppt_x"/>
+                                          </p:val>
+                                        </p:tav>
+                                        <p:tav tm="100000">
+                                          <p:val>
+                                            <p:strVal val="#ppt_x"/>
+                                          </p:val>
+                                        </p:tav>
+                                      </p:tavLst>
+                                    </p:anim>
+                                    <p:anim calcmode="lin" valueType="num">
+                                      <p:cBhvr>
+                                        <p:cTn id="62" dur="1000" fill="hold"/>
+                                        <p:tgtEl>
+                                          <p:spTgt spid="2">
+                                            <p:txEl>
+                                              <p:pRg st="7" end="7"/>
+                                            </p:txEl>
+                                          </p:spTgt>
+                                        </p:tgtEl>
+                                        <p:attrNameLst>
+                                          <p:attrName>ppt_y</p:attrName>
+                                        </p:attrNameLst>
+                                      </p:cBhvr>
+                                      <p:tavLst>
+                                        <p:tav tm="0">
+                                          <p:val>
+                                            <p:strVal val="#ppt_y+.1"/>
+                                          </p:val>
+                                        </p:tav>
+                                        <p:tav tm="100000">
+                                          <p:val>
+                                            <p:strVal val="#ppt_y"/>
+                                          </p:val>
+                                        </p:tav>
+                                      </p:tavLst>
+                                    </p:anim>
+                                  </p:childTnLst>
+                                </p:cTn>
+                              </p:par>
+                              <p:par>
+                                <p:cTn id="63" presetID="42" presetClass="entr" presetSubtype="0" fill="hold" nodeType="withEffect">
+                                  <p:stCondLst>
+                                    <p:cond delay="0"/>
+                                  </p:stCondLst>
+                                  <p:childTnLst>
+                                    <p:set>
+                                      <p:cBhvr>
+                                        <p:cTn id="64" dur="1" fill="hold">
+                                          <p:stCondLst>
+                                            <p:cond delay="0"/>
+                                          </p:stCondLst>
+                                        </p:cTn>
+                                        <p:tgtEl>
+                                          <p:spTgt spid="2">
+                                            <p:txEl>
+                                              <p:pRg st="8" end="8"/>
+                                            </p:txEl>
+                                          </p:spTgt>
+                                        </p:tgtEl>
+                                        <p:attrNameLst>
+                                          <p:attrName>style.visibility</p:attrName>
+                                        </p:attrNameLst>
+                                      </p:cBhvr>
+                                      <p:to>
+                                        <p:strVal val="visible"/>
+                                      </p:to>
+                                    </p:set>
+                                    <p:animEffect transition="in" filter="fade">
+                                      <p:cBhvr>
+                                        <p:cTn id="65" dur="1000"/>
+                                        <p:tgtEl>
+                                          <p:spTgt spid="2">
+                                            <p:txEl>
+                                              <p:pRg st="8" end="8"/>
+                                            </p:txEl>
+                                          </p:spTgt>
+                                        </p:tgtEl>
+                                      </p:cBhvr>
+                                    </p:animEffect>
+                                    <p:anim calcmode="lin" valueType="num">
+                                      <p:cBhvr>
+                                        <p:cTn id="66" dur="1000" fill="hold"/>
+                                        <p:tgtEl>
+                                          <p:spTgt spid="2">
+                                            <p:txEl>
+                                              <p:pRg st="8" end="8"/>
+                                            </p:txEl>
+                                          </p:spTgt>
+                                        </p:tgtEl>
+                                        <p:attrNameLst>
+                                          <p:attrName>ppt_x</p:attrName>
+                                        </p:attrNameLst>
+                                      </p:cBhvr>
+                                      <p:tavLst>
+                                        <p:tav tm="0">
+                                          <p:val>
+                                            <p:strVal val="#ppt_x"/>
+                                          </p:val>
+                                        </p:tav>
+                                        <p:tav tm="100000">
+                                          <p:val>
+                                            <p:strVal val="#ppt_x"/>
+                                          </p:val>
+                                        </p:tav>
+                                      </p:tavLst>
+                                    </p:anim>
+                                    <p:anim calcmode="lin" valueType="num">
+                                      <p:cBhvr>
+                                        <p:cTn id="67" dur="1000" fill="hold"/>
+                                        <p:tgtEl>
+                                          <p:spTgt spid="2">
+                                            <p:txEl>
+                                              <p:pRg st="8" end="8"/>
+                                            </p:txEl>
+                                          </p:spTgt>
+                                        </p:tgtEl>
+                                        <p:attrNameLst>
+                                          <p:attrName>ppt_y</p:attrName>
+                                        </p:attrNameLst>
+                                      </p:cBhvr>
+                                      <p:tavLst>
+                                        <p:tav tm="0">
+                                          <p:val>
+                                            <p:strVal val="#ppt_y+.1"/>
+                                          </p:val>
+                                        </p:tav>
+                                        <p:tav tm="100000">
+                                          <p:val>
+                                            <p:strVal val="#ppt_y"/>
+                                          </p:val>
+                                        </p:tav>
+                                      </p:tavLst>
+                                    </p:anim>
+                                  </p:childTnLst>
+                                </p:cTn>
+                              </p:par>
+                              <p:par>
+                                <p:cTn id="68" presetID="42" presetClass="entr" presetSubtype="0" fill="hold" nodeType="withEffect">
+                                  <p:stCondLst>
+                                    <p:cond delay="0"/>
+                                  </p:stCondLst>
+                                  <p:childTnLst>
+                                    <p:set>
+                                      <p:cBhvr>
+                                        <p:cTn id="69" dur="1" fill="hold">
+                                          <p:stCondLst>
+                                            <p:cond delay="0"/>
+                                          </p:stCondLst>
+                                        </p:cTn>
+                                        <p:tgtEl>
+                                          <p:spTgt spid="2">
+                                            <p:txEl>
+                                              <p:pRg st="9" end="9"/>
+                                            </p:txEl>
+                                          </p:spTgt>
+                                        </p:tgtEl>
+                                        <p:attrNameLst>
+                                          <p:attrName>style.visibility</p:attrName>
+                                        </p:attrNameLst>
+                                      </p:cBhvr>
+                                      <p:to>
+                                        <p:strVal val="visible"/>
+                                      </p:to>
+                                    </p:set>
+                                    <p:animEffect transition="in" filter="fade">
+                                      <p:cBhvr>
+                                        <p:cTn id="70" dur="1000"/>
+                                        <p:tgtEl>
+                                          <p:spTgt spid="2">
+                                            <p:txEl>
+                                              <p:pRg st="9" end="9"/>
+                                            </p:txEl>
+                                          </p:spTgt>
+                                        </p:tgtEl>
+                                      </p:cBhvr>
+                                    </p:animEffect>
+                                    <p:anim calcmode="lin" valueType="num">
+                                      <p:cBhvr>
+                                        <p:cTn id="71" dur="1000" fill="hold"/>
+                                        <p:tgtEl>
+                                          <p:spTgt spid="2">
+                                            <p:txEl>
+                                              <p:pRg st="9" end="9"/>
+                                            </p:txEl>
+                                          </p:spTgt>
+                                        </p:tgtEl>
+                                        <p:attrNameLst>
+                                          <p:attrName>ppt_x</p:attrName>
+                                        </p:attrNameLst>
+                                      </p:cBhvr>
+                                      <p:tavLst>
+                                        <p:tav tm="0">
+                                          <p:val>
+                                            <p:strVal val="#ppt_x"/>
+                                          </p:val>
+                                        </p:tav>
+                                        <p:tav tm="100000">
+                                          <p:val>
+                                            <p:strVal val="#ppt_x"/>
+                                          </p:val>
+                                        </p:tav>
+                                      </p:tavLst>
+                                    </p:anim>
+                                    <p:anim calcmode="lin" valueType="num">
+                                      <p:cBhvr>
+                                        <p:cTn id="72" dur="1000" fill="hold"/>
+                                        <p:tgtEl>
+                                          <p:spTgt spid="2">
+                                            <p:txEl>
+                                              <p:pRg st="9" end="9"/>
+                                            </p:txEl>
+                                          </p:spTgt>
+                                        </p:tgtEl>
+                                        <p:attrNameLst>
+                                          <p:attrName>ppt_y</p:attrName>
+                                        </p:attrNameLst>
+                                      </p:cBhvr>
+                                      <p:tavLst>
+                                        <p:tav tm="0">
+                                          <p:val>
+                                            <p:strVal val="#ppt_y+.1"/>
+                                          </p:val>
+                                        </p:tav>
+                                        <p:tav tm="100000">
+                                          <p:val>
+                                            <p:strVal val="#ppt_y"/>
+                                          </p:val>
+                                        </p:tav>
+                                      </p:tavLst>
+                                    </p:anim>
+                                  </p:childTnLst>
+                                </p:cTn>
+                              </p:par>
+                              <p:par>
+                                <p:cTn id="73" presetID="42" presetClass="entr" presetSubtype="0" fill="hold" nodeType="withEffect">
+                                  <p:stCondLst>
+                                    <p:cond delay="0"/>
+                                  </p:stCondLst>
+                                  <p:childTnLst>
+                                    <p:set>
+                                      <p:cBhvr>
+                                        <p:cTn id="74" dur="1" fill="hold">
+                                          <p:stCondLst>
+                                            <p:cond delay="0"/>
+                                          </p:stCondLst>
+                                        </p:cTn>
+                                        <p:tgtEl>
+                                          <p:spTgt spid="2">
+                                            <p:txEl>
+                                              <p:pRg st="10" end="10"/>
+                                            </p:txEl>
+                                          </p:spTgt>
+                                        </p:tgtEl>
+                                        <p:attrNameLst>
+                                          <p:attrName>style.visibility</p:attrName>
+                                        </p:attrNameLst>
+                                      </p:cBhvr>
+                                      <p:to>
+                                        <p:strVal val="visible"/>
+                                      </p:to>
+                                    </p:set>
+                                    <p:animEffect transition="in" filter="fade">
+                                      <p:cBhvr>
+                                        <p:cTn id="75" dur="1000"/>
+                                        <p:tgtEl>
+                                          <p:spTgt spid="2">
+                                            <p:txEl>
+                                              <p:pRg st="10" end="10"/>
+                                            </p:txEl>
+                                          </p:spTgt>
+                                        </p:tgtEl>
+                                      </p:cBhvr>
+                                    </p:animEffect>
+                                    <p:anim calcmode="lin" valueType="num">
+                                      <p:cBhvr>
+                                        <p:cTn id="76" dur="1000" fill="hold"/>
+                                        <p:tgtEl>
+                                          <p:spTgt spid="2">
+                                            <p:txEl>
+                                              <p:pRg st="10" end="10"/>
+                                            </p:txEl>
+                                          </p:spTgt>
+                                        </p:tgtEl>
+                                        <p:attrNameLst>
+                                          <p:attrName>ppt_x</p:attrName>
+                                        </p:attrNameLst>
+                                      </p:cBhvr>
+                                      <p:tavLst>
+                                        <p:tav tm="0">
+                                          <p:val>
+                                            <p:strVal val="#ppt_x"/>
+                                          </p:val>
+                                        </p:tav>
+                                        <p:tav tm="100000">
+                                          <p:val>
+                                            <p:strVal val="#ppt_x"/>
+                                          </p:val>
+                                        </p:tav>
+                                      </p:tavLst>
+                                    </p:anim>
+                                    <p:anim calcmode="lin" valueType="num">
+                                      <p:cBhvr>
+                                        <p:cTn id="77" dur="1000" fill="hold"/>
+                                        <p:tgtEl>
+                                          <p:spTgt spid="2">
+                                            <p:txEl>
+                                              <p:pRg st="10" end="10"/>
+                                            </p:txEl>
+                                          </p:spTgt>
+                                        </p:tgtEl>
+                                        <p:attrNameLst>
+                                          <p:attrName>ppt_y</p:attrName>
+                                        </p:attrNameLst>
+                                      </p:cBhvr>
+                                      <p:tavLst>
+                                        <p:tav tm="0">
+                                          <p:val>
+                                            <p:strVal val="#ppt_y+.1"/>
+                                          </p:val>
+                                        </p:tav>
+                                        <p:tav tm="100000">
+                                          <p:val>
+                                            <p:strVal val="#ppt_y"/>
+                                          </p:val>
+                                        </p:tav>
+                                      </p:tavLst>
+                                    </p:anim>
+                                  </p:childTnLst>
+                                </p:cTn>
+                              </p:par>
+                            </p:childTnLst>
+                          </p:cTn>
+                        </p:par>
+                      </p:childTnLst>
+                    </p:cTn>
+                  </p:par>
+                </p:childTnLst>
+              </p:cTn>
+              <p:prevCondLst>
+                <p:cond evt="onPrev" delay="0">
+                  <p:tgtEl>
+                    <p:sldTgt/>
+                  </p:tgtEl>
+                </p:cond>
+              </p:prevCondLst>
+              <p:nextCondLst>
+                <p:cond evt="onNext" delay="0">
+                  <p:tgtEl>
+                    <p:sldTgt/>
+                  </p:tgtEl>
+                </p:cond>
+              </p:nextCondLst>
+            </p:seq>
+          </p:childTnLst>
+        </p:cTn>
+      </p:par>
+    </p:tnLst>
+  </p:timing>
 </p:sld>
 </file>
 
